--- a/documents/OrchestrationOct2015.pptx
+++ b/documents/OrchestrationOct2015.pptx
@@ -5,10 +5,10 @@
     <p:sldMasterId id="2147483661" r:id="rId1"/>
   </p:sldMasterIdLst>
   <p:notesMasterIdLst>
-    <p:notesMasterId r:id="rId20"/>
+    <p:notesMasterId r:id="rId19"/>
   </p:notesMasterIdLst>
   <p:handoutMasterIdLst>
-    <p:handoutMasterId r:id="rId21"/>
+    <p:handoutMasterId r:id="rId20"/>
   </p:handoutMasterIdLst>
   <p:sldIdLst>
     <p:sldId id="257" r:id="rId2"/>
@@ -27,8 +27,7 @@
     <p:sldId id="272" r:id="rId15"/>
     <p:sldId id="276" r:id="rId16"/>
     <p:sldId id="263" r:id="rId17"/>
-    <p:sldId id="277" r:id="rId18"/>
-    <p:sldId id="278" r:id="rId19"/>
+    <p:sldId id="278" r:id="rId18"/>
   </p:sldIdLst>
   <p:sldSz cx="9144000" cy="6858000" type="screen4x3"/>
   <p:notesSz cx="6858000" cy="9144000"/>
@@ -213,7 +212,7 @@
             <a:fld id="{292420C5-2895-F740-82DD-84BEAA3AC837}" type="datetimeFigureOut">
               <a:rPr lang="en-US" smtClean="0"/>
               <a:pPr/>
-              <a:t>10/2/15</a:t>
+              <a:t>10/6/15</a:t>
             </a:fld>
             <a:endParaRPr lang="en-US"/>
           </a:p>
@@ -379,7 +378,7 @@
           <a:p>
             <a:fld id="{3D50B168-929A-894C-A09D-ADB07E76856C}" type="datetimeFigureOut">
               <a:rPr lang="en-US" smtClean="0"/>
-              <a:t>10/2/15</a:t>
+              <a:t>10/6/15</a:t>
             </a:fld>
             <a:endParaRPr lang="en-US"/>
           </a:p>
@@ -1301,90 +1300,6 @@
             <a:fld id="{54BCD11C-B983-C147-8292-6777FF836518}" type="slidenum">
               <a:rPr lang="en-US" smtClean="0"/>
               <a:t>17</a:t>
-            </a:fld>
-            <a:endParaRPr lang="en-US"/>
-          </a:p>
-        </p:txBody>
-      </p:sp>
-    </p:spTree>
-    <p:extLst>
-      <p:ext uri="{BB962C8B-B14F-4D97-AF65-F5344CB8AC3E}">
-        <p14:creationId xmlns:p14="http://schemas.microsoft.com/office/powerpoint/2010/main" val="1660690627"/>
-      </p:ext>
-    </p:extLst>
-  </p:cSld>
-  <p:clrMapOvr>
-    <a:masterClrMapping/>
-  </p:clrMapOvr>
-</p:notes>
-</file>
-
-<file path=ppt/notesSlides/notesSlide17.xml><?xml version="1.0" encoding="utf-8"?>
-<p:notes xmlns:a="http://schemas.openxmlformats.org/drawingml/2006/main" xmlns:r="http://schemas.openxmlformats.org/officeDocument/2006/relationships" xmlns:p="http://schemas.openxmlformats.org/presentationml/2006/main">
-  <p:cSld>
-    <p:spTree>
-      <p:nvGrpSpPr>
-        <p:cNvPr id="1" name=""/>
-        <p:cNvGrpSpPr/>
-        <p:nvPr/>
-      </p:nvGrpSpPr>
-      <p:grpSpPr>
-        <a:xfrm>
-          <a:off x="0" y="0"/>
-          <a:ext cx="0" cy="0"/>
-          <a:chOff x="0" y="0"/>
-          <a:chExt cx="0" cy="0"/>
-        </a:xfrm>
-      </p:grpSpPr>
-      <p:sp>
-        <p:nvSpPr>
-          <p:cNvPr id="2" name="Slide Image Placeholder 1"/>
-          <p:cNvSpPr>
-            <a:spLocks noGrp="1" noRot="1" noChangeAspect="1"/>
-          </p:cNvSpPr>
-          <p:nvPr>
-            <p:ph type="sldImg"/>
-          </p:nvPr>
-        </p:nvSpPr>
-        <p:spPr/>
-      </p:sp>
-      <p:sp>
-        <p:nvSpPr>
-          <p:cNvPr id="3" name="Notes Placeholder 2"/>
-          <p:cNvSpPr>
-            <a:spLocks noGrp="1"/>
-          </p:cNvSpPr>
-          <p:nvPr>
-            <p:ph type="body" idx="1"/>
-          </p:nvPr>
-        </p:nvSpPr>
-        <p:spPr/>
-        <p:txBody>
-          <a:bodyPr/>
-          <a:lstStyle/>
-          <a:p>
-            <a:endParaRPr lang="en-US"/>
-          </a:p>
-        </p:txBody>
-      </p:sp>
-      <p:sp>
-        <p:nvSpPr>
-          <p:cNvPr id="4" name="Slide Number Placeholder 3"/>
-          <p:cNvSpPr>
-            <a:spLocks noGrp="1"/>
-          </p:cNvSpPr>
-          <p:nvPr>
-            <p:ph type="sldNum" sz="quarter" idx="10"/>
-          </p:nvPr>
-        </p:nvSpPr>
-        <p:spPr/>
-        <p:txBody>
-          <a:bodyPr/>
-          <a:lstStyle/>
-          <a:p>
-            <a:fld id="{54BCD11C-B983-C147-8292-6777FF836518}" type="slidenum">
-              <a:rPr lang="en-US" smtClean="0"/>
-              <a:t>18</a:t>
             </a:fld>
             <a:endParaRPr lang="en-US"/>
           </a:p>
@@ -3341,7 +3256,7 @@
                   <a:srgbClr val="616161"/>
                 </a:solidFill>
               </a:rPr>
-              <a:t>Senior Research Programmer - NCSA</a:t>
+              <a:t>NCSA</a:t>
             </a:r>
             <a:r>
               <a:rPr lang="en-US" sz="2400" b="1" dirty="0" smtClean="0">
@@ -6113,313 +6028,6 @@
 </file>
 
 <file path=ppt/slides/slide17.xml><?xml version="1.0" encoding="utf-8"?>
-<p:sld xmlns:a="http://schemas.openxmlformats.org/drawingml/2006/main" xmlns:r="http://schemas.openxmlformats.org/officeDocument/2006/relationships" xmlns:p="http://schemas.openxmlformats.org/presentationml/2006/main">
-  <p:cSld>
-    <p:spTree>
-      <p:nvGrpSpPr>
-        <p:cNvPr id="1" name=""/>
-        <p:cNvGrpSpPr/>
-        <p:nvPr/>
-      </p:nvGrpSpPr>
-      <p:grpSpPr>
-        <a:xfrm>
-          <a:off x="0" y="0"/>
-          <a:ext cx="0" cy="0"/>
-          <a:chOff x="0" y="0"/>
-          <a:chExt cx="0" cy="0"/>
-        </a:xfrm>
-      </p:grpSpPr>
-      <p:sp>
-        <p:nvSpPr>
-          <p:cNvPr id="33" name="Title 32"/>
-          <p:cNvSpPr>
-            <a:spLocks noGrp="1"/>
-          </p:cNvSpPr>
-          <p:nvPr>
-            <p:ph type="title"/>
-          </p:nvPr>
-        </p:nvSpPr>
-        <p:spPr/>
-        <p:txBody>
-          <a:bodyPr/>
-          <a:lstStyle/>
-          <a:p>
-            <a:r>
-              <a:rPr lang="en-US" dirty="0" smtClean="0"/>
-              <a:t>Further information</a:t>
-            </a:r>
-            <a:endParaRPr lang="en-US" dirty="0"/>
-          </a:p>
-        </p:txBody>
-      </p:sp>
-      <p:sp>
-        <p:nvSpPr>
-          <p:cNvPr id="7" name="Text Placeholder 6"/>
-          <p:cNvSpPr>
-            <a:spLocks noGrp="1"/>
-          </p:cNvSpPr>
-          <p:nvPr>
-            <p:ph type="body" idx="1"/>
-          </p:nvPr>
-        </p:nvSpPr>
-        <p:spPr/>
-        <p:txBody>
-          <a:bodyPr anchor="t"/>
-          <a:lstStyle/>
-          <a:p>
-            <a:pPr marL="0" indent="0">
-              <a:buNone/>
-            </a:pPr>
-            <a:r>
-              <a:rPr lang="en-US" sz="1200" dirty="0" smtClean="0"/>
-              <a:t>$ </a:t>
-            </a:r>
-            <a:r>
-              <a:rPr lang="en-US" sz="1200" dirty="0" err="1" smtClean="0"/>
-              <a:t>condor_q</a:t>
-            </a:r>
-            <a:endParaRPr lang="en-US" sz="1200" dirty="0" smtClean="0"/>
-          </a:p>
-          <a:p>
-            <a:pPr marL="0" indent="0">
-              <a:buNone/>
-            </a:pPr>
-            <a:r>
-              <a:rPr lang="hu-HU" sz="1200" dirty="0"/>
-              <a:t>-- Schedd: lsst-dev.ncsa.illinois.edu : &lt;141.142.225.160:37253&gt;</a:t>
-            </a:r>
-          </a:p>
-          <a:p>
-            <a:pPr marL="0" indent="0">
-              <a:buNone/>
-            </a:pPr>
-            <a:r>
-              <a:rPr lang="is-IS" sz="1200" dirty="0"/>
-              <a:t> ID      OWNER            SUBMITTED     RUN_TIME ST PRI SIZE CMD               </a:t>
-            </a:r>
-          </a:p>
-          <a:p>
-            <a:pPr marL="0" indent="0">
-              <a:buNone/>
-            </a:pPr>
-            <a:r>
-              <a:rPr lang="is-IS" sz="1200" dirty="0"/>
-              <a:t>7092.0   srp             8/21 09:04   0+03:40:23 R  0   0.3  condor_dagman     </a:t>
-            </a:r>
-          </a:p>
-          <a:p>
-            <a:pPr marL="0" indent="0">
-              <a:buNone/>
-            </a:pPr>
-            <a:r>
-              <a:rPr lang="is-IS" sz="1200" dirty="0"/>
-              <a:t>7094.0   srp             8/21 09:05   0+00:43:04 I  0   97.7 matrix.sh visit=88</a:t>
-            </a:r>
-          </a:p>
-          <a:p>
-            <a:pPr marL="0" indent="0">
-              <a:buNone/>
-            </a:pPr>
-            <a:r>
-              <a:rPr lang="is-IS" sz="1200" dirty="0"/>
-              <a:t>7095.0   srp             8/21 09:05   0+00:42:54 I  0   97.7 matrix.sh visit=88</a:t>
-            </a:r>
-          </a:p>
-          <a:p>
-            <a:pPr marL="0" indent="0">
-              <a:buNone/>
-            </a:pPr>
-            <a:r>
-              <a:rPr lang="is-IS" sz="1200" dirty="0"/>
-              <a:t>7096.0   srp             8/21 09:05   0+00:42:54 I  0   97.7 matrix.sh visit=88</a:t>
-            </a:r>
-          </a:p>
-          <a:p>
-            <a:pPr marL="0" indent="0">
-              <a:buNone/>
-            </a:pPr>
-            <a:r>
-              <a:rPr lang="sk-SK" sz="1200" dirty="0"/>
-              <a:t> </a:t>
-            </a:r>
-          </a:p>
-          <a:p>
-            <a:pPr marL="0" indent="0">
-              <a:buNone/>
-            </a:pPr>
-            <a:r>
-              <a:rPr lang="sk-SK" sz="1200" dirty="0"/>
-              <a:t>4 jobs; 0 completed, 0 removed, 3 idle, 1 running, 0 held, 0 </a:t>
-            </a:r>
-            <a:r>
-              <a:rPr lang="sk-SK" sz="1200" dirty="0" smtClean="0"/>
-              <a:t>suspended</a:t>
-            </a:r>
-            <a:endParaRPr lang="sk-SK" sz="1200" dirty="0"/>
-          </a:p>
-          <a:p>
-            <a:pPr marL="0" indent="0">
-              <a:buNone/>
-            </a:pPr>
-            <a:r>
-              <a:rPr lang="en-US" sz="1200" dirty="0"/>
-              <a:t>$ </a:t>
-            </a:r>
-            <a:r>
-              <a:rPr lang="en-US" sz="1200" dirty="0" err="1"/>
-              <a:t>condor_rm</a:t>
-            </a:r>
-            <a:r>
-              <a:rPr lang="en-US" sz="1200" dirty="0"/>
-              <a:t> 7096</a:t>
-            </a:r>
-          </a:p>
-          <a:p>
-            <a:pPr marL="0" indent="0">
-              <a:buNone/>
-            </a:pPr>
-            <a:r>
-              <a:rPr lang="en-US" sz="1200" dirty="0"/>
-              <a:t>Cluster 7096 has been marked for removal.</a:t>
-            </a:r>
-          </a:p>
-          <a:p>
-            <a:pPr marL="0" indent="0">
-              <a:buNone/>
-            </a:pPr>
-            <a:r>
-              <a:rPr lang="en-US" sz="1200" dirty="0"/>
-              <a:t>$  </a:t>
-            </a:r>
-            <a:r>
-              <a:rPr lang="en-US" sz="1200" dirty="0" err="1" smtClean="0"/>
-              <a:t>condor_q</a:t>
-            </a:r>
-            <a:endParaRPr lang="sk-SK" sz="1200" dirty="0"/>
-          </a:p>
-          <a:p>
-            <a:pPr marL="0" indent="0">
-              <a:buNone/>
-            </a:pPr>
-            <a:r>
-              <a:rPr lang="sk-SK" sz="1200" dirty="0"/>
-              <a:t>-- Submitter: lsst-dev.ncsa.illinois.edu : &lt;141.142.225.160:37253&gt; : lsst-dev.ncsa.illinois.edu</a:t>
-            </a:r>
-          </a:p>
-          <a:p>
-            <a:pPr marL="0" indent="0">
-              <a:buNone/>
-            </a:pPr>
-            <a:r>
-              <a:rPr lang="is-IS" sz="1200" dirty="0"/>
-              <a:t> ID      OWNER            SUBMITTED     RUN_TIME ST PRI SIZE CMD               </a:t>
-            </a:r>
-          </a:p>
-          <a:p>
-            <a:pPr marL="0" indent="0">
-              <a:buNone/>
-            </a:pPr>
-            <a:r>
-              <a:rPr lang="is-IS" sz="1200" dirty="0"/>
-              <a:t>7092.0   srp             8/21 09:04   0+03:48:26 R  0   0.3  condor_dagman     </a:t>
-            </a:r>
-          </a:p>
-          <a:p>
-            <a:pPr marL="0" indent="0">
-              <a:buNone/>
-            </a:pPr>
-            <a:r>
-              <a:rPr lang="is-IS" sz="1200" dirty="0"/>
-              <a:t>7094.0   srp             8/21 09:05   0+00:43:04 I  0   97.7 matrix.sh visit=88</a:t>
-            </a:r>
-          </a:p>
-          <a:p>
-            <a:pPr marL="0" indent="0">
-              <a:buNone/>
-            </a:pPr>
-            <a:r>
-              <a:rPr lang="is-IS" sz="1200" dirty="0"/>
-              <a:t>7095.0   srp             8/21 09:05   0+00:42:54 I  0   97.7 matrix.sh visit=88</a:t>
-            </a:r>
-          </a:p>
-          <a:p>
-            <a:pPr marL="0" indent="0">
-              <a:buNone/>
-            </a:pPr>
-            <a:r>
-              <a:rPr lang="sk-SK" sz="1200" dirty="0"/>
-              <a:t> </a:t>
-            </a:r>
-          </a:p>
-          <a:p>
-            <a:pPr marL="0" indent="0">
-              <a:buNone/>
-            </a:pPr>
-            <a:r>
-              <a:rPr lang="sk-SK" sz="1200" dirty="0"/>
-              <a:t>3 jobs; 0 completed, 0 removed, 2 idle, 1 running, 0 held, 0 </a:t>
-            </a:r>
-            <a:r>
-              <a:rPr lang="sk-SK" sz="1200" dirty="0" smtClean="0"/>
-              <a:t>suspended</a:t>
-            </a:r>
-          </a:p>
-          <a:p>
-            <a:pPr marL="0" indent="0">
-              <a:buNone/>
-            </a:pPr>
-            <a:r>
-              <a:rPr lang="sk-SK" sz="1200" dirty="0" smtClean="0"/>
-              <a:t>$</a:t>
-            </a:r>
-          </a:p>
-          <a:p>
-            <a:pPr marL="0" indent="0">
-              <a:buNone/>
-            </a:pPr>
-            <a:endParaRPr lang="sk-SK" sz="1200" dirty="0"/>
-          </a:p>
-          <a:p>
-            <a:pPr marL="0" indent="0">
-              <a:buNone/>
-            </a:pPr>
-            <a:r>
-              <a:rPr lang="sk-SK" sz="1200" dirty="0" smtClean="0"/>
-              <a:t>The command </a:t>
-            </a:r>
-            <a:r>
-              <a:rPr lang="sk-SK" sz="1200" b="1" dirty="0" smtClean="0"/>
-              <a:t>condor_status</a:t>
-            </a:r>
-            <a:r>
-              <a:rPr lang="sk-SK" sz="1200" dirty="0" smtClean="0"/>
-              <a:t> will show how many slots are available.</a:t>
-            </a:r>
-            <a:endParaRPr lang="en-US" sz="1200" dirty="0" smtClean="0"/>
-          </a:p>
-        </p:txBody>
-      </p:sp>
-    </p:spTree>
-    <p:extLst>
-      <p:ext uri="{BB962C8B-B14F-4D97-AF65-F5344CB8AC3E}">
-        <p14:creationId xmlns:p14="http://schemas.microsoft.com/office/powerpoint/2010/main" val="359255390"/>
-      </p:ext>
-    </p:extLst>
-  </p:cSld>
-  <p:clrMapOvr>
-    <a:masterClrMapping/>
-  </p:clrMapOvr>
-  <p:timing>
-    <p:tnLst>
-      <p:par>
-        <p:cTn xmlns:p14="http://schemas.microsoft.com/office/powerpoint/2010/main" id="1" dur="indefinite" restart="never" nodeType="tmRoot"/>
-      </p:par>
-    </p:tnLst>
-  </p:timing>
-</p:sld>
-</file>
-
-<file path=ppt/slides/slide18.xml><?xml version="1.0" encoding="utf-8"?>
 <p:sld xmlns:a="http://schemas.openxmlformats.org/drawingml/2006/main" xmlns:r="http://schemas.openxmlformats.org/officeDocument/2006/relationships" xmlns:p="http://schemas.openxmlformats.org/presentationml/2006/main">
   <p:cSld>
     <p:spTree>
@@ -7582,11 +7190,7 @@
             </a:r>
             <a:r>
               <a:rPr lang="en-US" sz="1800" dirty="0" smtClean="0"/>
-              <a:t> file</a:t>
-            </a:r>
-            <a:r>
-              <a:rPr lang="en-US" sz="1800" dirty="0" smtClean="0"/>
-              <a:t>.</a:t>
+              <a:t> file.</a:t>
             </a:r>
           </a:p>
           <a:p>

--- a/documents/OrchestrationOct2015.pptx
+++ b/documents/OrchestrationOct2015.pptx
@@ -5,10 +5,10 @@
     <p:sldMasterId id="2147483661" r:id="rId1"/>
   </p:sldMasterIdLst>
   <p:notesMasterIdLst>
-    <p:notesMasterId r:id="rId19"/>
+    <p:notesMasterId r:id="rId20"/>
   </p:notesMasterIdLst>
   <p:handoutMasterIdLst>
-    <p:handoutMasterId r:id="rId20"/>
+    <p:handoutMasterId r:id="rId21"/>
   </p:handoutMasterIdLst>
   <p:sldIdLst>
     <p:sldId id="257" r:id="rId2"/>
@@ -16,18 +16,19 @@
     <p:sldId id="261" r:id="rId4"/>
     <p:sldId id="264" r:id="rId5"/>
     <p:sldId id="279" r:id="rId6"/>
-    <p:sldId id="266" r:id="rId7"/>
-    <p:sldId id="274" r:id="rId8"/>
-    <p:sldId id="267" r:id="rId9"/>
-    <p:sldId id="273" r:id="rId10"/>
-    <p:sldId id="268" r:id="rId11"/>
-    <p:sldId id="269" r:id="rId12"/>
-    <p:sldId id="270" r:id="rId13"/>
-    <p:sldId id="271" r:id="rId14"/>
-    <p:sldId id="272" r:id="rId15"/>
-    <p:sldId id="276" r:id="rId16"/>
-    <p:sldId id="263" r:id="rId17"/>
-    <p:sldId id="278" r:id="rId18"/>
+    <p:sldId id="280" r:id="rId7"/>
+    <p:sldId id="266" r:id="rId8"/>
+    <p:sldId id="274" r:id="rId9"/>
+    <p:sldId id="267" r:id="rId10"/>
+    <p:sldId id="273" r:id="rId11"/>
+    <p:sldId id="268" r:id="rId12"/>
+    <p:sldId id="269" r:id="rId13"/>
+    <p:sldId id="270" r:id="rId14"/>
+    <p:sldId id="271" r:id="rId15"/>
+    <p:sldId id="272" r:id="rId16"/>
+    <p:sldId id="276" r:id="rId17"/>
+    <p:sldId id="263" r:id="rId18"/>
+    <p:sldId id="278" r:id="rId19"/>
   </p:sldIdLst>
   <p:sldSz cx="9144000" cy="6858000" type="screen4x3"/>
   <p:notesSz cx="6858000" cy="9144000"/>
@@ -212,7 +213,7 @@
             <a:fld id="{292420C5-2895-F740-82DD-84BEAA3AC837}" type="datetimeFigureOut">
               <a:rPr lang="en-US" smtClean="0"/>
               <a:pPr/>
-              <a:t>10/6/15</a:t>
+              <a:t>10/7/15</a:t>
             </a:fld>
             <a:endParaRPr lang="en-US"/>
           </a:p>
@@ -378,7 +379,7 @@
           <a:p>
             <a:fld id="{3D50B168-929A-894C-A09D-ADB07E76856C}" type="datetimeFigureOut">
               <a:rPr lang="en-US" smtClean="0"/>
-              <a:t>10/6/15</a:t>
+              <a:t>10/7/15</a:t>
             </a:fld>
             <a:endParaRPr lang="en-US"/>
           </a:p>
@@ -1300,6 +1301,90 @@
             <a:fld id="{54BCD11C-B983-C147-8292-6777FF836518}" type="slidenum">
               <a:rPr lang="en-US" smtClean="0"/>
               <a:t>17</a:t>
+            </a:fld>
+            <a:endParaRPr lang="en-US"/>
+          </a:p>
+        </p:txBody>
+      </p:sp>
+    </p:spTree>
+    <p:extLst>
+      <p:ext uri="{BB962C8B-B14F-4D97-AF65-F5344CB8AC3E}">
+        <p14:creationId xmlns:p14="http://schemas.microsoft.com/office/powerpoint/2010/main" val="1660690627"/>
+      </p:ext>
+    </p:extLst>
+  </p:cSld>
+  <p:clrMapOvr>
+    <a:masterClrMapping/>
+  </p:clrMapOvr>
+</p:notes>
+</file>
+
+<file path=ppt/notesSlides/notesSlide17.xml><?xml version="1.0" encoding="utf-8"?>
+<p:notes xmlns:a="http://schemas.openxmlformats.org/drawingml/2006/main" xmlns:r="http://schemas.openxmlformats.org/officeDocument/2006/relationships" xmlns:p="http://schemas.openxmlformats.org/presentationml/2006/main">
+  <p:cSld>
+    <p:spTree>
+      <p:nvGrpSpPr>
+        <p:cNvPr id="1" name=""/>
+        <p:cNvGrpSpPr/>
+        <p:nvPr/>
+      </p:nvGrpSpPr>
+      <p:grpSpPr>
+        <a:xfrm>
+          <a:off x="0" y="0"/>
+          <a:ext cx="0" cy="0"/>
+          <a:chOff x="0" y="0"/>
+          <a:chExt cx="0" cy="0"/>
+        </a:xfrm>
+      </p:grpSpPr>
+      <p:sp>
+        <p:nvSpPr>
+          <p:cNvPr id="2" name="Slide Image Placeholder 1"/>
+          <p:cNvSpPr>
+            <a:spLocks noGrp="1" noRot="1" noChangeAspect="1"/>
+          </p:cNvSpPr>
+          <p:nvPr>
+            <p:ph type="sldImg"/>
+          </p:nvPr>
+        </p:nvSpPr>
+        <p:spPr/>
+      </p:sp>
+      <p:sp>
+        <p:nvSpPr>
+          <p:cNvPr id="3" name="Notes Placeholder 2"/>
+          <p:cNvSpPr>
+            <a:spLocks noGrp="1"/>
+          </p:cNvSpPr>
+          <p:nvPr>
+            <p:ph type="body" idx="1"/>
+          </p:nvPr>
+        </p:nvSpPr>
+        <p:spPr/>
+        <p:txBody>
+          <a:bodyPr/>
+          <a:lstStyle/>
+          <a:p>
+            <a:endParaRPr lang="en-US"/>
+          </a:p>
+        </p:txBody>
+      </p:sp>
+      <p:sp>
+        <p:nvSpPr>
+          <p:cNvPr id="4" name="Slide Number Placeholder 3"/>
+          <p:cNvSpPr>
+            <a:spLocks noGrp="1"/>
+          </p:cNvSpPr>
+          <p:nvPr>
+            <p:ph type="sldNum" sz="quarter" idx="10"/>
+          </p:nvPr>
+        </p:nvSpPr>
+        <p:spPr/>
+        <p:txBody>
+          <a:bodyPr/>
+          <a:lstStyle/>
+          <a:p>
+            <a:fld id="{54BCD11C-B983-C147-8292-6777FF836518}" type="slidenum">
+              <a:rPr lang="en-US" smtClean="0"/>
+              <a:t>18</a:t>
             </a:fld>
             <a:endParaRPr lang="en-US"/>
           </a:p>
@@ -3409,8 +3494,12 @@
           <a:lstStyle/>
           <a:p>
             <a:r>
+              <a:rPr lang="en-US" dirty="0" err="1" smtClean="0"/>
+              <a:t>runOrca.py</a:t>
+            </a:r>
+            <a:r>
               <a:rPr lang="en-US" dirty="0" smtClean="0"/>
-              <a:t>What’s happening in HTCondor (1/3)</a:t>
+              <a:t> example</a:t>
             </a:r>
             <a:endParaRPr lang="en-US" dirty="0"/>
           </a:p>
@@ -3435,23 +3524,196 @@
               <a:buNone/>
             </a:pPr>
             <a:r>
+              <a:rPr lang="en-US" sz="1200" dirty="0" smtClean="0"/>
+              <a:t>$ </a:t>
+            </a:r>
+            <a:r>
+              <a:rPr lang="en-US" sz="1200" dirty="0" err="1" smtClean="0"/>
+              <a:t>runOrca.py</a:t>
+            </a:r>
+            <a:r>
+              <a:rPr lang="en-US" sz="1200" dirty="0" smtClean="0"/>
+              <a:t> </a:t>
+            </a:r>
+            <a:r>
+              <a:rPr lang="en-US" sz="1200" dirty="0"/>
+              <a:t>-p </a:t>
+            </a:r>
+            <a:r>
+              <a:rPr lang="en-US" sz="1200" dirty="0" err="1"/>
+              <a:t>lsst</a:t>
+            </a:r>
+            <a:r>
+              <a:rPr lang="en-US" sz="1200" dirty="0"/>
+              <a:t> -c "/bin/echo" -</a:t>
+            </a:r>
+            <a:r>
+              <a:rPr lang="en-US" sz="1200" dirty="0" err="1"/>
+              <a:t>i</a:t>
+            </a:r>
+            <a:r>
+              <a:rPr lang="en-US" sz="1200" dirty="0"/>
+              <a:t> $HOME/</a:t>
+            </a:r>
+            <a:r>
+              <a:rPr lang="en-US" sz="1200" dirty="0" err="1"/>
+              <a:t>ids.txt</a:t>
+            </a:r>
+            <a:r>
+              <a:rPr lang="en-US" sz="1200" dirty="0"/>
+              <a:t> -e ~/</a:t>
+            </a:r>
+            <a:r>
+              <a:rPr lang="en-US" sz="1200" dirty="0" err="1"/>
+              <a:t>lsstsw</a:t>
+            </a:r>
+            <a:endParaRPr lang="en-US" sz="1200" dirty="0"/>
+          </a:p>
+          <a:p>
+            <a:pPr marL="0" indent="0">
+              <a:buNone/>
+            </a:pPr>
+            <a:r>
+              <a:rPr lang="en-US" sz="1200" dirty="0" err="1"/>
+              <a:t>runid</a:t>
+            </a:r>
+            <a:r>
+              <a:rPr lang="en-US" sz="1200" dirty="0"/>
+              <a:t> for this run is  srp_2015_0930_141934</a:t>
+            </a:r>
+          </a:p>
+          <a:p>
+            <a:pPr marL="0" indent="0">
+              <a:buNone/>
+            </a:pPr>
+            <a:r>
+              <a:rPr lang="en-US" sz="1200" dirty="0" err="1"/>
+              <a:t>condor_submit_dag</a:t>
+            </a:r>
+            <a:r>
+              <a:rPr lang="en-US" sz="1200" dirty="0"/>
+              <a:t> S2012Pipe.diamond.dag</a:t>
+            </a:r>
+          </a:p>
+          <a:p>
+            <a:pPr marL="0" indent="0">
+              <a:buNone/>
+            </a:pPr>
+            <a:r>
+              <a:rPr lang="en-US" sz="1200" dirty="0"/>
+              <a:t>I am: hostname: </a:t>
+            </a:r>
+            <a:r>
               <a:rPr lang="en-US" sz="1200" dirty="0" err="1"/>
               <a:t>lsst-dev</a:t>
             </a:r>
             <a:r>
               <a:rPr lang="en-US" sz="1200" dirty="0"/>
-              <a:t>&gt; </a:t>
+              <a:t>, fully qualified </a:t>
             </a:r>
             <a:r>
               <a:rPr lang="en-US" sz="1200" dirty="0" err="1"/>
-              <a:t>condor_q</a:t>
-            </a:r>
+              <a:t>doman</a:t>
+            </a:r>
+            <a:r>
+              <a:rPr lang="en-US" sz="1200" dirty="0"/>
+              <a:t> name: </a:t>
+            </a:r>
+            <a:r>
+              <a:rPr lang="en-US" sz="1200" dirty="0" err="1"/>
+              <a:t>lsst-dev.ncsa.illinois.edu</a:t>
+            </a:r>
+            <a:r>
+              <a:rPr lang="en-US" sz="1200" dirty="0"/>
+              <a:t>, IP: 141.142.237.30, IPv4: 141.142.237.30, IPv6: </a:t>
+            </a:r>
+          </a:p>
+          <a:p>
+            <a:pPr marL="0" indent="0">
+              <a:buNone/>
+            </a:pPr>
+            <a:r>
+              <a:rPr lang="en-US" sz="1200" dirty="0"/>
+              <a:t>I am: hostname: </a:t>
+            </a:r>
+            <a:r>
+              <a:rPr lang="en-US" sz="1200" dirty="0" err="1"/>
+              <a:t>lsst-dev</a:t>
+            </a:r>
+            <a:r>
+              <a:rPr lang="en-US" sz="1200" dirty="0"/>
+              <a:t>, fully qualified </a:t>
+            </a:r>
+            <a:r>
+              <a:rPr lang="en-US" sz="1200" dirty="0" err="1"/>
+              <a:t>doman</a:t>
+            </a:r>
+            <a:r>
+              <a:rPr lang="en-US" sz="1200" dirty="0"/>
+              <a:t> name: </a:t>
+            </a:r>
+            <a:r>
+              <a:rPr lang="en-US" sz="1200" dirty="0" err="1"/>
+              <a:t>lsst-dev.ncsa.illinois.edu</a:t>
+            </a:r>
+            <a:r>
+              <a:rPr lang="en-US" sz="1200" dirty="0"/>
+              <a:t>, IP: 141.142.237.30, IPv4: 141.142.237.30, IPv6: </a:t>
+            </a:r>
+          </a:p>
+          <a:p>
+            <a:pPr marL="0" indent="0">
+              <a:buNone/>
+            </a:pPr>
+            <a:r>
+              <a:rPr lang="en-US" sz="1200" dirty="0"/>
+              <a:t>Condor dag submitted as job  94022</a:t>
+            </a:r>
+          </a:p>
+          <a:p>
+            <a:pPr marL="0" indent="0">
+              <a:buNone/>
+            </a:pPr>
+            <a:r>
+              <a:rPr lang="en-US" sz="1200" dirty="0"/>
+              <a:t>Production launched.</a:t>
+            </a:r>
+          </a:p>
+          <a:p>
+            <a:pPr marL="0" indent="0">
+              <a:buNone/>
+            </a:pPr>
+            <a:r>
+              <a:rPr lang="en-US" sz="1200" dirty="0"/>
+              <a:t>Waiting for shutdown request</a:t>
+            </a:r>
+            <a:r>
+              <a:rPr lang="en-US" sz="1200" dirty="0" smtClean="0"/>
+              <a:t>.</a:t>
+            </a:r>
+          </a:p>
+          <a:p>
+            <a:pPr marL="0" indent="0">
+              <a:buNone/>
+            </a:pPr>
+            <a:endParaRPr lang="en-US" sz="1200" dirty="0" smtClean="0"/>
+          </a:p>
+          <a:p>
+            <a:pPr marL="0" indent="0">
+              <a:buNone/>
+            </a:pPr>
             <a:endParaRPr lang="en-US" sz="1200" dirty="0"/>
           </a:p>
           <a:p>
             <a:pPr marL="0" indent="0">
               <a:buNone/>
             </a:pPr>
+            <a:endParaRPr lang="en-US" sz="1200" dirty="0" smtClean="0"/>
+          </a:p>
+          <a:p>
+            <a:pPr marL="0" indent="0">
+              <a:buNone/>
+            </a:pPr>
             <a:endParaRPr lang="en-US" sz="1200" dirty="0"/>
           </a:p>
           <a:p>
@@ -3464,336 +3726,99 @@
             <a:pPr marL="0" indent="0">
               <a:buNone/>
             </a:pPr>
-            <a:r>
-              <a:rPr lang="hu-HU" sz="1200" dirty="0"/>
-              <a:t>-- Schedd: lsst-dev.ncsa.illinois.edu : &lt;141.142.237.30:61973?...</a:t>
-            </a:r>
-          </a:p>
-          <a:p>
-            <a:pPr marL="0" indent="0">
-              <a:buNone/>
-            </a:pPr>
-            <a:r>
-              <a:rPr lang="de-DE" sz="1200" dirty="0"/>
-              <a:t> ID      OWNER            SUBMITTED     RUN_TIME ST PRI SIZE CMD               </a:t>
-            </a:r>
-          </a:p>
-          <a:p>
-            <a:pPr marL="0" indent="0">
-              <a:buNone/>
-            </a:pPr>
-            <a:r>
-              <a:rPr lang="de-DE" sz="1200" dirty="0"/>
-              <a:t>79561.0   </a:t>
-            </a:r>
-            <a:r>
-              <a:rPr lang="de-DE" sz="1200" dirty="0" err="1"/>
-              <a:t>coughlin</a:t>
-            </a:r>
-            <a:r>
-              <a:rPr lang="de-DE" sz="1200" dirty="0"/>
-              <a:t>        9/18 12:00  11+17:16:25 R  0   0.3  </a:t>
-            </a:r>
-            <a:r>
-              <a:rPr lang="de-DE" sz="1200" dirty="0" err="1"/>
-              <a:t>condor_dagman</a:t>
-            </a:r>
-            <a:r>
-              <a:rPr lang="de-DE" sz="1200" dirty="0"/>
-              <a:t> -p 0</a:t>
-            </a:r>
-          </a:p>
-          <a:p>
-            <a:pPr marL="0" indent="0">
-              <a:buNone/>
-            </a:pPr>
-            <a:r>
-              <a:rPr lang="de-DE" sz="1200" dirty="0"/>
-              <a:t>79562.0   </a:t>
-            </a:r>
-            <a:r>
-              <a:rPr lang="de-DE" sz="1200" dirty="0" err="1"/>
-              <a:t>coughlin</a:t>
-            </a:r>
-            <a:r>
-              <a:rPr lang="de-DE" sz="1200" dirty="0"/>
-              <a:t>        9/18 12:00   0+14:37:37 H  0   1220.7 </a:t>
-            </a:r>
-            <a:r>
-              <a:rPr lang="de-DE" sz="1200" dirty="0" err="1"/>
-              <a:t>run_fisheye.py</a:t>
-            </a:r>
-            <a:r>
-              <a:rPr lang="de-DE" sz="1200" dirty="0"/>
-              <a:t> -o </a:t>
-            </a:r>
-          </a:p>
-          <a:p>
-            <a:pPr marL="0" indent="0">
-              <a:buNone/>
-            </a:pPr>
-            <a:r>
-              <a:rPr lang="de-DE" sz="1200" dirty="0"/>
-              <a:t>94022.0   </a:t>
-            </a:r>
-            <a:r>
-              <a:rPr lang="de-DE" sz="1200" dirty="0" err="1"/>
-              <a:t>srp</a:t>
-            </a:r>
-            <a:r>
-              <a:rPr lang="de-DE" sz="1200" dirty="0"/>
-              <a:t>             9/30 14:19   0+00:00:02 R  0   0.3  </a:t>
-            </a:r>
-            <a:r>
-              <a:rPr lang="de-DE" sz="1200" dirty="0" err="1"/>
-              <a:t>condor_dagman</a:t>
-            </a:r>
-            <a:r>
-              <a:rPr lang="de-DE" sz="1200" dirty="0"/>
-              <a:t> -p 0</a:t>
-            </a:r>
-          </a:p>
-          <a:p>
-            <a:pPr marL="0" indent="0">
-              <a:buNone/>
-            </a:pPr>
-            <a:endParaRPr lang="de-DE" sz="1200" dirty="0"/>
-          </a:p>
-          <a:p>
-            <a:pPr marL="0" indent="0">
-              <a:buNone/>
-            </a:pPr>
-            <a:r>
-              <a:rPr lang="de-DE" sz="1200" dirty="0"/>
-              <a:t>3 </a:t>
-            </a:r>
-            <a:r>
-              <a:rPr lang="de-DE" sz="1200" dirty="0" err="1"/>
-              <a:t>jobs</a:t>
-            </a:r>
-            <a:r>
-              <a:rPr lang="de-DE" sz="1200" dirty="0"/>
-              <a:t>; 0 </a:t>
-            </a:r>
-            <a:r>
-              <a:rPr lang="de-DE" sz="1200" dirty="0" err="1"/>
-              <a:t>completed</a:t>
-            </a:r>
-            <a:r>
-              <a:rPr lang="de-DE" sz="1200" dirty="0"/>
-              <a:t>, 0 </a:t>
-            </a:r>
-            <a:r>
-              <a:rPr lang="de-DE" sz="1200" dirty="0" err="1"/>
-              <a:t>removed</a:t>
-            </a:r>
-            <a:r>
-              <a:rPr lang="de-DE" sz="1200" dirty="0"/>
-              <a:t>, 0 </a:t>
-            </a:r>
-            <a:r>
-              <a:rPr lang="de-DE" sz="1200" dirty="0" err="1"/>
-              <a:t>idle</a:t>
-            </a:r>
-            <a:r>
-              <a:rPr lang="de-DE" sz="1200" dirty="0"/>
-              <a:t>, 2 </a:t>
-            </a:r>
-            <a:r>
-              <a:rPr lang="de-DE" sz="1200" dirty="0" err="1"/>
-              <a:t>running</a:t>
-            </a:r>
-            <a:r>
-              <a:rPr lang="de-DE" sz="1200" dirty="0"/>
-              <a:t>, 1 </a:t>
-            </a:r>
-            <a:r>
-              <a:rPr lang="de-DE" sz="1200" dirty="0" err="1"/>
-              <a:t>held</a:t>
-            </a:r>
-            <a:r>
-              <a:rPr lang="de-DE" sz="1200" dirty="0"/>
-              <a:t>, 0 </a:t>
-            </a:r>
-            <a:r>
-              <a:rPr lang="de-DE" sz="1200" dirty="0" err="1"/>
-              <a:t>suspended</a:t>
-            </a:r>
             <a:endParaRPr lang="en-US" sz="1200" dirty="0" smtClean="0"/>
           </a:p>
           <a:p>
             <a:pPr marL="0" indent="0">
               <a:buNone/>
             </a:pPr>
+            <a:r>
+              <a:rPr lang="en-US" sz="1200" dirty="0" smtClean="0"/>
+              <a:t>(Note that the “I am: hostname</a:t>
+            </a:r>
+            <a:r>
+              <a:rPr lang="is-IS" sz="1200" dirty="0" smtClean="0"/>
+              <a:t>…” lines are output from the current version of HTCondor and will be removed in a subsequent release).</a:t>
+            </a:r>
             <a:endParaRPr lang="en-US" sz="1200" dirty="0"/>
           </a:p>
-          <a:p>
-            <a:pPr marL="0" indent="0">
-              <a:buNone/>
-            </a:pPr>
-            <a:r>
-              <a:rPr lang="en-US" sz="1200" dirty="0" err="1" smtClean="0"/>
-              <a:t>lsst</a:t>
-            </a:r>
-            <a:r>
-              <a:rPr lang="en-US" sz="1200" dirty="0" err="1"/>
-              <a:t>-dev</a:t>
-            </a:r>
-            <a:r>
-              <a:rPr lang="en-US" sz="1200" dirty="0"/>
-              <a:t>&gt; </a:t>
-            </a:r>
-            <a:r>
-              <a:rPr lang="en-US" sz="1200" dirty="0" err="1"/>
-              <a:t>condor_q</a:t>
-            </a:r>
-            <a:endParaRPr lang="en-US" sz="1200" dirty="0"/>
-          </a:p>
-          <a:p>
-            <a:pPr marL="0" indent="0">
-              <a:buNone/>
-            </a:pPr>
-            <a:endParaRPr lang="en-US" sz="1200" dirty="0"/>
-          </a:p>
-          <a:p>
-            <a:pPr marL="0" indent="0">
-              <a:buNone/>
-            </a:pPr>
-            <a:endParaRPr lang="en-US" sz="1200" dirty="0"/>
-          </a:p>
-          <a:p>
-            <a:pPr marL="0" indent="0">
-              <a:buNone/>
-            </a:pPr>
-            <a:r>
-              <a:rPr lang="hu-HU" sz="1200" dirty="0"/>
-              <a:t>-- Schedd: lsst-dev.ncsa.illinois.edu : &lt;141.142.237.30:61973?...</a:t>
-            </a:r>
-          </a:p>
-          <a:p>
-            <a:pPr marL="0" indent="0">
-              <a:buNone/>
-            </a:pPr>
-            <a:r>
-              <a:rPr lang="de-DE" sz="1200" dirty="0"/>
-              <a:t> ID      OWNER            SUBMITTED     RUN_TIME ST PRI SIZE CMD               </a:t>
-            </a:r>
-          </a:p>
-          <a:p>
-            <a:pPr marL="0" indent="0">
-              <a:buNone/>
-            </a:pPr>
-            <a:r>
-              <a:rPr lang="de-DE" sz="1200" dirty="0"/>
-              <a:t>79561.0   </a:t>
-            </a:r>
-            <a:r>
-              <a:rPr lang="de-DE" sz="1200" dirty="0" err="1"/>
-              <a:t>coughlin</a:t>
-            </a:r>
-            <a:r>
-              <a:rPr lang="de-DE" sz="1200" dirty="0"/>
-              <a:t>        9/18 12:00  11+17:16:33 R  0   0.3  </a:t>
-            </a:r>
-            <a:r>
-              <a:rPr lang="de-DE" sz="1200" dirty="0" err="1"/>
-              <a:t>condor_dagman</a:t>
-            </a:r>
-            <a:r>
-              <a:rPr lang="de-DE" sz="1200" dirty="0"/>
-              <a:t> -p 0</a:t>
-            </a:r>
-          </a:p>
-          <a:p>
-            <a:pPr marL="0" indent="0">
-              <a:buNone/>
-            </a:pPr>
-            <a:r>
-              <a:rPr lang="de-DE" sz="1200" dirty="0"/>
-              <a:t>79562.0   </a:t>
-            </a:r>
-            <a:r>
-              <a:rPr lang="de-DE" sz="1200" dirty="0" err="1"/>
-              <a:t>coughlin</a:t>
-            </a:r>
-            <a:r>
-              <a:rPr lang="de-DE" sz="1200" dirty="0"/>
-              <a:t>        9/18 12:00   0+14:37:37 H  0   1220.7 </a:t>
-            </a:r>
-            <a:r>
-              <a:rPr lang="de-DE" sz="1200" dirty="0" err="1"/>
-              <a:t>run_fisheye.py</a:t>
-            </a:r>
-            <a:r>
-              <a:rPr lang="de-DE" sz="1200" dirty="0"/>
-              <a:t> -o </a:t>
-            </a:r>
-          </a:p>
-          <a:p>
-            <a:pPr marL="0" indent="0">
-              <a:buNone/>
-            </a:pPr>
-            <a:r>
-              <a:rPr lang="de-DE" sz="1200" dirty="0"/>
-              <a:t>94022.0   </a:t>
-            </a:r>
-            <a:r>
-              <a:rPr lang="de-DE" sz="1200" dirty="0" err="1"/>
-              <a:t>srp</a:t>
-            </a:r>
-            <a:r>
-              <a:rPr lang="de-DE" sz="1200" dirty="0"/>
-              <a:t>             9/30 14:19   0+00:00:10 R  0   0.3  </a:t>
-            </a:r>
-            <a:r>
-              <a:rPr lang="de-DE" sz="1200" dirty="0" err="1"/>
-              <a:t>condor_dagman</a:t>
-            </a:r>
-            <a:r>
-              <a:rPr lang="de-DE" sz="1200" dirty="0"/>
-              <a:t> -p 0</a:t>
-            </a:r>
-          </a:p>
-          <a:p>
-            <a:pPr marL="0" indent="0">
-              <a:buNone/>
-            </a:pPr>
-            <a:r>
-              <a:rPr lang="de-DE" sz="1200" dirty="0"/>
-              <a:t>94023.0   </a:t>
-            </a:r>
-            <a:r>
-              <a:rPr lang="de-DE" sz="1200" dirty="0" err="1"/>
-              <a:t>srp</a:t>
-            </a:r>
-            <a:r>
-              <a:rPr lang="de-DE" sz="1200" dirty="0"/>
-              <a:t>             9/30 14:19   0+00:00:00 I  0   0.0  </a:t>
-            </a:r>
-            <a:r>
-              <a:rPr lang="de-DE" sz="1200" dirty="0" err="1"/>
-              <a:t>preJob.sh</a:t>
-            </a:r>
-            <a:endParaRPr lang="de-DE" sz="1200" dirty="0"/>
-          </a:p>
-          <a:p>
-            <a:pPr marL="0" indent="0">
-              <a:buNone/>
-            </a:pPr>
-            <a:endParaRPr lang="de-DE" sz="1200" dirty="0" smtClean="0"/>
-          </a:p>
-          <a:p>
-            <a:pPr marL="0" indent="0">
-              <a:buNone/>
-            </a:pPr>
-            <a:endParaRPr lang="de-DE" sz="1200" dirty="0"/>
+        </p:txBody>
+      </p:sp>
+      <p:cxnSp>
+        <p:nvCxnSpPr>
+          <p:cNvPr id="3" name="Straight Arrow Connector 2"/>
+          <p:cNvCxnSpPr/>
+          <p:nvPr/>
+        </p:nvCxnSpPr>
+        <p:spPr>
+          <a:xfrm flipH="1">
+            <a:off x="3810000" y="1143000"/>
+            <a:ext cx="2895600" cy="152400"/>
+          </a:xfrm>
+          <a:prstGeom prst="straightConnector1">
+            <a:avLst/>
+          </a:prstGeom>
+          <a:ln>
+            <a:solidFill>
+              <a:srgbClr val="FF0000"/>
+            </a:solidFill>
+            <a:tailEnd type="arrow"/>
+          </a:ln>
+        </p:spPr>
+        <p:style>
+          <a:lnRef idx="2">
+            <a:schemeClr val="accent1"/>
+          </a:lnRef>
+          <a:fillRef idx="0">
+            <a:schemeClr val="accent1"/>
+          </a:fillRef>
+          <a:effectRef idx="1">
+            <a:schemeClr val="accent1"/>
+          </a:effectRef>
+          <a:fontRef idx="minor">
+            <a:schemeClr val="tx1"/>
+          </a:fontRef>
+        </p:style>
+      </p:cxnSp>
+      <p:sp>
+        <p:nvSpPr>
+          <p:cNvPr id="9" name="TextBox 8"/>
+          <p:cNvSpPr txBox="1"/>
+          <p:nvPr/>
+        </p:nvSpPr>
+        <p:spPr>
+          <a:xfrm>
+            <a:off x="6781800" y="990600"/>
+            <a:ext cx="1874206" cy="369332"/>
+          </a:xfrm>
+          <a:prstGeom prst="rect">
+            <a:avLst/>
+          </a:prstGeom>
+          <a:noFill/>
+          <a:ln>
+            <a:solidFill>
+              <a:srgbClr val="FF0000"/>
+            </a:solidFill>
+          </a:ln>
+        </p:spPr>
+        <p:txBody>
+          <a:bodyPr wrap="none" rtlCol="0">
+            <a:spAutoFit/>
+          </a:bodyPr>
+          <a:lstStyle/>
+          <a:p>
+            <a:r>
+              <a:rPr lang="en-US" dirty="0" smtClean="0"/>
+              <a:t>Remember this</a:t>
+            </a:r>
+            <a:endParaRPr lang="en-US" dirty="0"/>
           </a:p>
         </p:txBody>
       </p:sp>
     </p:spTree>
     <p:extLst>
       <p:ext uri="{BB962C8B-B14F-4D97-AF65-F5344CB8AC3E}">
-        <p14:creationId xmlns:p14="http://schemas.microsoft.com/office/powerpoint/2010/main" val="1379875786"/>
+        <p14:creationId xmlns:p14="http://schemas.microsoft.com/office/powerpoint/2010/main" val="373779175"/>
       </p:ext>
     </p:extLst>
   </p:cSld>
@@ -3844,7 +3869,7 @@
           <a:p>
             <a:r>
               <a:rPr lang="en-US" dirty="0" smtClean="0"/>
-              <a:t>What’s happening in HTCondor (2/3)</a:t>
+              <a:t>What’s happening in HTCondor (1/3)</a:t>
             </a:r>
             <a:endParaRPr lang="en-US" dirty="0"/>
           </a:p>
@@ -3869,6 +3894,203 @@
               <a:buNone/>
             </a:pPr>
             <a:r>
+              <a:rPr lang="en-US" sz="1200" dirty="0" err="1"/>
+              <a:t>lsst-dev</a:t>
+            </a:r>
+            <a:r>
+              <a:rPr lang="en-US" sz="1200" dirty="0"/>
+              <a:t>&gt; </a:t>
+            </a:r>
+            <a:r>
+              <a:rPr lang="en-US" sz="1200" dirty="0" err="1"/>
+              <a:t>condor_q</a:t>
+            </a:r>
+            <a:endParaRPr lang="en-US" sz="1200" dirty="0"/>
+          </a:p>
+          <a:p>
+            <a:pPr marL="0" indent="0">
+              <a:buNone/>
+            </a:pPr>
+            <a:endParaRPr lang="en-US" sz="1200" dirty="0"/>
+          </a:p>
+          <a:p>
+            <a:pPr marL="0" indent="0">
+              <a:buNone/>
+            </a:pPr>
+            <a:endParaRPr lang="en-US" sz="1200" dirty="0"/>
+          </a:p>
+          <a:p>
+            <a:pPr marL="0" indent="0">
+              <a:buNone/>
+            </a:pPr>
+            <a:r>
+              <a:rPr lang="hu-HU" sz="1200" dirty="0"/>
+              <a:t>-- Schedd: lsst-dev.ncsa.illinois.edu : &lt;141.142.237.30:61973?...</a:t>
+            </a:r>
+          </a:p>
+          <a:p>
+            <a:pPr marL="0" indent="0">
+              <a:buNone/>
+            </a:pPr>
+            <a:r>
+              <a:rPr lang="de-DE" sz="1200" dirty="0"/>
+              <a:t> ID      OWNER            SUBMITTED     RUN_TIME ST PRI SIZE CMD               </a:t>
+            </a:r>
+          </a:p>
+          <a:p>
+            <a:pPr marL="0" indent="0">
+              <a:buNone/>
+            </a:pPr>
+            <a:r>
+              <a:rPr lang="de-DE" sz="1200" dirty="0"/>
+              <a:t>79561.0   </a:t>
+            </a:r>
+            <a:r>
+              <a:rPr lang="de-DE" sz="1200" dirty="0" err="1"/>
+              <a:t>coughlin</a:t>
+            </a:r>
+            <a:r>
+              <a:rPr lang="de-DE" sz="1200" dirty="0"/>
+              <a:t>        9/18 12:00  11+17:16:25 R  0   0.3  </a:t>
+            </a:r>
+            <a:r>
+              <a:rPr lang="de-DE" sz="1200" dirty="0" err="1"/>
+              <a:t>condor_dagman</a:t>
+            </a:r>
+            <a:r>
+              <a:rPr lang="de-DE" sz="1200" dirty="0"/>
+              <a:t> -p 0</a:t>
+            </a:r>
+          </a:p>
+          <a:p>
+            <a:pPr marL="0" indent="0">
+              <a:buNone/>
+            </a:pPr>
+            <a:r>
+              <a:rPr lang="de-DE" sz="1200" dirty="0"/>
+              <a:t>79562.0   </a:t>
+            </a:r>
+            <a:r>
+              <a:rPr lang="de-DE" sz="1200" dirty="0" err="1"/>
+              <a:t>coughlin</a:t>
+            </a:r>
+            <a:r>
+              <a:rPr lang="de-DE" sz="1200" dirty="0"/>
+              <a:t>        9/18 12:00   0+14:37:37 H  0   1220.7 </a:t>
+            </a:r>
+            <a:r>
+              <a:rPr lang="de-DE" sz="1200" dirty="0" err="1"/>
+              <a:t>run_fisheye.py</a:t>
+            </a:r>
+            <a:r>
+              <a:rPr lang="de-DE" sz="1200" dirty="0"/>
+              <a:t> -o </a:t>
+            </a:r>
+          </a:p>
+          <a:p>
+            <a:pPr marL="0" indent="0">
+              <a:buNone/>
+            </a:pPr>
+            <a:r>
+              <a:rPr lang="de-DE" sz="1200" dirty="0"/>
+              <a:t>94022.0   </a:t>
+            </a:r>
+            <a:r>
+              <a:rPr lang="de-DE" sz="1200" dirty="0" err="1"/>
+              <a:t>srp</a:t>
+            </a:r>
+            <a:r>
+              <a:rPr lang="de-DE" sz="1200" dirty="0"/>
+              <a:t>             9/30 14:19   0+00:00:02 R  0   0.3  </a:t>
+            </a:r>
+            <a:r>
+              <a:rPr lang="de-DE" sz="1200" dirty="0" err="1"/>
+              <a:t>condor_dagman</a:t>
+            </a:r>
+            <a:r>
+              <a:rPr lang="de-DE" sz="1200" dirty="0"/>
+              <a:t> -p 0</a:t>
+            </a:r>
+          </a:p>
+          <a:p>
+            <a:pPr marL="0" indent="0">
+              <a:buNone/>
+            </a:pPr>
+            <a:endParaRPr lang="de-DE" sz="1200" dirty="0"/>
+          </a:p>
+          <a:p>
+            <a:pPr marL="0" indent="0">
+              <a:buNone/>
+            </a:pPr>
+            <a:r>
+              <a:rPr lang="de-DE" sz="1200" dirty="0"/>
+              <a:t>3 </a:t>
+            </a:r>
+            <a:r>
+              <a:rPr lang="de-DE" sz="1200" dirty="0" err="1"/>
+              <a:t>jobs</a:t>
+            </a:r>
+            <a:r>
+              <a:rPr lang="de-DE" sz="1200" dirty="0"/>
+              <a:t>; 0 </a:t>
+            </a:r>
+            <a:r>
+              <a:rPr lang="de-DE" sz="1200" dirty="0" err="1"/>
+              <a:t>completed</a:t>
+            </a:r>
+            <a:r>
+              <a:rPr lang="de-DE" sz="1200" dirty="0"/>
+              <a:t>, 0 </a:t>
+            </a:r>
+            <a:r>
+              <a:rPr lang="de-DE" sz="1200" dirty="0" err="1"/>
+              <a:t>removed</a:t>
+            </a:r>
+            <a:r>
+              <a:rPr lang="de-DE" sz="1200" dirty="0"/>
+              <a:t>, 0 </a:t>
+            </a:r>
+            <a:r>
+              <a:rPr lang="de-DE" sz="1200" dirty="0" err="1"/>
+              <a:t>idle</a:t>
+            </a:r>
+            <a:r>
+              <a:rPr lang="de-DE" sz="1200" dirty="0"/>
+              <a:t>, 2 </a:t>
+            </a:r>
+            <a:r>
+              <a:rPr lang="de-DE" sz="1200" dirty="0" err="1"/>
+              <a:t>running</a:t>
+            </a:r>
+            <a:r>
+              <a:rPr lang="de-DE" sz="1200" dirty="0"/>
+              <a:t>, 1 </a:t>
+            </a:r>
+            <a:r>
+              <a:rPr lang="de-DE" sz="1200" dirty="0" err="1"/>
+              <a:t>held</a:t>
+            </a:r>
+            <a:r>
+              <a:rPr lang="de-DE" sz="1200" dirty="0"/>
+              <a:t>, 0 </a:t>
+            </a:r>
+            <a:r>
+              <a:rPr lang="de-DE" sz="1200" dirty="0" err="1"/>
+              <a:t>suspended</a:t>
+            </a:r>
+            <a:endParaRPr lang="en-US" sz="1200" dirty="0" smtClean="0"/>
+          </a:p>
+          <a:p>
+            <a:pPr marL="0" indent="0">
+              <a:buNone/>
+            </a:pPr>
+            <a:endParaRPr lang="en-US" sz="1200" dirty="0"/>
+          </a:p>
+          <a:p>
+            <a:pPr marL="0" indent="0">
+              <a:buNone/>
+            </a:pPr>
+            <a:r>
               <a:rPr lang="en-US" sz="1200" dirty="0" err="1" smtClean="0"/>
               <a:t>lsst</a:t>
             </a:r>
@@ -3930,7 +4152,7 @@
             </a:r>
             <a:r>
               <a:rPr lang="de-DE" sz="1200" dirty="0"/>
-              <a:t>        9/18 12:00  11+17:16:46 R  0   0.3  </a:t>
+              <a:t>        9/18 12:00  11+17:16:33 R  0   0.3  </a:t>
             </a:r>
             <a:r>
               <a:rPr lang="de-DE" sz="1200" dirty="0" err="1"/>
@@ -3980,7 +4202,7 @@
             </a:r>
             <a:r>
               <a:rPr lang="de-DE" sz="1200" dirty="0"/>
-              <a:t>             9/30 14:19   0+00:00:23 R  0   0.3  </a:t>
+              <a:t>             9/30 14:19   0+00:00:10 R  0   0.3  </a:t>
             </a:r>
             <a:r>
               <a:rPr lang="de-DE" sz="1200" dirty="0" err="1"/>
@@ -3995,175 +4217,9 @@
             <a:pPr marL="0" indent="0">
               <a:buNone/>
             </a:pPr>
-            <a:endParaRPr lang="de-DE" sz="1200" dirty="0"/>
-          </a:p>
-          <a:p>
-            <a:pPr marL="0" indent="0">
-              <a:buNone/>
-            </a:pPr>
             <a:r>
               <a:rPr lang="de-DE" sz="1200" dirty="0"/>
-              <a:t>3 </a:t>
-            </a:r>
-            <a:r>
-              <a:rPr lang="de-DE" sz="1200" dirty="0" err="1"/>
-              <a:t>jobs</a:t>
-            </a:r>
-            <a:r>
-              <a:rPr lang="de-DE" sz="1200" dirty="0"/>
-              <a:t>; 0 </a:t>
-            </a:r>
-            <a:r>
-              <a:rPr lang="de-DE" sz="1200" dirty="0" err="1"/>
-              <a:t>completed</a:t>
-            </a:r>
-            <a:r>
-              <a:rPr lang="de-DE" sz="1200" dirty="0"/>
-              <a:t>, 0 </a:t>
-            </a:r>
-            <a:r>
-              <a:rPr lang="de-DE" sz="1200" dirty="0" err="1"/>
-              <a:t>removed</a:t>
-            </a:r>
-            <a:r>
-              <a:rPr lang="de-DE" sz="1200" dirty="0"/>
-              <a:t>, 0 </a:t>
-            </a:r>
-            <a:r>
-              <a:rPr lang="de-DE" sz="1200" dirty="0" err="1"/>
-              <a:t>idle</a:t>
-            </a:r>
-            <a:r>
-              <a:rPr lang="de-DE" sz="1200" dirty="0"/>
-              <a:t>, 2 </a:t>
-            </a:r>
-            <a:r>
-              <a:rPr lang="de-DE" sz="1200" dirty="0" err="1"/>
-              <a:t>running</a:t>
-            </a:r>
-            <a:r>
-              <a:rPr lang="de-DE" sz="1200" dirty="0"/>
-              <a:t>, 1 </a:t>
-            </a:r>
-            <a:r>
-              <a:rPr lang="de-DE" sz="1200" dirty="0" err="1"/>
-              <a:t>held</a:t>
-            </a:r>
-            <a:r>
-              <a:rPr lang="de-DE" sz="1200" dirty="0"/>
-              <a:t>, 0 </a:t>
-            </a:r>
-            <a:r>
-              <a:rPr lang="de-DE" sz="1200" dirty="0" err="1" smtClean="0"/>
-              <a:t>suspended</a:t>
-            </a:r>
-            <a:endParaRPr lang="de-DE" sz="1200" dirty="0" smtClean="0"/>
-          </a:p>
-          <a:p>
-            <a:pPr marL="0" indent="0">
-              <a:buNone/>
-            </a:pPr>
-            <a:r>
-              <a:rPr lang="en-US" sz="1200" dirty="0" err="1"/>
-              <a:t>lsst-dev</a:t>
-            </a:r>
-            <a:r>
-              <a:rPr lang="en-US" sz="1200" dirty="0"/>
-              <a:t>&gt; </a:t>
-            </a:r>
-            <a:r>
-              <a:rPr lang="en-US" sz="1200" dirty="0" err="1"/>
-              <a:t>condor_q</a:t>
-            </a:r>
-            <a:endParaRPr lang="en-US" sz="1200" dirty="0"/>
-          </a:p>
-          <a:p>
-            <a:pPr marL="0" indent="0">
-              <a:buNone/>
-            </a:pPr>
-            <a:endParaRPr lang="en-US" sz="1200" dirty="0"/>
-          </a:p>
-          <a:p>
-            <a:pPr marL="0" indent="0">
-              <a:buNone/>
-            </a:pPr>
-            <a:endParaRPr lang="en-US" sz="1200" dirty="0"/>
-          </a:p>
-          <a:p>
-            <a:pPr marL="0" indent="0">
-              <a:buNone/>
-            </a:pPr>
-            <a:r>
-              <a:rPr lang="hu-HU" sz="1200" dirty="0"/>
-              <a:t>-- Schedd: lsst-dev.ncsa.illinois.edu : &lt;141.142.237.30:61973?...</a:t>
-            </a:r>
-          </a:p>
-          <a:p>
-            <a:pPr marL="0" indent="0">
-              <a:buNone/>
-            </a:pPr>
-            <a:r>
-              <a:rPr lang="de-DE" sz="1200" dirty="0"/>
-              <a:t> ID      OWNER            SUBMITTED     RUN_TIME ST PRI SIZE CMD               </a:t>
-            </a:r>
-          </a:p>
-          <a:p>
-            <a:pPr marL="0" indent="0">
-              <a:buNone/>
-            </a:pPr>
-            <a:r>
-              <a:rPr lang="de-DE" sz="1200" dirty="0"/>
-              <a:t>79561.0   </a:t>
-            </a:r>
-            <a:r>
-              <a:rPr lang="de-DE" sz="1200" dirty="0" err="1"/>
-              <a:t>coughlin</a:t>
-            </a:r>
-            <a:r>
-              <a:rPr lang="de-DE" sz="1200" dirty="0"/>
-              <a:t>        9/18 12:00  11+17:16:54 R  0   0.3  </a:t>
-            </a:r>
-            <a:r>
-              <a:rPr lang="de-DE" sz="1200" dirty="0" err="1"/>
-              <a:t>condor_dagman</a:t>
-            </a:r>
-            <a:r>
-              <a:rPr lang="de-DE" sz="1200" dirty="0"/>
-              <a:t> -p 0</a:t>
-            </a:r>
-          </a:p>
-          <a:p>
-            <a:pPr marL="0" indent="0">
-              <a:buNone/>
-            </a:pPr>
-            <a:r>
-              <a:rPr lang="de-DE" sz="1200" dirty="0"/>
-              <a:t>79562.0   </a:t>
-            </a:r>
-            <a:r>
-              <a:rPr lang="de-DE" sz="1200" dirty="0" err="1"/>
-              <a:t>coughlin</a:t>
-            </a:r>
-            <a:r>
-              <a:rPr lang="de-DE" sz="1200" dirty="0"/>
-              <a:t>        9/18 12:00   0+14:37:37 H  0   1220.7 </a:t>
-            </a:r>
-            <a:r>
-              <a:rPr lang="de-DE" sz="1200" dirty="0" err="1"/>
-              <a:t>run_fisheye.py</a:t>
-            </a:r>
-            <a:r>
-              <a:rPr lang="de-DE" sz="1200" dirty="0"/>
-              <a:t> -o </a:t>
-            </a:r>
-          </a:p>
-          <a:p>
-            <a:pPr marL="0" indent="0">
-              <a:buNone/>
-            </a:pPr>
-            <a:r>
-              <a:rPr lang="de-DE" sz="1200" dirty="0"/>
-              <a:t>94022.0   </a:t>
+              <a:t>94023.0   </a:t>
             </a:r>
             <a:r>
               <a:rPr lang="de-DE" sz="1200" dirty="0" err="1"/>
@@ -4171,158 +4227,24 @@
             </a:r>
             <a:r>
               <a:rPr lang="de-DE" sz="1200" dirty="0"/>
-              <a:t>             9/30 14:19   0+00:00:31 R  0   0.3  </a:t>
+              <a:t>             9/30 14:19   0+00:00:00 I  0   0.0  </a:t>
             </a:r>
             <a:r>
               <a:rPr lang="de-DE" sz="1200" dirty="0" err="1"/>
-              <a:t>condor_dagman</a:t>
-            </a:r>
-            <a:r>
-              <a:rPr lang="de-DE" sz="1200" dirty="0"/>
-              <a:t> -p 0</a:t>
-            </a:r>
-          </a:p>
-          <a:p>
-            <a:pPr marL="0" indent="0">
-              <a:buNone/>
-            </a:pPr>
-            <a:r>
-              <a:rPr lang="de-DE" sz="1200" dirty="0"/>
-              <a:t>94024.0   </a:t>
-            </a:r>
-            <a:r>
-              <a:rPr lang="de-DE" sz="1200" dirty="0" err="1"/>
-              <a:t>srp</a:t>
-            </a:r>
-            <a:r>
-              <a:rPr lang="de-DE" sz="1200" dirty="0"/>
-              <a:t>             9/30 14:20   0+00:00:02 R  0   0.0  </a:t>
-            </a:r>
-            <a:r>
-              <a:rPr lang="de-DE" sz="1200" dirty="0" err="1"/>
-              <a:t>worker.sh</a:t>
-            </a:r>
-            <a:r>
-              <a:rPr lang="de-DE" sz="1200" dirty="0"/>
-              <a:t> srp_2015</a:t>
-            </a:r>
-          </a:p>
-          <a:p>
-            <a:pPr marL="0" indent="0">
-              <a:buNone/>
-            </a:pPr>
-            <a:r>
-              <a:rPr lang="de-DE" sz="1200" dirty="0"/>
-              <a:t>94025.0   </a:t>
-            </a:r>
-            <a:r>
-              <a:rPr lang="de-DE" sz="1200" dirty="0" err="1"/>
-              <a:t>srp</a:t>
-            </a:r>
-            <a:r>
-              <a:rPr lang="de-DE" sz="1200" dirty="0"/>
-              <a:t>             9/30 14:20   0+00:00:00 I  0   0.0  </a:t>
-            </a:r>
-            <a:r>
-              <a:rPr lang="de-DE" sz="1200" dirty="0" err="1"/>
-              <a:t>worker.sh</a:t>
-            </a:r>
-            <a:r>
-              <a:rPr lang="de-DE" sz="1200" dirty="0"/>
-              <a:t> srp_2015</a:t>
-            </a:r>
-          </a:p>
-          <a:p>
-            <a:pPr marL="0" indent="0">
-              <a:buNone/>
-            </a:pPr>
-            <a:r>
-              <a:rPr lang="de-DE" sz="1200" dirty="0"/>
-              <a:t>94026.0   </a:t>
-            </a:r>
-            <a:r>
-              <a:rPr lang="de-DE" sz="1200" dirty="0" err="1"/>
-              <a:t>srp</a:t>
-            </a:r>
-            <a:r>
-              <a:rPr lang="de-DE" sz="1200" dirty="0"/>
-              <a:t>             9/30 14:20   0+00:00:00 I  0   0.0  </a:t>
-            </a:r>
-            <a:r>
-              <a:rPr lang="de-DE" sz="1200" dirty="0" err="1"/>
-              <a:t>worker.sh</a:t>
-            </a:r>
-            <a:r>
-              <a:rPr lang="de-DE" sz="1200" dirty="0"/>
-              <a:t> srp_2015</a:t>
-            </a:r>
-          </a:p>
-          <a:p>
-            <a:pPr marL="0" indent="0">
-              <a:buNone/>
-            </a:pPr>
+              <a:t>preJob.sh</a:t>
+            </a:r>
             <a:endParaRPr lang="de-DE" sz="1200" dirty="0"/>
           </a:p>
           <a:p>
             <a:pPr marL="0" indent="0">
               <a:buNone/>
             </a:pPr>
-            <a:r>
-              <a:rPr lang="de-DE" sz="1200" dirty="0"/>
-              <a:t>6 </a:t>
-            </a:r>
-            <a:r>
-              <a:rPr lang="de-DE" sz="1200" dirty="0" err="1"/>
-              <a:t>jobs</a:t>
-            </a:r>
-            <a:r>
-              <a:rPr lang="de-DE" sz="1200" dirty="0"/>
-              <a:t>; 0 </a:t>
-            </a:r>
-            <a:r>
-              <a:rPr lang="de-DE" sz="1200" dirty="0" err="1"/>
-              <a:t>completed</a:t>
-            </a:r>
-            <a:r>
-              <a:rPr lang="de-DE" sz="1200" dirty="0"/>
-              <a:t>, 0 </a:t>
-            </a:r>
-            <a:r>
-              <a:rPr lang="de-DE" sz="1200" dirty="0" err="1"/>
-              <a:t>removed</a:t>
-            </a:r>
-            <a:r>
-              <a:rPr lang="de-DE" sz="1200" dirty="0"/>
-              <a:t>, 2 </a:t>
-            </a:r>
-            <a:r>
-              <a:rPr lang="de-DE" sz="1200" dirty="0" err="1"/>
-              <a:t>idle</a:t>
-            </a:r>
-            <a:r>
-              <a:rPr lang="de-DE" sz="1200" dirty="0"/>
-              <a:t>, 3 </a:t>
-            </a:r>
-            <a:r>
-              <a:rPr lang="de-DE" sz="1200" dirty="0" err="1"/>
-              <a:t>running</a:t>
-            </a:r>
-            <a:r>
-              <a:rPr lang="de-DE" sz="1200" dirty="0"/>
-              <a:t>, 1 </a:t>
-            </a:r>
-            <a:r>
-              <a:rPr lang="de-DE" sz="1200" dirty="0" err="1"/>
-              <a:t>held</a:t>
-            </a:r>
-            <a:r>
-              <a:rPr lang="de-DE" sz="1200" dirty="0"/>
-              <a:t>, 0 </a:t>
-            </a:r>
-            <a:r>
-              <a:rPr lang="de-DE" sz="1200" dirty="0" err="1"/>
-              <a:t>suspended</a:t>
-            </a:r>
+            <a:endParaRPr lang="de-DE" sz="1200" dirty="0" smtClean="0"/>
+          </a:p>
+          <a:p>
+            <a:pPr marL="0" indent="0">
+              <a:buNone/>
+            </a:pPr>
             <a:endParaRPr lang="de-DE" sz="1200" dirty="0"/>
           </a:p>
         </p:txBody>
@@ -4330,7 +4252,7 @@
     </p:spTree>
     <p:extLst>
       <p:ext uri="{BB962C8B-B14F-4D97-AF65-F5344CB8AC3E}">
-        <p14:creationId xmlns:p14="http://schemas.microsoft.com/office/powerpoint/2010/main" val="424720541"/>
+        <p14:creationId xmlns:p14="http://schemas.microsoft.com/office/powerpoint/2010/main" val="1379875786"/>
       </p:ext>
     </p:extLst>
   </p:cSld>
@@ -4381,7 +4303,7 @@
           <a:p>
             <a:r>
               <a:rPr lang="en-US" dirty="0" smtClean="0"/>
-              <a:t>What’s happening in HTCondor (3/3)</a:t>
+              <a:t>What’s happening in HTCondor (2/3)</a:t>
             </a:r>
             <a:endParaRPr lang="en-US" dirty="0"/>
           </a:p>
@@ -4406,6 +4328,201 @@
               <a:buNone/>
             </a:pPr>
             <a:r>
+              <a:rPr lang="en-US" sz="1200" dirty="0" err="1" smtClean="0"/>
+              <a:t>lsst</a:t>
+            </a:r>
+            <a:r>
+              <a:rPr lang="en-US" sz="1200" dirty="0" err="1"/>
+              <a:t>-dev</a:t>
+            </a:r>
+            <a:r>
+              <a:rPr lang="en-US" sz="1200" dirty="0"/>
+              <a:t>&gt; </a:t>
+            </a:r>
+            <a:r>
+              <a:rPr lang="en-US" sz="1200" dirty="0" err="1"/>
+              <a:t>condor_q</a:t>
+            </a:r>
+            <a:endParaRPr lang="en-US" sz="1200" dirty="0"/>
+          </a:p>
+          <a:p>
+            <a:pPr marL="0" indent="0">
+              <a:buNone/>
+            </a:pPr>
+            <a:endParaRPr lang="en-US" sz="1200" dirty="0"/>
+          </a:p>
+          <a:p>
+            <a:pPr marL="0" indent="0">
+              <a:buNone/>
+            </a:pPr>
+            <a:endParaRPr lang="en-US" sz="1200" dirty="0"/>
+          </a:p>
+          <a:p>
+            <a:pPr marL="0" indent="0">
+              <a:buNone/>
+            </a:pPr>
+            <a:r>
+              <a:rPr lang="hu-HU" sz="1200" dirty="0"/>
+              <a:t>-- Schedd: lsst-dev.ncsa.illinois.edu : &lt;141.142.237.30:61973?...</a:t>
+            </a:r>
+          </a:p>
+          <a:p>
+            <a:pPr marL="0" indent="0">
+              <a:buNone/>
+            </a:pPr>
+            <a:r>
+              <a:rPr lang="de-DE" sz="1200" dirty="0"/>
+              <a:t> ID      OWNER            SUBMITTED     RUN_TIME ST PRI SIZE CMD               </a:t>
+            </a:r>
+          </a:p>
+          <a:p>
+            <a:pPr marL="0" indent="0">
+              <a:buNone/>
+            </a:pPr>
+            <a:r>
+              <a:rPr lang="de-DE" sz="1200" dirty="0"/>
+              <a:t>79561.0   </a:t>
+            </a:r>
+            <a:r>
+              <a:rPr lang="de-DE" sz="1200" dirty="0" err="1"/>
+              <a:t>coughlin</a:t>
+            </a:r>
+            <a:r>
+              <a:rPr lang="de-DE" sz="1200" dirty="0"/>
+              <a:t>        9/18 12:00  11+17:16:46 R  0   0.3  </a:t>
+            </a:r>
+            <a:r>
+              <a:rPr lang="de-DE" sz="1200" dirty="0" err="1"/>
+              <a:t>condor_dagman</a:t>
+            </a:r>
+            <a:r>
+              <a:rPr lang="de-DE" sz="1200" dirty="0"/>
+              <a:t> -p 0</a:t>
+            </a:r>
+          </a:p>
+          <a:p>
+            <a:pPr marL="0" indent="0">
+              <a:buNone/>
+            </a:pPr>
+            <a:r>
+              <a:rPr lang="de-DE" sz="1200" dirty="0"/>
+              <a:t>79562.0   </a:t>
+            </a:r>
+            <a:r>
+              <a:rPr lang="de-DE" sz="1200" dirty="0" err="1"/>
+              <a:t>coughlin</a:t>
+            </a:r>
+            <a:r>
+              <a:rPr lang="de-DE" sz="1200" dirty="0"/>
+              <a:t>        9/18 12:00   0+14:37:37 H  0   1220.7 </a:t>
+            </a:r>
+            <a:r>
+              <a:rPr lang="de-DE" sz="1200" dirty="0" err="1"/>
+              <a:t>run_fisheye.py</a:t>
+            </a:r>
+            <a:r>
+              <a:rPr lang="de-DE" sz="1200" dirty="0"/>
+              <a:t> -o </a:t>
+            </a:r>
+          </a:p>
+          <a:p>
+            <a:pPr marL="0" indent="0">
+              <a:buNone/>
+            </a:pPr>
+            <a:r>
+              <a:rPr lang="de-DE" sz="1200" dirty="0"/>
+              <a:t>94022.0   </a:t>
+            </a:r>
+            <a:r>
+              <a:rPr lang="de-DE" sz="1200" dirty="0" err="1"/>
+              <a:t>srp</a:t>
+            </a:r>
+            <a:r>
+              <a:rPr lang="de-DE" sz="1200" dirty="0"/>
+              <a:t>             9/30 14:19   0+00:00:23 R  0   0.3  </a:t>
+            </a:r>
+            <a:r>
+              <a:rPr lang="de-DE" sz="1200" dirty="0" err="1"/>
+              <a:t>condor_dagman</a:t>
+            </a:r>
+            <a:r>
+              <a:rPr lang="de-DE" sz="1200" dirty="0"/>
+              <a:t> -p 0</a:t>
+            </a:r>
+          </a:p>
+          <a:p>
+            <a:pPr marL="0" indent="0">
+              <a:buNone/>
+            </a:pPr>
+            <a:endParaRPr lang="de-DE" sz="1200" dirty="0"/>
+          </a:p>
+          <a:p>
+            <a:pPr marL="0" indent="0">
+              <a:buNone/>
+            </a:pPr>
+            <a:r>
+              <a:rPr lang="de-DE" sz="1200" dirty="0"/>
+              <a:t>3 </a:t>
+            </a:r>
+            <a:r>
+              <a:rPr lang="de-DE" sz="1200" dirty="0" err="1"/>
+              <a:t>jobs</a:t>
+            </a:r>
+            <a:r>
+              <a:rPr lang="de-DE" sz="1200" dirty="0"/>
+              <a:t>; 0 </a:t>
+            </a:r>
+            <a:r>
+              <a:rPr lang="de-DE" sz="1200" dirty="0" err="1"/>
+              <a:t>completed</a:t>
+            </a:r>
+            <a:r>
+              <a:rPr lang="de-DE" sz="1200" dirty="0"/>
+              <a:t>, 0 </a:t>
+            </a:r>
+            <a:r>
+              <a:rPr lang="de-DE" sz="1200" dirty="0" err="1"/>
+              <a:t>removed</a:t>
+            </a:r>
+            <a:r>
+              <a:rPr lang="de-DE" sz="1200" dirty="0"/>
+              <a:t>, 0 </a:t>
+            </a:r>
+            <a:r>
+              <a:rPr lang="de-DE" sz="1200" dirty="0" err="1"/>
+              <a:t>idle</a:t>
+            </a:r>
+            <a:r>
+              <a:rPr lang="de-DE" sz="1200" dirty="0"/>
+              <a:t>, 2 </a:t>
+            </a:r>
+            <a:r>
+              <a:rPr lang="de-DE" sz="1200" dirty="0" err="1"/>
+              <a:t>running</a:t>
+            </a:r>
+            <a:r>
+              <a:rPr lang="de-DE" sz="1200" dirty="0"/>
+              <a:t>, 1 </a:t>
+            </a:r>
+            <a:r>
+              <a:rPr lang="de-DE" sz="1200" dirty="0" err="1"/>
+              <a:t>held</a:t>
+            </a:r>
+            <a:r>
+              <a:rPr lang="de-DE" sz="1200" dirty="0"/>
+              <a:t>, 0 </a:t>
+            </a:r>
+            <a:r>
+              <a:rPr lang="de-DE" sz="1200" dirty="0" err="1" smtClean="0"/>
+              <a:t>suspended</a:t>
+            </a:r>
+            <a:endParaRPr lang="de-DE" sz="1200" dirty="0" smtClean="0"/>
+          </a:p>
+          <a:p>
+            <a:pPr marL="0" indent="0">
+              <a:buNone/>
+            </a:pPr>
+            <a:r>
               <a:rPr lang="en-US" sz="1200" dirty="0" err="1"/>
               <a:t>lsst-dev</a:t>
             </a:r>
@@ -4463,7 +4580,7 @@
             </a:r>
             <a:r>
               <a:rPr lang="de-DE" sz="1200" dirty="0"/>
-              <a:t>        9/18 12:00  11+17:17:01 R  0   0.3  </a:t>
+              <a:t>        9/18 12:00  11+17:16:54 R  0   0.3  </a:t>
             </a:r>
             <a:r>
               <a:rPr lang="de-DE" sz="1200" dirty="0" err="1"/>
@@ -4513,7 +4630,7 @@
             </a:r>
             <a:r>
               <a:rPr lang="de-DE" sz="1200" dirty="0"/>
-              <a:t>             9/30 14:19   0+00:00:38 R  0   0.3  </a:t>
+              <a:t>             9/30 14:19   0+00:00:31 R  0   0.3  </a:t>
             </a:r>
             <a:r>
               <a:rPr lang="de-DE" sz="1200" dirty="0" err="1"/>
@@ -4528,6 +4645,81 @@
             <a:pPr marL="0" indent="0">
               <a:buNone/>
             </a:pPr>
+            <a:r>
+              <a:rPr lang="de-DE" sz="1200" dirty="0"/>
+              <a:t>94024.0   </a:t>
+            </a:r>
+            <a:r>
+              <a:rPr lang="de-DE" sz="1200" dirty="0" err="1"/>
+              <a:t>srp</a:t>
+            </a:r>
+            <a:r>
+              <a:rPr lang="de-DE" sz="1200" dirty="0"/>
+              <a:t>             9/30 14:20   0+00:00:02 R  0   0.0  </a:t>
+            </a:r>
+            <a:r>
+              <a:rPr lang="de-DE" sz="1200" dirty="0" err="1"/>
+              <a:t>worker.sh</a:t>
+            </a:r>
+            <a:r>
+              <a:rPr lang="de-DE" sz="1200" dirty="0"/>
+              <a:t> srp_2015</a:t>
+            </a:r>
+          </a:p>
+          <a:p>
+            <a:pPr marL="0" indent="0">
+              <a:buNone/>
+            </a:pPr>
+            <a:r>
+              <a:rPr lang="de-DE" sz="1200" dirty="0"/>
+              <a:t>94025.0   </a:t>
+            </a:r>
+            <a:r>
+              <a:rPr lang="de-DE" sz="1200" dirty="0" err="1"/>
+              <a:t>srp</a:t>
+            </a:r>
+            <a:r>
+              <a:rPr lang="de-DE" sz="1200" dirty="0"/>
+              <a:t>             9/30 14:20   0+00:00:00 I  0   0.0  </a:t>
+            </a:r>
+            <a:r>
+              <a:rPr lang="de-DE" sz="1200" dirty="0" err="1"/>
+              <a:t>worker.sh</a:t>
+            </a:r>
+            <a:r>
+              <a:rPr lang="de-DE" sz="1200" dirty="0"/>
+              <a:t> srp_2015</a:t>
+            </a:r>
+          </a:p>
+          <a:p>
+            <a:pPr marL="0" indent="0">
+              <a:buNone/>
+            </a:pPr>
+            <a:r>
+              <a:rPr lang="de-DE" sz="1200" dirty="0"/>
+              <a:t>94026.0   </a:t>
+            </a:r>
+            <a:r>
+              <a:rPr lang="de-DE" sz="1200" dirty="0" err="1"/>
+              <a:t>srp</a:t>
+            </a:r>
+            <a:r>
+              <a:rPr lang="de-DE" sz="1200" dirty="0"/>
+              <a:t>             9/30 14:20   0+00:00:00 I  0   0.0  </a:t>
+            </a:r>
+            <a:r>
+              <a:rPr lang="de-DE" sz="1200" dirty="0" err="1"/>
+              <a:t>worker.sh</a:t>
+            </a:r>
+            <a:r>
+              <a:rPr lang="de-DE" sz="1200" dirty="0"/>
+              <a:t> srp_2015</a:t>
+            </a:r>
+          </a:p>
+          <a:p>
+            <a:pPr marL="0" indent="0">
+              <a:buNone/>
+            </a:pPr>
             <a:endParaRPr lang="de-DE" sz="1200" dirty="0"/>
           </a:p>
           <a:p>
@@ -4536,7 +4728,7 @@
             </a:pPr>
             <a:r>
               <a:rPr lang="de-DE" sz="1200" dirty="0"/>
-              <a:t>3 </a:t>
+              <a:t>6 </a:t>
             </a:r>
             <a:r>
               <a:rPr lang="de-DE" sz="1200" dirty="0" err="1"/>
@@ -4560,7 +4752,7 @@
             </a:r>
             <a:r>
               <a:rPr lang="de-DE" sz="1200" dirty="0"/>
-              <a:t>, 0 </a:t>
+              <a:t>, 2 </a:t>
             </a:r>
             <a:r>
               <a:rPr lang="de-DE" sz="1200" dirty="0" err="1"/>
@@ -4568,7 +4760,7 @@
             </a:r>
             <a:r>
               <a:rPr lang="de-DE" sz="1200" dirty="0"/>
-              <a:t>, 2 </a:t>
+              <a:t>, 3 </a:t>
             </a:r>
             <a:r>
               <a:rPr lang="de-DE" sz="1200" dirty="0" err="1"/>
@@ -4587,171 +4779,17 @@
               <a:t>, 0 </a:t>
             </a:r>
             <a:r>
-              <a:rPr lang="de-DE" sz="1200" dirty="0" err="1" smtClean="0"/>
+              <a:rPr lang="de-DE" sz="1200" dirty="0" err="1"/>
               <a:t>suspended</a:t>
             </a:r>
-            <a:endParaRPr lang="de-DE" sz="1200" dirty="0" smtClean="0"/>
-          </a:p>
-          <a:p>
-            <a:pPr marL="0" indent="0">
-              <a:buNone/>
-            </a:pPr>
             <a:endParaRPr lang="de-DE" sz="1200" dirty="0"/>
-          </a:p>
-          <a:p>
-            <a:pPr marL="0" indent="0">
-              <a:buNone/>
-            </a:pPr>
-            <a:r>
-              <a:rPr lang="de-DE" sz="1800" dirty="0" err="1" smtClean="0"/>
-              <a:t>By</a:t>
-            </a:r>
-            <a:r>
-              <a:rPr lang="de-DE" sz="1800" dirty="0" smtClean="0"/>
-              <a:t> </a:t>
-            </a:r>
-            <a:r>
-              <a:rPr lang="de-DE" sz="1800" dirty="0" err="1" smtClean="0"/>
-              <a:t>default</a:t>
-            </a:r>
-            <a:r>
-              <a:rPr lang="de-DE" sz="1800" dirty="0" smtClean="0"/>
-              <a:t>, HTCondor </a:t>
-            </a:r>
-            <a:r>
-              <a:rPr lang="de-DE" sz="1800" dirty="0" err="1" smtClean="0"/>
-              <a:t>output</a:t>
-            </a:r>
-            <a:r>
-              <a:rPr lang="de-DE" sz="1800" dirty="0" smtClean="0"/>
-              <a:t> </a:t>
-            </a:r>
-            <a:r>
-              <a:rPr lang="de-DE" sz="1800" dirty="0" err="1" smtClean="0"/>
-              <a:t>files</a:t>
-            </a:r>
-            <a:r>
-              <a:rPr lang="de-DE" sz="1800" dirty="0" smtClean="0"/>
-              <a:t> </a:t>
-            </a:r>
-            <a:r>
-              <a:rPr lang="de-DE" sz="1800" dirty="0" err="1" smtClean="0"/>
-              <a:t>are</a:t>
-            </a:r>
-            <a:r>
-              <a:rPr lang="de-DE" sz="1800" dirty="0" smtClean="0"/>
-              <a:t> </a:t>
-            </a:r>
-            <a:r>
-              <a:rPr lang="de-DE" sz="1800" dirty="0" err="1" smtClean="0"/>
-              <a:t>put</a:t>
-            </a:r>
-            <a:r>
-              <a:rPr lang="de-DE" sz="1800" dirty="0" smtClean="0"/>
-              <a:t> </a:t>
-            </a:r>
-            <a:r>
-              <a:rPr lang="de-DE" sz="1800" dirty="0" err="1" smtClean="0"/>
-              <a:t>into</a:t>
-            </a:r>
-            <a:r>
-              <a:rPr lang="de-DE" sz="1800" dirty="0" smtClean="0"/>
-              <a:t>:</a:t>
-            </a:r>
-          </a:p>
-          <a:p>
-            <a:pPr marL="0" indent="0">
-              <a:buNone/>
-            </a:pPr>
-            <a:r>
-              <a:rPr lang="de-DE" sz="1800" dirty="0"/>
-              <a:t/>
-            </a:r>
-            <a:br>
-              <a:rPr lang="de-DE" sz="1800" dirty="0"/>
-            </a:br>
-            <a:r>
-              <a:rPr lang="de-DE" sz="1800" dirty="0" smtClean="0"/>
-              <a:t>$HOME/</a:t>
-            </a:r>
-            <a:r>
-              <a:rPr lang="de-DE" sz="1800" dirty="0" err="1" smtClean="0"/>
-              <a:t>condor_scratch</a:t>
-            </a:r>
-            <a:r>
-              <a:rPr lang="de-DE" sz="1800" dirty="0" smtClean="0"/>
-              <a:t>/</a:t>
-            </a:r>
-            <a:r>
-              <a:rPr lang="de-DE" sz="1800" dirty="0" err="1" smtClean="0"/>
-              <a:t>your_runid</a:t>
-            </a:r>
-            <a:endParaRPr lang="de-DE" sz="1800" dirty="0" smtClean="0"/>
-          </a:p>
-          <a:p>
-            <a:pPr marL="0" indent="0">
-              <a:buNone/>
-            </a:pPr>
-            <a:endParaRPr lang="de-DE" sz="1800" dirty="0"/>
-          </a:p>
-          <a:p>
-            <a:pPr marL="0" indent="0">
-              <a:buNone/>
-            </a:pPr>
-            <a:r>
-              <a:rPr lang="de-DE" sz="1800" dirty="0" smtClean="0"/>
-              <a:t>in </a:t>
-            </a:r>
-            <a:r>
-              <a:rPr lang="de-DE" sz="1800" dirty="0" err="1" smtClean="0"/>
-              <a:t>this</a:t>
-            </a:r>
-            <a:r>
-              <a:rPr lang="de-DE" sz="1800" dirty="0" smtClean="0"/>
-              <a:t> </a:t>
-            </a:r>
-            <a:r>
-              <a:rPr lang="de-DE" sz="1800" dirty="0" err="1" smtClean="0"/>
-              <a:t>case</a:t>
-            </a:r>
-            <a:r>
-              <a:rPr lang="de-DE" sz="1800" dirty="0" smtClean="0"/>
-              <a:t>:</a:t>
-            </a:r>
-          </a:p>
-          <a:p>
-            <a:pPr marL="0" indent="0">
-              <a:buNone/>
-            </a:pPr>
-            <a:r>
-              <a:rPr lang="de-DE" sz="1800" dirty="0" smtClean="0"/>
-              <a:t>$HOME/</a:t>
-            </a:r>
-            <a:r>
-              <a:rPr lang="de-DE" sz="1800" dirty="0" err="1" smtClean="0"/>
-              <a:t>condor_scratch</a:t>
-            </a:r>
-            <a:r>
-              <a:rPr lang="de-DE" sz="1800" dirty="0" smtClean="0"/>
-              <a:t>/</a:t>
-            </a:r>
-            <a:r>
-              <a:rPr lang="de-DE" sz="1800" dirty="0"/>
-              <a:t>srp_2015_0930_141934</a:t>
-            </a:r>
-          </a:p>
-          <a:p>
-            <a:pPr marL="0" indent="0">
-              <a:buNone/>
-            </a:pPr>
-            <a:endParaRPr lang="de-DE" dirty="0"/>
           </a:p>
         </p:txBody>
       </p:sp>
     </p:spTree>
     <p:extLst>
       <p:ext uri="{BB962C8B-B14F-4D97-AF65-F5344CB8AC3E}">
-        <p14:creationId xmlns:p14="http://schemas.microsoft.com/office/powerpoint/2010/main" val="3975061927"/>
+        <p14:creationId xmlns:p14="http://schemas.microsoft.com/office/powerpoint/2010/main" val="424720541"/>
       </p:ext>
     </p:extLst>
   </p:cSld>
@@ -4801,12 +4839,8 @@
           <a:lstStyle/>
           <a:p>
             <a:r>
-              <a:rPr lang="en-US" dirty="0" err="1" smtClean="0"/>
-              <a:t>runOrca.py</a:t>
-            </a:r>
-            <a:r>
               <a:rPr lang="en-US" dirty="0" smtClean="0"/>
-              <a:t> example (cont’d)</a:t>
+              <a:t>What’s happening in HTCondor (3/3)</a:t>
             </a:r>
             <a:endParaRPr lang="en-US" dirty="0"/>
           </a:p>
@@ -4831,219 +4865,197 @@
               <a:buNone/>
             </a:pPr>
             <a:r>
-              <a:rPr lang="en-US" sz="1200" dirty="0"/>
-              <a:t>$ </a:t>
-            </a:r>
-            <a:r>
-              <a:rPr lang="en-US" sz="1200" dirty="0" err="1"/>
-              <a:t>runOrca.py</a:t>
-            </a:r>
-            <a:r>
-              <a:rPr lang="en-US" sz="1200" dirty="0"/>
-              <a:t> -p </a:t>
-            </a:r>
-            <a:r>
-              <a:rPr lang="en-US" sz="1200" dirty="0" err="1"/>
-              <a:t>lsst</a:t>
-            </a:r>
-            <a:r>
-              <a:rPr lang="en-US" sz="1200" dirty="0"/>
-              <a:t> -c "/bin/echo" -</a:t>
-            </a:r>
-            <a:r>
-              <a:rPr lang="en-US" sz="1200" dirty="0" err="1"/>
-              <a:t>i</a:t>
-            </a:r>
-            <a:r>
-              <a:rPr lang="en-US" sz="1200" dirty="0"/>
-              <a:t> $HOME/</a:t>
-            </a:r>
-            <a:r>
-              <a:rPr lang="en-US" sz="1200" dirty="0" err="1"/>
-              <a:t>ids.txt</a:t>
-            </a:r>
-            <a:r>
-              <a:rPr lang="en-US" sz="1200" dirty="0"/>
-              <a:t> -e ~/</a:t>
-            </a:r>
-            <a:r>
-              <a:rPr lang="en-US" sz="1200" dirty="0" err="1"/>
-              <a:t>lsstsw</a:t>
-            </a:r>
-            <a:endParaRPr lang="en-US" sz="1200" dirty="0"/>
-          </a:p>
-          <a:p>
-            <a:pPr marL="0" indent="0">
-              <a:buNone/>
-            </a:pPr>
-            <a:r>
-              <a:rPr lang="en-US" sz="1200" dirty="0" err="1"/>
-              <a:t>runid</a:t>
-            </a:r>
-            <a:r>
-              <a:rPr lang="en-US" sz="1200" dirty="0"/>
-              <a:t> for this run is  srp_2015_0930_141934</a:t>
-            </a:r>
-          </a:p>
-          <a:p>
-            <a:pPr marL="0" indent="0">
-              <a:buNone/>
-            </a:pPr>
-            <a:r>
-              <a:rPr lang="en-US" sz="1200" dirty="0" err="1"/>
-              <a:t>condor_submit_dag</a:t>
-            </a:r>
-            <a:r>
-              <a:rPr lang="en-US" sz="1200" dirty="0"/>
-              <a:t> S2012Pipe.diamond.dag</a:t>
-            </a:r>
-          </a:p>
-          <a:p>
-            <a:pPr marL="0" indent="0">
-              <a:buNone/>
-            </a:pPr>
-            <a:r>
-              <a:rPr lang="en-US" sz="1200" dirty="0"/>
-              <a:t>I am: hostname: </a:t>
-            </a:r>
-            <a:r>
               <a:rPr lang="en-US" sz="1200" dirty="0" err="1"/>
               <a:t>lsst-dev</a:t>
             </a:r>
             <a:r>
               <a:rPr lang="en-US" sz="1200" dirty="0"/>
-              <a:t>, fully qualified </a:t>
+              <a:t>&gt; </a:t>
             </a:r>
             <a:r>
               <a:rPr lang="en-US" sz="1200" dirty="0" err="1"/>
-              <a:t>doman</a:t>
-            </a:r>
-            <a:r>
-              <a:rPr lang="en-US" sz="1200" dirty="0"/>
-              <a:t> name: </a:t>
-            </a:r>
-            <a:r>
-              <a:rPr lang="en-US" sz="1200" dirty="0" err="1"/>
-              <a:t>lsst-dev.ncsa.illinois.edu</a:t>
-            </a:r>
-            <a:r>
-              <a:rPr lang="en-US" sz="1200" dirty="0"/>
-              <a:t>, IP: 141.142.237.30, IPv4: 141.142.237.30, IPv6: </a:t>
-            </a:r>
-          </a:p>
-          <a:p>
-            <a:pPr marL="0" indent="0">
-              <a:buNone/>
-            </a:pPr>
-            <a:r>
-              <a:rPr lang="en-US" sz="1200" dirty="0"/>
-              <a:t>I am: hostname: </a:t>
-            </a:r>
-            <a:r>
-              <a:rPr lang="en-US" sz="1200" dirty="0" err="1"/>
-              <a:t>lsst-dev</a:t>
-            </a:r>
-            <a:r>
-              <a:rPr lang="en-US" sz="1200" dirty="0"/>
-              <a:t>, fully qualified </a:t>
-            </a:r>
-            <a:r>
-              <a:rPr lang="en-US" sz="1200" dirty="0" err="1"/>
-              <a:t>doman</a:t>
-            </a:r>
-            <a:r>
-              <a:rPr lang="en-US" sz="1200" dirty="0"/>
-              <a:t> name: </a:t>
-            </a:r>
-            <a:r>
-              <a:rPr lang="en-US" sz="1200" dirty="0" err="1"/>
-              <a:t>lsst-dev.ncsa.illinois.edu</a:t>
-            </a:r>
-            <a:r>
-              <a:rPr lang="en-US" sz="1200" dirty="0"/>
-              <a:t>, IP: 141.142.237.30, IPv4: 141.142.237.30, IPv6: </a:t>
-            </a:r>
-          </a:p>
-          <a:p>
-            <a:pPr marL="0" indent="0">
-              <a:buNone/>
-            </a:pPr>
-            <a:r>
-              <a:rPr lang="en-US" sz="1200" dirty="0"/>
-              <a:t>Condor dag submitted as job  94022</a:t>
-            </a:r>
-          </a:p>
-          <a:p>
-            <a:pPr marL="0" indent="0">
-              <a:buNone/>
-            </a:pPr>
-            <a:r>
-              <a:rPr lang="en-US" sz="1200" dirty="0"/>
-              <a:t>Production launched.</a:t>
-            </a:r>
-          </a:p>
-          <a:p>
-            <a:pPr marL="0" indent="0">
-              <a:buNone/>
-            </a:pPr>
-            <a:r>
-              <a:rPr lang="en-US" sz="1200" dirty="0"/>
-              <a:t>Waiting for shutdown request.</a:t>
-            </a:r>
-          </a:p>
-          <a:p>
-            <a:pPr marL="0" indent="0">
-              <a:buNone/>
-            </a:pPr>
-            <a:r>
-              <a:rPr lang="en-US" sz="1200" dirty="0"/>
-              <a:t>sending last Logger Event</a:t>
-            </a:r>
-          </a:p>
-          <a:p>
-            <a:pPr marL="0" indent="0">
-              <a:buNone/>
-            </a:pPr>
-            <a:r>
-              <a:rPr lang="nb-NO" sz="1200" dirty="0" err="1"/>
-              <a:t>logger.pid</a:t>
-            </a:r>
-            <a:r>
-              <a:rPr lang="nb-NO" sz="1200" dirty="0"/>
-              <a:t> =  1582307</a:t>
-            </a:r>
-          </a:p>
-          <a:p>
-            <a:pPr marL="0" indent="0">
-              <a:buNone/>
-            </a:pPr>
-            <a:r>
-              <a:rPr lang="nb-NO" sz="1200" dirty="0"/>
-              <a:t>logger </a:t>
-            </a:r>
-            <a:r>
-              <a:rPr lang="nb-NO" sz="1200" dirty="0" err="1"/>
-              <a:t>handled</a:t>
-            </a:r>
-            <a:r>
-              <a:rPr lang="nb-NO" sz="1200" dirty="0"/>
-              <a:t>... and... done!</a:t>
-            </a:r>
-          </a:p>
-          <a:p>
-            <a:pPr marL="0" indent="0">
-              <a:buNone/>
-            </a:pPr>
-            <a:r>
-              <a:rPr lang="nb-NO" sz="1200" dirty="0"/>
-              <a:t>$</a:t>
-            </a:r>
-          </a:p>
-          <a:p>
-            <a:pPr marL="0" indent="0">
-              <a:buNone/>
-            </a:pPr>
-            <a:endParaRPr lang="de-DE" sz="1800" dirty="0" smtClean="0"/>
+              <a:t>condor_q</a:t>
+            </a:r>
+            <a:endParaRPr lang="en-US" sz="1200" dirty="0"/>
+          </a:p>
+          <a:p>
+            <a:pPr marL="0" indent="0">
+              <a:buNone/>
+            </a:pPr>
+            <a:endParaRPr lang="en-US" sz="1200" dirty="0"/>
+          </a:p>
+          <a:p>
+            <a:pPr marL="0" indent="0">
+              <a:buNone/>
+            </a:pPr>
+            <a:endParaRPr lang="en-US" sz="1200" dirty="0"/>
+          </a:p>
+          <a:p>
+            <a:pPr marL="0" indent="0">
+              <a:buNone/>
+            </a:pPr>
+            <a:r>
+              <a:rPr lang="hu-HU" sz="1200" dirty="0"/>
+              <a:t>-- Schedd: lsst-dev.ncsa.illinois.edu : &lt;141.142.237.30:61973?...</a:t>
+            </a:r>
+          </a:p>
+          <a:p>
+            <a:pPr marL="0" indent="0">
+              <a:buNone/>
+            </a:pPr>
+            <a:r>
+              <a:rPr lang="de-DE" sz="1200" dirty="0"/>
+              <a:t> ID      OWNER            SUBMITTED     RUN_TIME ST PRI SIZE CMD               </a:t>
+            </a:r>
+          </a:p>
+          <a:p>
+            <a:pPr marL="0" indent="0">
+              <a:buNone/>
+            </a:pPr>
+            <a:r>
+              <a:rPr lang="de-DE" sz="1200" dirty="0"/>
+              <a:t>79561.0   </a:t>
+            </a:r>
+            <a:r>
+              <a:rPr lang="de-DE" sz="1200" dirty="0" err="1"/>
+              <a:t>coughlin</a:t>
+            </a:r>
+            <a:r>
+              <a:rPr lang="de-DE" sz="1200" dirty="0"/>
+              <a:t>        9/18 12:00  11+17:17:01 R  0   0.3  </a:t>
+            </a:r>
+            <a:r>
+              <a:rPr lang="de-DE" sz="1200" dirty="0" err="1"/>
+              <a:t>condor_dagman</a:t>
+            </a:r>
+            <a:r>
+              <a:rPr lang="de-DE" sz="1200" dirty="0"/>
+              <a:t> -p 0</a:t>
+            </a:r>
+          </a:p>
+          <a:p>
+            <a:pPr marL="0" indent="0">
+              <a:buNone/>
+            </a:pPr>
+            <a:r>
+              <a:rPr lang="de-DE" sz="1200" dirty="0"/>
+              <a:t>79562.0   </a:t>
+            </a:r>
+            <a:r>
+              <a:rPr lang="de-DE" sz="1200" dirty="0" err="1"/>
+              <a:t>coughlin</a:t>
+            </a:r>
+            <a:r>
+              <a:rPr lang="de-DE" sz="1200" dirty="0"/>
+              <a:t>        9/18 12:00   0+14:37:37 H  0   1220.7 </a:t>
+            </a:r>
+            <a:r>
+              <a:rPr lang="de-DE" sz="1200" dirty="0" err="1"/>
+              <a:t>run_fisheye.py</a:t>
+            </a:r>
+            <a:r>
+              <a:rPr lang="de-DE" sz="1200" dirty="0"/>
+              <a:t> -o </a:t>
+            </a:r>
+          </a:p>
+          <a:p>
+            <a:pPr marL="0" indent="0">
+              <a:buNone/>
+            </a:pPr>
+            <a:r>
+              <a:rPr lang="de-DE" sz="1200" dirty="0"/>
+              <a:t>94022.0   </a:t>
+            </a:r>
+            <a:r>
+              <a:rPr lang="de-DE" sz="1200" dirty="0" err="1"/>
+              <a:t>srp</a:t>
+            </a:r>
+            <a:r>
+              <a:rPr lang="de-DE" sz="1200" dirty="0"/>
+              <a:t>             9/30 14:19   0+00:00:38 R  0   0.3  </a:t>
+            </a:r>
+            <a:r>
+              <a:rPr lang="de-DE" sz="1200" dirty="0" err="1"/>
+              <a:t>condor_dagman</a:t>
+            </a:r>
+            <a:r>
+              <a:rPr lang="de-DE" sz="1200" dirty="0"/>
+              <a:t> -p 0</a:t>
+            </a:r>
+          </a:p>
+          <a:p>
+            <a:pPr marL="0" indent="0">
+              <a:buNone/>
+            </a:pPr>
+            <a:endParaRPr lang="de-DE" sz="1200" dirty="0"/>
+          </a:p>
+          <a:p>
+            <a:pPr marL="0" indent="0">
+              <a:buNone/>
+            </a:pPr>
+            <a:r>
+              <a:rPr lang="de-DE" sz="1200" dirty="0"/>
+              <a:t>3 </a:t>
+            </a:r>
+            <a:r>
+              <a:rPr lang="de-DE" sz="1200" dirty="0" err="1"/>
+              <a:t>jobs</a:t>
+            </a:r>
+            <a:r>
+              <a:rPr lang="de-DE" sz="1200" dirty="0"/>
+              <a:t>; 0 </a:t>
+            </a:r>
+            <a:r>
+              <a:rPr lang="de-DE" sz="1200" dirty="0" err="1"/>
+              <a:t>completed</a:t>
+            </a:r>
+            <a:r>
+              <a:rPr lang="de-DE" sz="1200" dirty="0"/>
+              <a:t>, 0 </a:t>
+            </a:r>
+            <a:r>
+              <a:rPr lang="de-DE" sz="1200" dirty="0" err="1"/>
+              <a:t>removed</a:t>
+            </a:r>
+            <a:r>
+              <a:rPr lang="de-DE" sz="1200" dirty="0"/>
+              <a:t>, 0 </a:t>
+            </a:r>
+            <a:r>
+              <a:rPr lang="de-DE" sz="1200" dirty="0" err="1"/>
+              <a:t>idle</a:t>
+            </a:r>
+            <a:r>
+              <a:rPr lang="de-DE" sz="1200" dirty="0"/>
+              <a:t>, 2 </a:t>
+            </a:r>
+            <a:r>
+              <a:rPr lang="de-DE" sz="1200" dirty="0" err="1"/>
+              <a:t>running</a:t>
+            </a:r>
+            <a:r>
+              <a:rPr lang="de-DE" sz="1200" dirty="0"/>
+              <a:t>, 1 </a:t>
+            </a:r>
+            <a:r>
+              <a:rPr lang="de-DE" sz="1200" dirty="0" err="1"/>
+              <a:t>held</a:t>
+            </a:r>
+            <a:r>
+              <a:rPr lang="de-DE" sz="1200" dirty="0"/>
+              <a:t>, 0 </a:t>
+            </a:r>
+            <a:r>
+              <a:rPr lang="de-DE" sz="1200" dirty="0" err="1" smtClean="0"/>
+              <a:t>suspended</a:t>
+            </a:r>
+            <a:endParaRPr lang="de-DE" sz="1200" dirty="0" smtClean="0"/>
+          </a:p>
+          <a:p>
+            <a:pPr marL="0" indent="0">
+              <a:buNone/>
+            </a:pPr>
+            <a:endParaRPr lang="de-DE" sz="1200" dirty="0"/>
           </a:p>
           <a:p>
             <a:pPr marL="0" indent="0">
@@ -5063,11 +5075,11 @@
             </a:r>
             <a:r>
               <a:rPr lang="de-DE" sz="1800" dirty="0" smtClean="0"/>
-              <a:t>, </a:t>
+              <a:t>, HTCondor </a:t>
             </a:r>
             <a:r>
               <a:rPr lang="de-DE" sz="1800" dirty="0" err="1" smtClean="0"/>
-              <a:t>application</a:t>
+              <a:t>output</a:t>
             </a:r>
             <a:r>
               <a:rPr lang="de-DE" sz="1800" dirty="0" smtClean="0"/>
@@ -5075,7 +5087,7 @@
             </a:r>
             <a:r>
               <a:rPr lang="de-DE" sz="1800" dirty="0" err="1" smtClean="0"/>
-              <a:t>output</a:t>
+              <a:t>files</a:t>
             </a:r>
             <a:r>
               <a:rPr lang="de-DE" sz="1800" dirty="0" smtClean="0"/>
@@ -5083,7 +5095,7 @@
             </a:r>
             <a:r>
               <a:rPr lang="de-DE" sz="1800" dirty="0" err="1" smtClean="0"/>
-              <a:t>is</a:t>
+              <a:t>are</a:t>
             </a:r>
             <a:r>
               <a:rPr lang="de-DE" sz="1800" dirty="0" smtClean="0"/>
@@ -5103,15 +5115,31 @@
             </a:r>
             <a:r>
               <a:rPr lang="de-DE" sz="1800" dirty="0" smtClean="0"/>
-              <a:t> /</a:t>
+              <a:t>:</a:t>
+            </a:r>
+          </a:p>
+          <a:p>
+            <a:pPr marL="0" indent="0">
+              <a:buNone/>
+            </a:pPr>
+            <a:r>
+              <a:rPr lang="de-DE" sz="1800" dirty="0"/>
+              <a:t/>
+            </a:r>
+            <a:br>
+              <a:rPr lang="de-DE" sz="1800" dirty="0"/>
+            </a:br>
+            <a:r>
+              <a:rPr lang="de-DE" sz="1800" dirty="0" smtClean="0"/>
+              <a:t>$HOME/</a:t>
             </a:r>
             <a:r>
               <a:rPr lang="de-DE" sz="1800" dirty="0" err="1" smtClean="0"/>
-              <a:t>lsst</a:t>
+              <a:t>condor_scratch</a:t>
             </a:r>
             <a:r>
               <a:rPr lang="de-DE" sz="1800" dirty="0" smtClean="0"/>
-              <a:t>/DC3root/</a:t>
+              <a:t>/</a:t>
             </a:r>
             <a:r>
               <a:rPr lang="de-DE" sz="1800" dirty="0" err="1" smtClean="0"/>
@@ -5131,7 +5159,7 @@
             </a:pPr>
             <a:r>
               <a:rPr lang="de-DE" sz="1800" dirty="0" smtClean="0"/>
-              <a:t>In </a:t>
+              <a:t>in </a:t>
             </a:r>
             <a:r>
               <a:rPr lang="de-DE" sz="1800" dirty="0" err="1" smtClean="0"/>
@@ -5147,48 +5175,42 @@
             </a:r>
             <a:r>
               <a:rPr lang="de-DE" sz="1800" dirty="0" smtClean="0"/>
-              <a:t>, </a:t>
+              <a:t>:</a:t>
+            </a:r>
+          </a:p>
+          <a:p>
+            <a:pPr marL="0" indent="0">
+              <a:buNone/>
+            </a:pPr>
+            <a:r>
+              <a:rPr lang="de-DE" sz="1800" dirty="0" smtClean="0"/>
+              <a:t>$HOME/</a:t>
             </a:r>
             <a:r>
               <a:rPr lang="de-DE" sz="1800" dirty="0" err="1" smtClean="0"/>
-              <a:t>that</a:t>
+              <a:t>condor_scratch</a:t>
             </a:r>
             <a:r>
               <a:rPr lang="de-DE" sz="1800" dirty="0" smtClean="0"/>
-              <a:t> </a:t>
-            </a:r>
-            <a:r>
-              <a:rPr lang="de-DE" sz="1800" dirty="0" err="1" smtClean="0"/>
-              <a:t>would</a:t>
-            </a:r>
-            <a:r>
-              <a:rPr lang="de-DE" sz="1800" dirty="0" smtClean="0"/>
-              <a:t> </a:t>
-            </a:r>
-            <a:r>
-              <a:rPr lang="de-DE" sz="1800" dirty="0" err="1" smtClean="0"/>
-              <a:t>be</a:t>
-            </a:r>
-            <a:r>
-              <a:rPr lang="de-DE" sz="1800" dirty="0" smtClean="0"/>
-              <a:t> /</a:t>
-            </a:r>
-            <a:r>
-              <a:rPr lang="de-DE" sz="1800" dirty="0" err="1" smtClean="0"/>
-              <a:t>lsst</a:t>
-            </a:r>
-            <a:r>
-              <a:rPr lang="de-DE" sz="1800" dirty="0" smtClean="0"/>
-              <a:t>/DC3root/srp_2015_0930_141934</a:t>
-            </a:r>
-            <a:endParaRPr lang="de-DE" sz="1800" dirty="0"/>
+              <a:t>/</a:t>
+            </a:r>
+            <a:r>
+              <a:rPr lang="de-DE" sz="1800" dirty="0"/>
+              <a:t>srp_2015_0930_141934</a:t>
+            </a:r>
+          </a:p>
+          <a:p>
+            <a:pPr marL="0" indent="0">
+              <a:buNone/>
+            </a:pPr>
+            <a:endParaRPr lang="de-DE" dirty="0"/>
           </a:p>
         </p:txBody>
       </p:sp>
     </p:spTree>
     <p:extLst>
       <p:ext uri="{BB962C8B-B14F-4D97-AF65-F5344CB8AC3E}">
-        <p14:creationId xmlns:p14="http://schemas.microsoft.com/office/powerpoint/2010/main" val="2863295202"/>
+        <p14:creationId xmlns:p14="http://schemas.microsoft.com/office/powerpoint/2010/main" val="3975061927"/>
       </p:ext>
     </p:extLst>
   </p:cSld>
@@ -5238,8 +5260,12 @@
           <a:lstStyle/>
           <a:p>
             <a:r>
+              <a:rPr lang="en-US" dirty="0" err="1" smtClean="0"/>
+              <a:t>runOrca.py</a:t>
+            </a:r>
+            <a:r>
               <a:rPr lang="en-US" dirty="0" smtClean="0"/>
-              <a:t>Application output</a:t>
+              <a:t> example (cont’d)</a:t>
             </a:r>
             <a:endParaRPr lang="en-US" dirty="0"/>
           </a:p>
@@ -5269,17 +5295,11 @@
             </a:r>
             <a:r>
               <a:rPr lang="en-US" sz="1200" dirty="0" err="1"/>
-              <a:t>pwd</a:t>
-            </a:r>
-            <a:endParaRPr lang="en-US" sz="1200" dirty="0"/>
-          </a:p>
-          <a:p>
-            <a:pPr marL="0" indent="0">
-              <a:buNone/>
-            </a:pPr>
+              <a:t>runOrca.py</a:t>
+            </a:r>
             <a:r>
               <a:rPr lang="en-US" sz="1200" dirty="0"/>
-              <a:t>/</a:t>
+              <a:t> -p </a:t>
             </a:r>
             <a:r>
               <a:rPr lang="en-US" sz="1200" dirty="0" err="1"/>
@@ -5287,202 +5307,347 @@
             </a:r>
             <a:r>
               <a:rPr lang="en-US" sz="1200" dirty="0"/>
+              <a:t> -c "/bin/echo" -</a:t>
+            </a:r>
+            <a:r>
+              <a:rPr lang="en-US" sz="1200" dirty="0" err="1"/>
+              <a:t>i</a:t>
+            </a:r>
+            <a:r>
+              <a:rPr lang="en-US" sz="1200" dirty="0"/>
+              <a:t> $HOME/</a:t>
+            </a:r>
+            <a:r>
+              <a:rPr lang="en-US" sz="1200" dirty="0" err="1"/>
+              <a:t>ids.txt</a:t>
+            </a:r>
+            <a:r>
+              <a:rPr lang="en-US" sz="1200" dirty="0"/>
+              <a:t> -e ~/</a:t>
+            </a:r>
+            <a:r>
+              <a:rPr lang="en-US" sz="1200" dirty="0" err="1"/>
+              <a:t>lsstsw</a:t>
+            </a:r>
+            <a:endParaRPr lang="en-US" sz="1200" dirty="0"/>
+          </a:p>
+          <a:p>
+            <a:pPr marL="0" indent="0">
+              <a:buNone/>
+            </a:pPr>
+            <a:r>
+              <a:rPr lang="en-US" sz="1200" dirty="0" err="1"/>
+              <a:t>runid</a:t>
+            </a:r>
+            <a:r>
+              <a:rPr lang="en-US" sz="1200" dirty="0"/>
+              <a:t> for this run is  srp_2015_0930_141934</a:t>
+            </a:r>
+          </a:p>
+          <a:p>
+            <a:pPr marL="0" indent="0">
+              <a:buNone/>
+            </a:pPr>
+            <a:r>
+              <a:rPr lang="en-US" sz="1200" dirty="0" err="1"/>
+              <a:t>condor_submit_dag</a:t>
+            </a:r>
+            <a:r>
+              <a:rPr lang="en-US" sz="1200" dirty="0"/>
+              <a:t> S2012Pipe.diamond.dag</a:t>
+            </a:r>
+          </a:p>
+          <a:p>
+            <a:pPr marL="0" indent="0">
+              <a:buNone/>
+            </a:pPr>
+            <a:r>
+              <a:rPr lang="en-US" sz="1200" dirty="0"/>
+              <a:t>I am: hostname: </a:t>
+            </a:r>
+            <a:r>
+              <a:rPr lang="en-US" sz="1200" dirty="0" err="1"/>
+              <a:t>lsst-dev</a:t>
+            </a:r>
+            <a:r>
+              <a:rPr lang="en-US" sz="1200" dirty="0"/>
+              <a:t>, fully qualified </a:t>
+            </a:r>
+            <a:r>
+              <a:rPr lang="en-US" sz="1200" dirty="0" err="1"/>
+              <a:t>doman</a:t>
+            </a:r>
+            <a:r>
+              <a:rPr lang="en-US" sz="1200" dirty="0"/>
+              <a:t> name: </a:t>
+            </a:r>
+            <a:r>
+              <a:rPr lang="en-US" sz="1200" dirty="0" err="1"/>
+              <a:t>lsst-dev.ncsa.illinois.edu</a:t>
+            </a:r>
+            <a:r>
+              <a:rPr lang="en-US" sz="1200" dirty="0"/>
+              <a:t>, IP: 141.142.237.30, IPv4: 141.142.237.30, IPv6: </a:t>
+            </a:r>
+          </a:p>
+          <a:p>
+            <a:pPr marL="0" indent="0">
+              <a:buNone/>
+            </a:pPr>
+            <a:r>
+              <a:rPr lang="en-US" sz="1200" dirty="0"/>
+              <a:t>I am: hostname: </a:t>
+            </a:r>
+            <a:r>
+              <a:rPr lang="en-US" sz="1200" dirty="0" err="1"/>
+              <a:t>lsst-dev</a:t>
+            </a:r>
+            <a:r>
+              <a:rPr lang="en-US" sz="1200" dirty="0"/>
+              <a:t>, fully qualified </a:t>
+            </a:r>
+            <a:r>
+              <a:rPr lang="en-US" sz="1200" dirty="0" err="1"/>
+              <a:t>doman</a:t>
+            </a:r>
+            <a:r>
+              <a:rPr lang="en-US" sz="1200" dirty="0"/>
+              <a:t> name: </a:t>
+            </a:r>
+            <a:r>
+              <a:rPr lang="en-US" sz="1200" dirty="0" err="1"/>
+              <a:t>lsst-dev.ncsa.illinois.edu</a:t>
+            </a:r>
+            <a:r>
+              <a:rPr lang="en-US" sz="1200" dirty="0"/>
+              <a:t>, IP: 141.142.237.30, IPv4: 141.142.237.30, IPv6: </a:t>
+            </a:r>
+          </a:p>
+          <a:p>
+            <a:pPr marL="0" indent="0">
+              <a:buNone/>
+            </a:pPr>
+            <a:r>
+              <a:rPr lang="en-US" sz="1200" dirty="0"/>
+              <a:t>Condor dag submitted as job  94022</a:t>
+            </a:r>
+          </a:p>
+          <a:p>
+            <a:pPr marL="0" indent="0">
+              <a:buNone/>
+            </a:pPr>
+            <a:r>
+              <a:rPr lang="en-US" sz="1200" dirty="0"/>
+              <a:t>Production launched.</a:t>
+            </a:r>
+          </a:p>
+          <a:p>
+            <a:pPr marL="0" indent="0">
+              <a:buNone/>
+            </a:pPr>
+            <a:r>
+              <a:rPr lang="en-US" sz="1200" dirty="0"/>
+              <a:t>Waiting for shutdown request.</a:t>
+            </a:r>
+          </a:p>
+          <a:p>
+            <a:pPr marL="0" indent="0">
+              <a:buNone/>
+            </a:pPr>
+            <a:r>
+              <a:rPr lang="en-US" sz="1200" dirty="0"/>
+              <a:t>sending last Logger Event</a:t>
+            </a:r>
+          </a:p>
+          <a:p>
+            <a:pPr marL="0" indent="0">
+              <a:buNone/>
+            </a:pPr>
+            <a:r>
+              <a:rPr lang="nb-NO" sz="1200" dirty="0" err="1"/>
+              <a:t>logger.pid</a:t>
+            </a:r>
+            <a:r>
+              <a:rPr lang="nb-NO" sz="1200" dirty="0"/>
+              <a:t> =  1582307</a:t>
+            </a:r>
+          </a:p>
+          <a:p>
+            <a:pPr marL="0" indent="0">
+              <a:buNone/>
+            </a:pPr>
+            <a:r>
+              <a:rPr lang="nb-NO" sz="1200" dirty="0"/>
+              <a:t>logger </a:t>
+            </a:r>
+            <a:r>
+              <a:rPr lang="nb-NO" sz="1200" dirty="0" err="1"/>
+              <a:t>handled</a:t>
+            </a:r>
+            <a:r>
+              <a:rPr lang="nb-NO" sz="1200" dirty="0"/>
+              <a:t>... and... done!</a:t>
+            </a:r>
+          </a:p>
+          <a:p>
+            <a:pPr marL="0" indent="0">
+              <a:buNone/>
+            </a:pPr>
+            <a:r>
+              <a:rPr lang="nb-NO" sz="1200" dirty="0"/>
+              <a:t>$</a:t>
+            </a:r>
+          </a:p>
+          <a:p>
+            <a:pPr marL="0" indent="0">
+              <a:buNone/>
+            </a:pPr>
+            <a:endParaRPr lang="de-DE" sz="1800" dirty="0" smtClean="0"/>
+          </a:p>
+          <a:p>
+            <a:pPr marL="0" indent="0">
+              <a:buNone/>
+            </a:pPr>
+            <a:r>
+              <a:rPr lang="de-DE" sz="1800" dirty="0" err="1" smtClean="0"/>
+              <a:t>By</a:t>
+            </a:r>
+            <a:r>
+              <a:rPr lang="de-DE" sz="1800" dirty="0" smtClean="0"/>
+              <a:t> </a:t>
+            </a:r>
+            <a:r>
+              <a:rPr lang="de-DE" sz="1800" dirty="0" err="1" smtClean="0"/>
+              <a:t>default</a:t>
+            </a:r>
+            <a:r>
+              <a:rPr lang="de-DE" sz="1800" dirty="0" smtClean="0"/>
+              <a:t>, </a:t>
+            </a:r>
+            <a:r>
+              <a:rPr lang="de-DE" sz="1800" dirty="0" err="1" smtClean="0"/>
+              <a:t>application</a:t>
+            </a:r>
+            <a:r>
+              <a:rPr lang="de-DE" sz="1800" dirty="0" smtClean="0"/>
+              <a:t> </a:t>
+            </a:r>
+            <a:r>
+              <a:rPr lang="de-DE" sz="1800" dirty="0" err="1" smtClean="0"/>
+              <a:t>output</a:t>
+            </a:r>
+            <a:r>
+              <a:rPr lang="de-DE" sz="1800" dirty="0" smtClean="0"/>
+              <a:t> </a:t>
+            </a:r>
+            <a:r>
+              <a:rPr lang="de-DE" sz="1800" dirty="0" err="1" smtClean="0"/>
+              <a:t>is</a:t>
+            </a:r>
+            <a:r>
+              <a:rPr lang="de-DE" sz="1800" dirty="0" smtClean="0"/>
+              <a:t> </a:t>
+            </a:r>
+            <a:r>
+              <a:rPr lang="de-DE" sz="1800" dirty="0" err="1" smtClean="0"/>
+              <a:t>put</a:t>
+            </a:r>
+            <a:r>
+              <a:rPr lang="de-DE" sz="1800" dirty="0" smtClean="0"/>
+              <a:t> </a:t>
+            </a:r>
+            <a:r>
+              <a:rPr lang="de-DE" sz="1800" dirty="0" err="1" smtClean="0"/>
+              <a:t>into</a:t>
+            </a:r>
+            <a:r>
+              <a:rPr lang="de-DE" sz="1800" dirty="0" smtClean="0"/>
+              <a:t> /</a:t>
+            </a:r>
+            <a:r>
+              <a:rPr lang="de-DE" sz="1800" dirty="0" err="1" smtClean="0"/>
+              <a:t>lsst</a:t>
+            </a:r>
+            <a:r>
+              <a:rPr lang="de-DE" sz="1800" dirty="0" smtClean="0"/>
               <a:t>/DC3root/</a:t>
             </a:r>
             <a:r>
-              <a:rPr lang="en-US" sz="1200" dirty="0" smtClean="0"/>
-              <a:t>srp_2015_0930_141934</a:t>
-            </a:r>
-          </a:p>
-          <a:p>
-            <a:pPr marL="0" indent="0">
-              <a:buNone/>
-            </a:pPr>
-            <a:r>
-              <a:rPr lang="en-US" sz="1200" dirty="0"/>
-              <a:t>$ </a:t>
-            </a:r>
-            <a:r>
-              <a:rPr lang="en-US" sz="1200" dirty="0" err="1"/>
-              <a:t>ls</a:t>
-            </a:r>
-            <a:endParaRPr lang="en-US" sz="1200" dirty="0"/>
-          </a:p>
-          <a:p>
-            <a:pPr marL="0" indent="0">
-              <a:buNone/>
-            </a:pPr>
-            <a:r>
-              <a:rPr lang="en-US" sz="1200" dirty="0" err="1"/>
-              <a:t>eups.list</a:t>
-            </a:r>
-            <a:r>
-              <a:rPr lang="en-US" sz="1200" dirty="0"/>
-              <a:t>  logs  output</a:t>
-            </a:r>
-          </a:p>
-          <a:p>
-            <a:pPr marL="0" indent="0">
-              <a:buNone/>
-            </a:pPr>
-            <a:r>
-              <a:rPr lang="en-US" sz="1200" dirty="0"/>
-              <a:t>$ </a:t>
-            </a:r>
-            <a:r>
-              <a:rPr lang="en-US" sz="1200" dirty="0" err="1"/>
-              <a:t>ls</a:t>
-            </a:r>
-            <a:r>
-              <a:rPr lang="en-US" sz="1200" dirty="0"/>
-              <a:t> -R logs</a:t>
-            </a:r>
-          </a:p>
-          <a:p>
-            <a:pPr marL="0" indent="0">
-              <a:buNone/>
-            </a:pPr>
-            <a:r>
-              <a:rPr lang="en-US" sz="1200" dirty="0"/>
-              <a:t>logs:</a:t>
-            </a:r>
-          </a:p>
-          <a:p>
-            <a:pPr marL="0" indent="0">
-              <a:buNone/>
-            </a:pPr>
-            <a:r>
-              <a:rPr lang="en-US" sz="1200" dirty="0"/>
-              <a:t>lsst5</a:t>
-            </a:r>
-          </a:p>
-          <a:p>
-            <a:pPr marL="0" indent="0">
-              <a:buNone/>
-            </a:pPr>
-            <a:endParaRPr lang="en-US" sz="1200" dirty="0"/>
-          </a:p>
-          <a:p>
-            <a:pPr marL="0" indent="0">
-              <a:buNone/>
-            </a:pPr>
-            <a:r>
-              <a:rPr lang="en-US" sz="1200" dirty="0"/>
-              <a:t>logs/lsst5:</a:t>
-            </a:r>
-          </a:p>
-          <a:p>
-            <a:pPr marL="0" indent="0">
-              <a:buNone/>
-            </a:pPr>
-            <a:r>
-              <a:rPr lang="en-US" sz="1200" dirty="0"/>
-              <a:t>slot1</a:t>
-            </a:r>
-          </a:p>
-          <a:p>
-            <a:pPr marL="0" indent="0">
-              <a:buNone/>
-            </a:pPr>
-            <a:endParaRPr lang="en-US" sz="1200" dirty="0"/>
-          </a:p>
-          <a:p>
-            <a:pPr marL="0" indent="0">
-              <a:buNone/>
-            </a:pPr>
-            <a:r>
-              <a:rPr lang="en-US" sz="1200" dirty="0"/>
-              <a:t>logs/lsst5/slot1:</a:t>
-            </a:r>
-          </a:p>
-          <a:p>
-            <a:pPr marL="0" indent="0">
-              <a:buNone/>
-            </a:pPr>
-            <a:r>
-              <a:rPr lang="is-IS" sz="1200" dirty="0"/>
-              <a:t>S2012Pipe-1.log  S2012Pipe-2.log  S2012Pipe-3.log</a:t>
-            </a:r>
-          </a:p>
-          <a:p>
-            <a:pPr marL="0" indent="0">
-              <a:buNone/>
-            </a:pPr>
-            <a:r>
-              <a:rPr lang="en-US" sz="1200" dirty="0"/>
-              <a:t>$ cd logs/lsst5/slot1</a:t>
-            </a:r>
-          </a:p>
-          <a:p>
-            <a:pPr marL="0" indent="0">
-              <a:buNone/>
-            </a:pPr>
-            <a:r>
-              <a:rPr lang="en-US" sz="1200" dirty="0"/>
-              <a:t>$ cat S2012Pipe-1.log</a:t>
-            </a:r>
-          </a:p>
-          <a:p>
-            <a:pPr marL="0" indent="0">
-              <a:buNone/>
-            </a:pPr>
-            <a:r>
-              <a:rPr lang="en-US" sz="1200" dirty="0"/>
-              <a:t>--id 1</a:t>
-            </a:r>
-          </a:p>
-          <a:p>
-            <a:pPr marL="0" indent="0">
-              <a:buNone/>
-            </a:pPr>
-            <a:r>
-              <a:rPr lang="en-US" sz="1200" dirty="0"/>
-              <a:t>$ cat S2012Pipe-2.log</a:t>
-            </a:r>
-          </a:p>
-          <a:p>
-            <a:pPr marL="0" indent="0">
-              <a:buNone/>
-            </a:pPr>
-            <a:r>
-              <a:rPr lang="en-US" sz="1200" dirty="0"/>
-              <a:t>--id 2</a:t>
-            </a:r>
-          </a:p>
-          <a:p>
-            <a:pPr marL="0" indent="0">
-              <a:buNone/>
-            </a:pPr>
-            <a:r>
-              <a:rPr lang="en-US" sz="1200" dirty="0"/>
-              <a:t>$ cat S2012Pipe-3.log</a:t>
-            </a:r>
-          </a:p>
-          <a:p>
-            <a:pPr marL="0" indent="0">
-              <a:buNone/>
-            </a:pPr>
-            <a:r>
-              <a:rPr lang="en-US" sz="1200" dirty="0"/>
-              <a:t>--id 3</a:t>
-            </a:r>
-          </a:p>
-          <a:p>
-            <a:pPr marL="0" indent="0">
-              <a:buNone/>
-            </a:pPr>
-            <a:r>
-              <a:rPr lang="en-US" sz="1200" dirty="0"/>
-              <a:t>$ </a:t>
-            </a:r>
-            <a:endParaRPr lang="de-DE" sz="1200" dirty="0"/>
+              <a:rPr lang="de-DE" sz="1800" dirty="0" err="1" smtClean="0"/>
+              <a:t>your_runid</a:t>
+            </a:r>
+            <a:endParaRPr lang="de-DE" sz="1800" dirty="0" smtClean="0"/>
+          </a:p>
+          <a:p>
+            <a:pPr marL="0" indent="0">
+              <a:buNone/>
+            </a:pPr>
+            <a:endParaRPr lang="de-DE" sz="1800" dirty="0"/>
+          </a:p>
+          <a:p>
+            <a:pPr marL="0" indent="0">
+              <a:buNone/>
+            </a:pPr>
+            <a:r>
+              <a:rPr lang="de-DE" sz="1800" dirty="0" smtClean="0"/>
+              <a:t>In </a:t>
+            </a:r>
+            <a:r>
+              <a:rPr lang="de-DE" sz="1800" dirty="0" err="1" smtClean="0"/>
+              <a:t>this</a:t>
+            </a:r>
+            <a:r>
+              <a:rPr lang="de-DE" sz="1800" dirty="0" smtClean="0"/>
+              <a:t> </a:t>
+            </a:r>
+            <a:r>
+              <a:rPr lang="de-DE" sz="1800" dirty="0" err="1" smtClean="0"/>
+              <a:t>case</a:t>
+            </a:r>
+            <a:r>
+              <a:rPr lang="de-DE" sz="1800" dirty="0" smtClean="0"/>
+              <a:t>, </a:t>
+            </a:r>
+            <a:r>
+              <a:rPr lang="de-DE" sz="1800" dirty="0" err="1" smtClean="0"/>
+              <a:t>that</a:t>
+            </a:r>
+            <a:r>
+              <a:rPr lang="de-DE" sz="1800" dirty="0" smtClean="0"/>
+              <a:t> </a:t>
+            </a:r>
+            <a:r>
+              <a:rPr lang="de-DE" sz="1800" dirty="0" err="1" smtClean="0"/>
+              <a:t>would</a:t>
+            </a:r>
+            <a:r>
+              <a:rPr lang="de-DE" sz="1800" dirty="0" smtClean="0"/>
+              <a:t> </a:t>
+            </a:r>
+            <a:r>
+              <a:rPr lang="de-DE" sz="1800" dirty="0" err="1" smtClean="0"/>
+              <a:t>be</a:t>
+            </a:r>
+            <a:r>
+              <a:rPr lang="de-DE" sz="1800" dirty="0" smtClean="0"/>
+              <a:t> /</a:t>
+            </a:r>
+            <a:r>
+              <a:rPr lang="de-DE" sz="1800" dirty="0" err="1" smtClean="0"/>
+              <a:t>lsst</a:t>
+            </a:r>
+            <a:r>
+              <a:rPr lang="de-DE" sz="1800" dirty="0" smtClean="0"/>
+              <a:t>/DC3root/srp_2015_0930_141934</a:t>
+            </a:r>
+            <a:endParaRPr lang="de-DE" sz="1800" dirty="0"/>
           </a:p>
         </p:txBody>
       </p:sp>
     </p:spTree>
     <p:extLst>
       <p:ext uri="{BB962C8B-B14F-4D97-AF65-F5344CB8AC3E}">
-        <p14:creationId xmlns:p14="http://schemas.microsoft.com/office/powerpoint/2010/main" val="1086045805"/>
+        <p14:creationId xmlns:p14="http://schemas.microsoft.com/office/powerpoint/2010/main" val="2863295202"/>
       </p:ext>
     </p:extLst>
   </p:cSld>
@@ -5533,7 +5698,7 @@
           <a:p>
             <a:r>
               <a:rPr lang="en-US" dirty="0" smtClean="0"/>
-              <a:t>HTCondor output</a:t>
+              <a:t>Application output</a:t>
             </a:r>
             <a:endParaRPr lang="en-US" dirty="0"/>
           </a:p>
@@ -5573,23 +5738,19 @@
             </a:pPr>
             <a:r>
               <a:rPr lang="en-US" sz="1200" dirty="0"/>
-              <a:t>/home/</a:t>
+              <a:t>/</a:t>
             </a:r>
             <a:r>
               <a:rPr lang="en-US" sz="1200" dirty="0" err="1"/>
-              <a:t>srp</a:t>
+              <a:t>lsst</a:t>
             </a:r>
             <a:r>
               <a:rPr lang="en-US" sz="1200" dirty="0"/>
-              <a:t>/</a:t>
-            </a:r>
-            <a:r>
-              <a:rPr lang="en-US" sz="1200" dirty="0" err="1"/>
-              <a:t>condor_scratch</a:t>
-            </a:r>
-            <a:r>
-              <a:rPr lang="en-US" sz="1200" dirty="0"/>
-              <a:t>/srp_2015_0930_141934</a:t>
+              <a:t>/DC3root/</a:t>
+            </a:r>
+            <a:r>
+              <a:rPr lang="en-US" sz="1200" dirty="0" smtClean="0"/>
+              <a:t>srp_2015_0930_141934</a:t>
             </a:r>
           </a:p>
           <a:p>
@@ -5611,99 +5772,176 @@
               <a:buNone/>
             </a:pPr>
             <a:r>
-              <a:rPr lang="de-DE" sz="1200" dirty="0" err="1"/>
-              <a:t>logs</a:t>
-            </a:r>
-            <a:r>
-              <a:rPr lang="de-DE" sz="1200" dirty="0"/>
-              <a:t>                              </a:t>
-            </a:r>
-            <a:r>
-              <a:rPr lang="de-DE" sz="1200" dirty="0" smtClean="0"/>
-              <a:t>                      S2012Pipe.diamond.dag.lib.err</a:t>
+              <a:rPr lang="en-US" sz="1200" dirty="0" err="1"/>
+              <a:t>eups.list</a:t>
+            </a:r>
+            <a:r>
+              <a:rPr lang="en-US" sz="1200" dirty="0"/>
+              <a:t>  logs  output</a:t>
+            </a:r>
+          </a:p>
+          <a:p>
+            <a:pPr marL="0" indent="0">
+              <a:buNone/>
+            </a:pPr>
+            <a:r>
+              <a:rPr lang="en-US" sz="1200" dirty="0"/>
+              <a:t>$ </a:t>
+            </a:r>
+            <a:r>
+              <a:rPr lang="en-US" sz="1200" dirty="0" err="1"/>
+              <a:t>ls</a:t>
+            </a:r>
+            <a:r>
+              <a:rPr lang="en-US" sz="1200" dirty="0"/>
+              <a:t> -R logs</a:t>
+            </a:r>
+          </a:p>
+          <a:p>
+            <a:pPr marL="0" indent="0">
+              <a:buNone/>
+            </a:pPr>
+            <a:r>
+              <a:rPr lang="en-US" sz="1200" dirty="0"/>
+              <a:t>logs:</a:t>
+            </a:r>
+          </a:p>
+          <a:p>
+            <a:pPr marL="0" indent="0">
+              <a:buNone/>
+            </a:pPr>
+            <a:r>
+              <a:rPr lang="en-US" sz="1200" dirty="0"/>
+              <a:t>lsst5</a:t>
+            </a:r>
+          </a:p>
+          <a:p>
+            <a:pPr marL="0" indent="0">
+              <a:buNone/>
+            </a:pPr>
+            <a:endParaRPr lang="en-US" sz="1200" dirty="0"/>
+          </a:p>
+          <a:p>
+            <a:pPr marL="0" indent="0">
+              <a:buNone/>
+            </a:pPr>
+            <a:r>
+              <a:rPr lang="en-US" sz="1200" dirty="0"/>
+              <a:t>logs/lsst5:</a:t>
+            </a:r>
+          </a:p>
+          <a:p>
+            <a:pPr marL="0" indent="0">
+              <a:buNone/>
+            </a:pPr>
+            <a:r>
+              <a:rPr lang="en-US" sz="1200" dirty="0"/>
+              <a:t>slot1</a:t>
+            </a:r>
+          </a:p>
+          <a:p>
+            <a:pPr marL="0" indent="0">
+              <a:buNone/>
+            </a:pPr>
+            <a:endParaRPr lang="en-US" sz="1200" dirty="0"/>
+          </a:p>
+          <a:p>
+            <a:pPr marL="0" indent="0">
+              <a:buNone/>
+            </a:pPr>
+            <a:r>
+              <a:rPr lang="en-US" sz="1200" dirty="0"/>
+              <a:t>logs/lsst5/slot1:</a:t>
+            </a:r>
+          </a:p>
+          <a:p>
+            <a:pPr marL="0" indent="0">
+              <a:buNone/>
+            </a:pPr>
+            <a:r>
+              <a:rPr lang="is-IS" sz="1200" dirty="0"/>
+              <a:t>S2012Pipe-1.log  S2012Pipe-2.log  S2012Pipe-3.log</a:t>
+            </a:r>
+          </a:p>
+          <a:p>
+            <a:pPr marL="0" indent="0">
+              <a:buNone/>
+            </a:pPr>
+            <a:r>
+              <a:rPr lang="en-US" sz="1200" dirty="0"/>
+              <a:t>$ cd logs/lsst5/slot1</a:t>
+            </a:r>
+          </a:p>
+          <a:p>
+            <a:pPr marL="0" indent="0">
+              <a:buNone/>
+            </a:pPr>
+            <a:r>
+              <a:rPr lang="en-US" sz="1200" dirty="0"/>
+              <a:t>$ cat S2012Pipe-1.log</a:t>
+            </a:r>
+          </a:p>
+          <a:p>
+            <a:pPr marL="0" indent="0">
+              <a:buNone/>
+            </a:pPr>
+            <a:r>
+              <a:rPr lang="en-US" sz="1200" dirty="0"/>
+              <a:t>--id 1</a:t>
+            </a:r>
+          </a:p>
+          <a:p>
+            <a:pPr marL="0" indent="0">
+              <a:buNone/>
+            </a:pPr>
+            <a:r>
+              <a:rPr lang="en-US" sz="1200" dirty="0"/>
+              <a:t>$ cat S2012Pipe-2.log</a:t>
+            </a:r>
+          </a:p>
+          <a:p>
+            <a:pPr marL="0" indent="0">
+              <a:buNone/>
+            </a:pPr>
+            <a:r>
+              <a:rPr lang="en-US" sz="1200" dirty="0"/>
+              <a:t>--id 2</a:t>
+            </a:r>
+          </a:p>
+          <a:p>
+            <a:pPr marL="0" indent="0">
+              <a:buNone/>
+            </a:pPr>
+            <a:r>
+              <a:rPr lang="en-US" sz="1200" dirty="0"/>
+              <a:t>$ cat S2012Pipe-3.log</a:t>
+            </a:r>
+          </a:p>
+          <a:p>
+            <a:pPr marL="0" indent="0">
+              <a:buNone/>
+            </a:pPr>
+            <a:r>
+              <a:rPr lang="en-US" sz="1200" dirty="0"/>
+              <a:t>--id 3</a:t>
+            </a:r>
+          </a:p>
+          <a:p>
+            <a:pPr marL="0" indent="0">
+              <a:buNone/>
+            </a:pPr>
+            <a:r>
+              <a:rPr lang="en-US" sz="1200" dirty="0"/>
+              <a:t>$ </a:t>
             </a:r>
             <a:endParaRPr lang="de-DE" sz="1200" dirty="0"/>
-          </a:p>
-          <a:p>
-            <a:pPr marL="0" indent="0">
-              <a:buNone/>
-            </a:pPr>
-            <a:r>
-              <a:rPr lang="it-IT" sz="1200" dirty="0"/>
-              <a:t>S2012Pipe.config                  </a:t>
-            </a:r>
-            <a:r>
-              <a:rPr lang="it-IT" sz="1200" dirty="0" smtClean="0"/>
-              <a:t>              S2012Pipe.diamond.dag.lib.out</a:t>
-            </a:r>
-            <a:endParaRPr lang="it-IT" sz="1200" dirty="0"/>
-          </a:p>
-          <a:p>
-            <a:pPr marL="0" indent="0">
-              <a:buNone/>
-            </a:pPr>
-            <a:r>
-              <a:rPr lang="it-IT" sz="1200" dirty="0"/>
-              <a:t>S2012Pipe.diamond.dag             </a:t>
-            </a:r>
-            <a:r>
-              <a:rPr lang="it-IT" sz="1200" dirty="0" smtClean="0"/>
-              <a:t>        S2012Pipe.diamond.dag.metrics</a:t>
-            </a:r>
-            <a:endParaRPr lang="it-IT" sz="1200" dirty="0"/>
-          </a:p>
-          <a:p>
-            <a:pPr marL="0" indent="0">
-              <a:buNone/>
-            </a:pPr>
-            <a:r>
-              <a:rPr lang="it-IT" sz="1200" dirty="0"/>
-              <a:t>S2012Pipe.diamond.dag.condor.sub  </a:t>
-            </a:r>
-            <a:r>
-              <a:rPr lang="it-IT" sz="1200" dirty="0" smtClean="0"/>
-              <a:t> S2012Pipe.diamond.dag.nodes.log</a:t>
-            </a:r>
-            <a:endParaRPr lang="it-IT" sz="1200" dirty="0"/>
-          </a:p>
-          <a:p>
-            <a:pPr marL="0" indent="0">
-              <a:buNone/>
-            </a:pPr>
-            <a:r>
-              <a:rPr lang="it-IT" sz="1200" dirty="0"/>
-              <a:t>S2012Pipe.diamond.dag.dagman.log  S2012Pipe.mapping</a:t>
-            </a:r>
-          </a:p>
-          <a:p>
-            <a:pPr marL="0" indent="0">
-              <a:buNone/>
-            </a:pPr>
-            <a:r>
-              <a:rPr lang="it-IT" sz="1200" dirty="0"/>
-              <a:t>S2012Pipe.diamond.dag.dagman.out  </a:t>
-            </a:r>
-            <a:r>
-              <a:rPr lang="it-IT" sz="1200" dirty="0" err="1" smtClean="0"/>
-              <a:t>workers</a:t>
-            </a:r>
-            <a:endParaRPr lang="it-IT" sz="1200" dirty="0" smtClean="0"/>
-          </a:p>
-          <a:p>
-            <a:pPr marL="0" indent="0">
-              <a:buNone/>
-            </a:pPr>
-            <a:r>
-              <a:rPr lang="it-IT" sz="1200" dirty="0"/>
-              <a:t>$</a:t>
-            </a:r>
           </a:p>
         </p:txBody>
       </p:sp>
     </p:spTree>
     <p:extLst>
       <p:ext uri="{BB962C8B-B14F-4D97-AF65-F5344CB8AC3E}">
-        <p14:creationId xmlns:p14="http://schemas.microsoft.com/office/powerpoint/2010/main" val="2693159990"/>
+        <p14:creationId xmlns:p14="http://schemas.microsoft.com/office/powerpoint/2010/main" val="1086045805"/>
       </p:ext>
     </p:extLst>
   </p:cSld>
@@ -5754,6 +5992,227 @@
           <a:p>
             <a:r>
               <a:rPr lang="en-US" dirty="0" smtClean="0"/>
+              <a:t>HTCondor output</a:t>
+            </a:r>
+            <a:endParaRPr lang="en-US" dirty="0"/>
+          </a:p>
+        </p:txBody>
+      </p:sp>
+      <p:sp>
+        <p:nvSpPr>
+          <p:cNvPr id="7" name="Text Placeholder 6"/>
+          <p:cNvSpPr>
+            <a:spLocks noGrp="1"/>
+          </p:cNvSpPr>
+          <p:nvPr>
+            <p:ph type="body" idx="1"/>
+          </p:nvPr>
+        </p:nvSpPr>
+        <p:spPr/>
+        <p:txBody>
+          <a:bodyPr/>
+          <a:lstStyle/>
+          <a:p>
+            <a:pPr marL="0" indent="0">
+              <a:buNone/>
+            </a:pPr>
+            <a:r>
+              <a:rPr lang="en-US" sz="1200" dirty="0"/>
+              <a:t>$ </a:t>
+            </a:r>
+            <a:r>
+              <a:rPr lang="en-US" sz="1200" dirty="0" err="1"/>
+              <a:t>pwd</a:t>
+            </a:r>
+            <a:endParaRPr lang="en-US" sz="1200" dirty="0"/>
+          </a:p>
+          <a:p>
+            <a:pPr marL="0" indent="0">
+              <a:buNone/>
+            </a:pPr>
+            <a:r>
+              <a:rPr lang="en-US" sz="1200" dirty="0"/>
+              <a:t>/home/</a:t>
+            </a:r>
+            <a:r>
+              <a:rPr lang="en-US" sz="1200" dirty="0" err="1"/>
+              <a:t>srp</a:t>
+            </a:r>
+            <a:r>
+              <a:rPr lang="en-US" sz="1200" dirty="0"/>
+              <a:t>/</a:t>
+            </a:r>
+            <a:r>
+              <a:rPr lang="en-US" sz="1200" dirty="0" err="1"/>
+              <a:t>condor_scratch</a:t>
+            </a:r>
+            <a:r>
+              <a:rPr lang="en-US" sz="1200" dirty="0"/>
+              <a:t>/srp_2015_0930_141934</a:t>
+            </a:r>
+          </a:p>
+          <a:p>
+            <a:pPr marL="0" indent="0">
+              <a:buNone/>
+            </a:pPr>
+            <a:r>
+              <a:rPr lang="en-US" sz="1200" dirty="0"/>
+              <a:t>$ </a:t>
+            </a:r>
+            <a:r>
+              <a:rPr lang="en-US" sz="1200" dirty="0" err="1"/>
+              <a:t>ls</a:t>
+            </a:r>
+            <a:endParaRPr lang="en-US" sz="1200" dirty="0"/>
+          </a:p>
+          <a:p>
+            <a:pPr marL="0" indent="0">
+              <a:buNone/>
+            </a:pPr>
+            <a:r>
+              <a:rPr lang="de-DE" sz="1200" dirty="0" err="1"/>
+              <a:t>logs</a:t>
+            </a:r>
+            <a:r>
+              <a:rPr lang="de-DE" sz="1200" dirty="0"/>
+              <a:t>                              </a:t>
+            </a:r>
+            <a:r>
+              <a:rPr lang="de-DE" sz="1200" dirty="0" smtClean="0"/>
+              <a:t>                      S2012Pipe.diamond.dag.lib.err</a:t>
+            </a:r>
+            <a:endParaRPr lang="de-DE" sz="1200" dirty="0"/>
+          </a:p>
+          <a:p>
+            <a:pPr marL="0" indent="0">
+              <a:buNone/>
+            </a:pPr>
+            <a:r>
+              <a:rPr lang="it-IT" sz="1200" dirty="0"/>
+              <a:t>S2012Pipe.config                  </a:t>
+            </a:r>
+            <a:r>
+              <a:rPr lang="it-IT" sz="1200" dirty="0" smtClean="0"/>
+              <a:t>              S2012Pipe.diamond.dag.lib.out</a:t>
+            </a:r>
+            <a:endParaRPr lang="it-IT" sz="1200" dirty="0"/>
+          </a:p>
+          <a:p>
+            <a:pPr marL="0" indent="0">
+              <a:buNone/>
+            </a:pPr>
+            <a:r>
+              <a:rPr lang="it-IT" sz="1200" dirty="0"/>
+              <a:t>S2012Pipe.diamond.dag             </a:t>
+            </a:r>
+            <a:r>
+              <a:rPr lang="it-IT" sz="1200" dirty="0" smtClean="0"/>
+              <a:t>        S2012Pipe.diamond.dag.metrics</a:t>
+            </a:r>
+            <a:endParaRPr lang="it-IT" sz="1200" dirty="0"/>
+          </a:p>
+          <a:p>
+            <a:pPr marL="0" indent="0">
+              <a:buNone/>
+            </a:pPr>
+            <a:r>
+              <a:rPr lang="it-IT" sz="1200" dirty="0"/>
+              <a:t>S2012Pipe.diamond.dag.condor.sub  </a:t>
+            </a:r>
+            <a:r>
+              <a:rPr lang="it-IT" sz="1200" dirty="0" smtClean="0"/>
+              <a:t> S2012Pipe.diamond.dag.nodes.log</a:t>
+            </a:r>
+            <a:endParaRPr lang="it-IT" sz="1200" dirty="0"/>
+          </a:p>
+          <a:p>
+            <a:pPr marL="0" indent="0">
+              <a:buNone/>
+            </a:pPr>
+            <a:r>
+              <a:rPr lang="it-IT" sz="1200" dirty="0"/>
+              <a:t>S2012Pipe.diamond.dag.dagman.log  S2012Pipe.mapping</a:t>
+            </a:r>
+          </a:p>
+          <a:p>
+            <a:pPr marL="0" indent="0">
+              <a:buNone/>
+            </a:pPr>
+            <a:r>
+              <a:rPr lang="it-IT" sz="1200" dirty="0"/>
+              <a:t>S2012Pipe.diamond.dag.dagman.out  </a:t>
+            </a:r>
+            <a:r>
+              <a:rPr lang="it-IT" sz="1200" dirty="0" err="1" smtClean="0"/>
+              <a:t>workers</a:t>
+            </a:r>
+            <a:endParaRPr lang="it-IT" sz="1200" dirty="0" smtClean="0"/>
+          </a:p>
+          <a:p>
+            <a:pPr marL="0" indent="0">
+              <a:buNone/>
+            </a:pPr>
+            <a:r>
+              <a:rPr lang="it-IT" sz="1200" dirty="0"/>
+              <a:t>$</a:t>
+            </a:r>
+          </a:p>
+        </p:txBody>
+      </p:sp>
+    </p:spTree>
+    <p:extLst>
+      <p:ext uri="{BB962C8B-B14F-4D97-AF65-F5344CB8AC3E}">
+        <p14:creationId xmlns:p14="http://schemas.microsoft.com/office/powerpoint/2010/main" val="2693159990"/>
+      </p:ext>
+    </p:extLst>
+  </p:cSld>
+  <p:clrMapOvr>
+    <a:masterClrMapping/>
+  </p:clrMapOvr>
+  <p:timing>
+    <p:tnLst>
+      <p:par>
+        <p:cTn xmlns:p14="http://schemas.microsoft.com/office/powerpoint/2010/main" id="1" dur="indefinite" restart="never" nodeType="tmRoot"/>
+      </p:par>
+    </p:tnLst>
+  </p:timing>
+</p:sld>
+</file>
+
+<file path=ppt/slides/slide17.xml><?xml version="1.0" encoding="utf-8"?>
+<p:sld xmlns:a="http://schemas.openxmlformats.org/drawingml/2006/main" xmlns:r="http://schemas.openxmlformats.org/officeDocument/2006/relationships" xmlns:p="http://schemas.openxmlformats.org/presentationml/2006/main">
+  <p:cSld>
+    <p:spTree>
+      <p:nvGrpSpPr>
+        <p:cNvPr id="1" name=""/>
+        <p:cNvGrpSpPr/>
+        <p:nvPr/>
+      </p:nvGrpSpPr>
+      <p:grpSpPr>
+        <a:xfrm>
+          <a:off x="0" y="0"/>
+          <a:ext cx="0" cy="0"/>
+          <a:chOff x="0" y="0"/>
+          <a:chExt cx="0" cy="0"/>
+        </a:xfrm>
+      </p:grpSpPr>
+      <p:sp>
+        <p:nvSpPr>
+          <p:cNvPr id="33" name="Title 32"/>
+          <p:cNvSpPr>
+            <a:spLocks noGrp="1"/>
+          </p:cNvSpPr>
+          <p:nvPr>
+            <p:ph type="title"/>
+          </p:nvPr>
+        </p:nvSpPr>
+        <p:spPr/>
+        <p:txBody>
+          <a:bodyPr/>
+          <a:lstStyle/>
+          <a:p>
+            <a:r>
+              <a:rPr lang="en-US" dirty="0" smtClean="0"/>
               <a:t>HTCondor</a:t>
             </a:r>
             <a:endParaRPr lang="en-US" dirty="0"/>
@@ -6027,7 +6486,7 @@
 </p:sld>
 </file>
 
-<file path=ppt/slides/slide17.xml><?xml version="1.0" encoding="utf-8"?>
+<file path=ppt/slides/slide18.xml><?xml version="1.0" encoding="utf-8"?>
 <p:sld xmlns:a="http://schemas.openxmlformats.org/drawingml/2006/main" xmlns:r="http://schemas.openxmlformats.org/officeDocument/2006/relationships" xmlns:p="http://schemas.openxmlformats.org/presentationml/2006/main">
   <p:cSld>
     <p:spTree>
@@ -6297,13 +6756,43 @@
           <a:p>
             <a:r>
               <a:rPr lang="en-US" dirty="0" smtClean="0"/>
-              <a:t>Orca coordinates software setup, execution, monitoring and shutdown of application across multiple machines</a:t>
+              <a:t>Used in data challenges</a:t>
             </a:r>
           </a:p>
           <a:p>
             <a:r>
               <a:rPr lang="en-US" dirty="0" smtClean="0"/>
-              <a:t>User specifies user specific defaults in </a:t>
+              <a:t>Orca </a:t>
+            </a:r>
+            <a:r>
+              <a:rPr lang="en-US" dirty="0" smtClean="0"/>
+              <a:t>coordinates software setup, execution, monitoring and shutdown of application across multiple machines</a:t>
+            </a:r>
+          </a:p>
+          <a:p>
+            <a:r>
+              <a:rPr lang="en-US" dirty="0" smtClean="0"/>
+              <a:t>User </a:t>
+            </a:r>
+            <a:r>
+              <a:rPr lang="en-US" dirty="0" smtClean="0"/>
+              <a:t>specifies </a:t>
+            </a:r>
+            <a:r>
+              <a:rPr lang="en-US" b="1" dirty="0" smtClean="0"/>
+              <a:t>all</a:t>
+            </a:r>
+            <a:r>
+              <a:rPr lang="en-US" dirty="0" smtClean="0"/>
+              <a:t> parameters in </a:t>
+            </a:r>
+            <a:r>
+              <a:rPr lang="en-US" strike="sngStrike" dirty="0" smtClean="0"/>
+              <a:t>policy</a:t>
+            </a:r>
+            <a:r>
+              <a:rPr lang="en-US" dirty="0" smtClean="0"/>
+              <a:t> </a:t>
             </a:r>
             <a:r>
               <a:rPr lang="en-US" dirty="0" err="1" smtClean="0"/>
@@ -6311,7 +6800,11 @@
             </a:r>
             <a:r>
               <a:rPr lang="en-US" dirty="0" smtClean="0"/>
-              <a:t> files</a:t>
+              <a:t> </a:t>
+            </a:r>
+            <a:r>
+              <a:rPr lang="en-US" dirty="0" smtClean="0"/>
+              <a:t>files</a:t>
             </a:r>
           </a:p>
           <a:p>
@@ -6503,7 +6996,7 @@
           <a:p>
             <a:r>
               <a:rPr lang="en-US" dirty="0" smtClean="0"/>
-              <a:t>Platform</a:t>
+              <a:t>Infrastructure</a:t>
             </a:r>
             <a:endParaRPr lang="en-US" dirty="0"/>
           </a:p>
@@ -6539,6 +7032,42 @@
           </a:prstGeom>
         </p:spPr>
       </p:pic>
+      <p:cxnSp>
+        <p:nvCxnSpPr>
+          <p:cNvPr id="4" name="Straight Arrow Connector 3"/>
+          <p:cNvCxnSpPr/>
+          <p:nvPr/>
+        </p:nvCxnSpPr>
+        <p:spPr>
+          <a:xfrm flipV="1">
+            <a:off x="1524000" y="2667000"/>
+            <a:ext cx="1447800" cy="1600200"/>
+          </a:xfrm>
+          <a:prstGeom prst="straightConnector1">
+            <a:avLst/>
+          </a:prstGeom>
+          <a:ln>
+            <a:solidFill>
+              <a:srgbClr val="FF0000"/>
+            </a:solidFill>
+            <a:tailEnd type="arrow"/>
+          </a:ln>
+        </p:spPr>
+        <p:style>
+          <a:lnRef idx="2">
+            <a:schemeClr val="accent1"/>
+          </a:lnRef>
+          <a:fillRef idx="0">
+            <a:schemeClr val="accent1"/>
+          </a:fillRef>
+          <a:effectRef idx="1">
+            <a:schemeClr val="accent1"/>
+          </a:effectRef>
+          <a:fontRef idx="minor">
+            <a:schemeClr val="tx1"/>
+          </a:fontRef>
+        </p:style>
+      </p:cxnSp>
     </p:spTree>
     <p:extLst>
       <p:ext uri="{BB962C8B-B14F-4D97-AF65-F5344CB8AC3E}">
@@ -6592,8 +7121,8 @@
           <a:lstStyle/>
           <a:p>
             <a:r>
-              <a:rPr lang="en-US" dirty="0" smtClean="0"/>
-              <a:t>Orchestration Quick Start</a:t>
+              <a:rPr lang="en-US" dirty="0" err="1" smtClean="0"/>
+              <a:t>lsst_distrib</a:t>
             </a:r>
             <a:endParaRPr lang="en-US" dirty="0"/>
           </a:p>
@@ -6624,280 +7153,112 @@
             </a:pPr>
             <a:r>
               <a:rPr lang="en-US" dirty="0" smtClean="0"/>
-              <a:t>From </a:t>
-            </a:r>
+              <a:t>Latest available:</a:t>
+            </a:r>
+          </a:p>
+          <a:p>
+            <a:pPr marL="0" indent="0">
+              <a:buNone/>
+            </a:pPr>
+            <a:endParaRPr lang="en-US" dirty="0"/>
+          </a:p>
+          <a:p>
+            <a:pPr marL="0" indent="0">
+              <a:buNone/>
+            </a:pPr>
             <a:r>
               <a:rPr lang="en-US" dirty="0" err="1" smtClean="0"/>
-              <a:t>lsst-dev</a:t>
+              <a:t>eups</a:t>
             </a:r>
             <a:r>
               <a:rPr lang="en-US" dirty="0" smtClean="0"/>
-              <a:t>:</a:t>
-            </a:r>
-          </a:p>
-          <a:p>
-            <a:pPr marL="0" indent="0">
-              <a:buNone/>
-            </a:pPr>
+              <a:t> </a:t>
+            </a:r>
+            <a:r>
+              <a:rPr lang="en-US" dirty="0" err="1"/>
+              <a:t>distrib</a:t>
+            </a:r>
+            <a:r>
+              <a:rPr lang="en-US" dirty="0"/>
+              <a:t> install -t w_2015_40 </a:t>
+            </a:r>
+            <a:r>
+              <a:rPr lang="en-US" dirty="0" err="1" smtClean="0"/>
+              <a:t>lsst_distrib</a:t>
+            </a:r>
             <a:endParaRPr lang="en-US" dirty="0" smtClean="0"/>
           </a:p>
           <a:p>
             <a:pPr marL="0" indent="0">
               <a:buNone/>
             </a:pPr>
+            <a:endParaRPr lang="en-US" dirty="0"/>
+          </a:p>
+          <a:p>
+            <a:pPr marL="0" indent="0">
+              <a:buNone/>
+            </a:pPr>
             <a:r>
               <a:rPr lang="en-US" dirty="0" smtClean="0"/>
-              <a:t>$ setup </a:t>
-            </a:r>
+              <a:t>Or by adding</a:t>
+            </a:r>
+          </a:p>
+          <a:p>
+            <a:pPr marL="0" indent="0">
+              <a:buNone/>
+            </a:pPr>
+            <a:endParaRPr lang="en-US" dirty="0"/>
+          </a:p>
+          <a:p>
+            <a:pPr marL="0" indent="0">
+              <a:buNone/>
+            </a:pPr>
+            <a:r>
+              <a:rPr lang="en-US" dirty="0" err="1" smtClean="0"/>
+              <a:t>ctrl_orca</a:t>
+            </a:r>
+            <a:r>
+              <a:rPr lang="en-US" dirty="0" smtClean="0"/>
+              <a:t> </a:t>
+            </a:r>
+            <a:r>
+              <a:rPr lang="en-US" dirty="0"/>
+              <a:t>11.0-1-g0f12d57+10</a:t>
+            </a:r>
+          </a:p>
+          <a:p>
+            <a:pPr marL="0" indent="0">
+              <a:buNone/>
+            </a:pPr>
             <a:r>
               <a:rPr lang="en-US" dirty="0" err="1" smtClean="0"/>
               <a:t>ctrl_execute</a:t>
             </a:r>
-            <a:endParaRPr lang="en-US" dirty="0" smtClean="0"/>
-          </a:p>
-          <a:p>
-            <a:pPr marL="0" indent="0">
-              <a:buNone/>
-            </a:pPr>
             <a:r>
               <a:rPr lang="en-US" dirty="0" smtClean="0"/>
-              <a:t>$ setup </a:t>
-            </a:r>
-            <a:r>
-              <a:rPr lang="en-US" dirty="0" err="1" smtClean="0"/>
-              <a:t>ctrl_platform_lsst</a:t>
-            </a:r>
-            <a:endParaRPr lang="en-US" dirty="0" smtClean="0"/>
-          </a:p>
-          <a:p>
-            <a:pPr marL="0" indent="0">
-              <a:buNone/>
-            </a:pPr>
-            <a:endParaRPr lang="en-US" sz="1100" dirty="0" smtClean="0"/>
-          </a:p>
-          <a:p>
-            <a:pPr marL="0" indent="0">
-              <a:buNone/>
-            </a:pPr>
-            <a:endParaRPr lang="en-US" sz="1100" dirty="0"/>
-          </a:p>
-          <a:p>
-            <a:pPr marL="0" indent="0">
-              <a:buNone/>
-            </a:pPr>
-            <a:r>
-              <a:rPr lang="en-US" sz="1100" dirty="0" smtClean="0"/>
-              <a:t>$ </a:t>
-            </a:r>
-            <a:r>
-              <a:rPr lang="en-US" sz="1100" dirty="0" err="1" smtClean="0"/>
-              <a:t>runOrca.py</a:t>
-            </a:r>
-            <a:r>
-              <a:rPr lang="en-US" sz="1100" dirty="0" smtClean="0"/>
               <a:t> </a:t>
             </a:r>
             <a:r>
-              <a:rPr lang="en-US" sz="1100" dirty="0"/>
-              <a:t>-p </a:t>
-            </a:r>
-            <a:r>
-              <a:rPr lang="en-US" sz="1100" dirty="0" err="1"/>
-              <a:t>lsst</a:t>
-            </a:r>
-            <a:r>
-              <a:rPr lang="en-US" sz="1100" dirty="0"/>
-              <a:t> -c "</a:t>
-            </a:r>
-            <a:r>
-              <a:rPr lang="en-US" sz="1100" dirty="0" err="1"/>
-              <a:t>processCcdSdss.py</a:t>
-            </a:r>
-            <a:r>
-              <a:rPr lang="en-US" sz="1100" dirty="0"/>
-              <a:t> </a:t>
-            </a:r>
-            <a:r>
-              <a:rPr lang="en-US" sz="1100" dirty="0" err="1"/>
-              <a:t>sdss</a:t>
-            </a:r>
-            <a:r>
-              <a:rPr lang="en-US" sz="1100" dirty="0"/>
-              <a:t> </a:t>
-            </a:r>
-            <a:r>
-              <a:rPr lang="en-US" sz="1100" dirty="0" smtClean="0"/>
-              <a:t>/home/user/</a:t>
-            </a:r>
-            <a:r>
-              <a:rPr lang="en-US" sz="1100" dirty="0"/>
-              <a:t>input --output ./output" -</a:t>
-            </a:r>
-            <a:r>
-              <a:rPr lang="en-US" sz="1100" dirty="0" err="1"/>
-              <a:t>i</a:t>
-            </a:r>
-            <a:r>
-              <a:rPr lang="en-US" sz="1100" dirty="0"/>
-              <a:t> $HOME</a:t>
-            </a:r>
-            <a:r>
-              <a:rPr lang="en-US" sz="1100" dirty="0" smtClean="0"/>
-              <a:t>/</a:t>
-            </a:r>
-            <a:r>
-              <a:rPr lang="en-US" sz="1100" dirty="0" err="1" smtClean="0"/>
-              <a:t>input.txt</a:t>
-            </a:r>
-            <a:r>
-              <a:rPr lang="en-US" sz="1100" dirty="0" smtClean="0"/>
-              <a:t> </a:t>
-            </a:r>
-            <a:r>
-              <a:rPr lang="en-US" sz="1100" dirty="0"/>
-              <a:t>-e /</a:t>
-            </a:r>
-            <a:r>
-              <a:rPr lang="en-US" sz="1100" dirty="0" err="1"/>
-              <a:t>lsst</a:t>
-            </a:r>
-            <a:r>
-              <a:rPr lang="en-US" sz="1100" dirty="0" smtClean="0"/>
-              <a:t>/stack</a:t>
-            </a:r>
-          </a:p>
-          <a:p>
-            <a:pPr marL="0" indent="0">
-              <a:buNone/>
-            </a:pPr>
-            <a:endParaRPr lang="en-US" dirty="0" smtClean="0"/>
-          </a:p>
-          <a:p>
-            <a:pPr marL="0" indent="0">
-              <a:buNone/>
-            </a:pPr>
+              <a:rPr lang="en-US" dirty="0"/>
+              <a:t>11.0-1-ga3bec3e+</a:t>
+            </a:r>
             <a:r>
               <a:rPr lang="en-US" dirty="0" smtClean="0"/>
-              <a:t>Where:</a:t>
-            </a:r>
-          </a:p>
-          <a:p>
-            <a:pPr>
-              <a:buFont typeface="Arial"/>
-              <a:buChar char="•"/>
-            </a:pPr>
-            <a:r>
-              <a:rPr lang="en-US" b="1" dirty="0" smtClean="0"/>
-              <a:t>-p </a:t>
-            </a:r>
-            <a:r>
-              <a:rPr lang="en-US" b="1" dirty="0" err="1" smtClean="0"/>
-              <a:t>lsst</a:t>
-            </a:r>
-            <a:r>
-              <a:rPr lang="en-US" b="1" dirty="0" smtClean="0"/>
-              <a:t>     </a:t>
-            </a:r>
-            <a:r>
-              <a:rPr lang="en-US" dirty="0" smtClean="0"/>
-              <a:t>target platform is the </a:t>
-            </a:r>
-            <a:r>
-              <a:rPr lang="en-US" dirty="0" err="1" smtClean="0"/>
-              <a:t>lsst</a:t>
-            </a:r>
-            <a:r>
-              <a:rPr lang="en-US" dirty="0" smtClean="0"/>
-              <a:t> cluster</a:t>
-            </a:r>
-          </a:p>
-          <a:p>
-            <a:pPr>
-              <a:buFont typeface="Arial"/>
-              <a:buChar char="•"/>
-            </a:pPr>
-            <a:r>
-              <a:rPr lang="en-US" b="1" dirty="0" smtClean="0"/>
-              <a:t>-c “</a:t>
-            </a:r>
-            <a:r>
-              <a:rPr lang="en-US" b="1" dirty="0" err="1" smtClean="0"/>
-              <a:t>cmd</a:t>
-            </a:r>
-            <a:r>
-              <a:rPr lang="en-US" b="1" dirty="0" smtClean="0"/>
-              <a:t>”  </a:t>
-            </a:r>
-            <a:r>
-              <a:rPr lang="en-US" dirty="0" smtClean="0"/>
-              <a:t>command to run</a:t>
-            </a:r>
-          </a:p>
-          <a:p>
-            <a:pPr>
-              <a:buFont typeface="Arial"/>
-              <a:buChar char="•"/>
-            </a:pPr>
-            <a:r>
-              <a:rPr lang="en-US" b="1" dirty="0" smtClean="0"/>
-              <a:t>-</a:t>
-            </a:r>
-            <a:r>
-              <a:rPr lang="en-US" b="1" dirty="0" err="1" smtClean="0"/>
-              <a:t>i</a:t>
-            </a:r>
-            <a:r>
-              <a:rPr lang="en-US" b="1" dirty="0" smtClean="0"/>
-              <a:t> $HOME/</a:t>
-            </a:r>
-            <a:r>
-              <a:rPr lang="en-US" b="1" dirty="0" err="1" smtClean="0"/>
-              <a:t>input.txt</a:t>
-            </a:r>
-            <a:r>
-              <a:rPr lang="en-US" b="1" dirty="0" smtClean="0"/>
-              <a:t>  </a:t>
-            </a:r>
-            <a:r>
-              <a:rPr lang="en-US" dirty="0" smtClean="0"/>
-              <a:t>data id input file</a:t>
-            </a:r>
-          </a:p>
-          <a:p>
-            <a:pPr>
-              <a:buFont typeface="Arial"/>
-              <a:buChar char="•"/>
-            </a:pPr>
-            <a:r>
-              <a:rPr lang="en-US" b="1" dirty="0" smtClean="0"/>
-              <a:t>-e /</a:t>
-            </a:r>
-            <a:r>
-              <a:rPr lang="en-US" b="1" dirty="0" err="1" smtClean="0"/>
-              <a:t>lsst</a:t>
-            </a:r>
-            <a:r>
-              <a:rPr lang="en-US" b="1" dirty="0" smtClean="0"/>
-              <a:t>/stack </a:t>
-            </a:r>
-            <a:r>
-              <a:rPr lang="en-US" dirty="0" smtClean="0"/>
-              <a:t>location of execution stack</a:t>
-            </a:r>
-            <a:endParaRPr lang="en-US" b="1" dirty="0" smtClean="0"/>
-          </a:p>
-          <a:p>
-            <a:pPr marL="0" indent="0">
-              <a:buNone/>
-            </a:pPr>
-            <a:endParaRPr lang="en-US" dirty="0" smtClean="0"/>
+              <a:t>1</a:t>
+            </a:r>
+          </a:p>
+          <a:p>
+            <a:pPr marL="0" indent="0">
+              <a:buNone/>
+            </a:pPr>
+            <a:endParaRPr lang="en-US" dirty="0"/>
           </a:p>
         </p:txBody>
       </p:sp>
     </p:spTree>
     <p:extLst>
       <p:ext uri="{BB962C8B-B14F-4D97-AF65-F5344CB8AC3E}">
-        <p14:creationId xmlns:p14="http://schemas.microsoft.com/office/powerpoint/2010/main" val="1461865783"/>
+        <p14:creationId xmlns:p14="http://schemas.microsoft.com/office/powerpoint/2010/main" val="1077184420"/>
       </p:ext>
     </p:extLst>
   </p:cSld>
@@ -6948,7 +7309,7 @@
           <a:p>
             <a:r>
               <a:rPr lang="en-US" dirty="0" smtClean="0"/>
-              <a:t>Data ids</a:t>
+              <a:t>Orchestration Quick Start</a:t>
             </a:r>
             <a:endParaRPr lang="en-US" dirty="0"/>
           </a:p>
@@ -6964,7 +7325,12 @@
             <p:ph type="body" idx="1"/>
           </p:nvPr>
         </p:nvSpPr>
-        <p:spPr/>
+        <p:spPr>
+          <a:xfrm>
+            <a:off x="304800" y="914400"/>
+            <a:ext cx="8534400" cy="5181600"/>
+          </a:xfrm>
+        </p:spPr>
         <p:txBody>
           <a:bodyPr/>
           <a:lstStyle/>
@@ -6973,259 +7339,281 @@
               <a:buNone/>
             </a:pPr>
             <a:r>
-              <a:rPr lang="en-US" sz="1200" dirty="0"/>
+              <a:rPr lang="en-US" dirty="0" smtClean="0"/>
+              <a:t>From </a:t>
+            </a:r>
+            <a:r>
+              <a:rPr lang="en-US" dirty="0" err="1" smtClean="0"/>
+              <a:t>lsst-dev</a:t>
+            </a:r>
+            <a:r>
+              <a:rPr lang="en-US" dirty="0" smtClean="0"/>
+              <a:t>:</a:t>
+            </a:r>
+          </a:p>
+          <a:p>
+            <a:pPr marL="0" indent="0">
+              <a:buNone/>
+            </a:pPr>
+            <a:endParaRPr lang="en-US" dirty="0" smtClean="0"/>
+          </a:p>
+          <a:p>
+            <a:pPr marL="0" indent="0">
+              <a:buNone/>
+            </a:pPr>
+            <a:r>
+              <a:rPr lang="en-US" dirty="0" smtClean="0"/>
+              <a:t>$ setup </a:t>
+            </a:r>
+            <a:r>
+              <a:rPr lang="en-US" dirty="0" err="1" smtClean="0"/>
+              <a:t>ctrl_execute</a:t>
+            </a:r>
+            <a:endParaRPr lang="en-US" dirty="0" smtClean="0"/>
+          </a:p>
+          <a:p>
+            <a:pPr marL="0" indent="0">
+              <a:buNone/>
+            </a:pPr>
+            <a:r>
+              <a:rPr lang="en-US" dirty="0" smtClean="0"/>
+              <a:t>$ setup </a:t>
+            </a:r>
+            <a:r>
+              <a:rPr lang="en-US" dirty="0" err="1" smtClean="0"/>
+              <a:t>ctrl_platform_lsst</a:t>
+            </a:r>
+            <a:endParaRPr lang="en-US" dirty="0" smtClean="0"/>
+          </a:p>
+          <a:p>
+            <a:pPr marL="0" indent="0">
+              <a:buNone/>
+            </a:pPr>
+            <a:endParaRPr lang="en-US" sz="1100" dirty="0" smtClean="0"/>
+          </a:p>
+          <a:p>
+            <a:pPr marL="0" indent="0">
+              <a:buNone/>
+            </a:pPr>
+            <a:endParaRPr lang="en-US" sz="1100" dirty="0"/>
+          </a:p>
+          <a:p>
+            <a:pPr marL="0" indent="0">
+              <a:buNone/>
+            </a:pPr>
+            <a:r>
+              <a:rPr lang="en-US" sz="1100" dirty="0" smtClean="0"/>
               <a:t>$ </a:t>
             </a:r>
             <a:r>
-              <a:rPr lang="en-US" sz="1200" dirty="0" err="1"/>
+              <a:rPr lang="en-US" sz="1100" dirty="0" err="1" smtClean="0"/>
               <a:t>runOrca.py</a:t>
             </a:r>
             <a:r>
-              <a:rPr lang="en-US" sz="1200" dirty="0"/>
-              <a:t> -p </a:t>
-            </a:r>
-            <a:r>
-              <a:rPr lang="en-US" sz="1200" dirty="0" err="1"/>
+              <a:rPr lang="en-US" sz="1100" dirty="0" smtClean="0"/>
+              <a:t> </a:t>
+            </a:r>
+            <a:r>
+              <a:rPr lang="en-US" sz="1100" dirty="0"/>
+              <a:t>-p </a:t>
+            </a:r>
+            <a:r>
+              <a:rPr lang="en-US" sz="1100" dirty="0" err="1"/>
               <a:t>lsst</a:t>
             </a:r>
             <a:r>
-              <a:rPr lang="en-US" sz="1200" dirty="0"/>
+              <a:rPr lang="en-US" sz="1100" dirty="0"/>
               <a:t> -c "</a:t>
             </a:r>
             <a:r>
-              <a:rPr lang="en-US" sz="1200" dirty="0" err="1"/>
+              <a:rPr lang="en-US" sz="1100" dirty="0" err="1"/>
               <a:t>processCcdSdss.py</a:t>
             </a:r>
             <a:r>
-              <a:rPr lang="en-US" sz="1200" dirty="0"/>
+              <a:rPr lang="en-US" sz="1100" dirty="0"/>
               <a:t> </a:t>
             </a:r>
             <a:r>
-              <a:rPr lang="en-US" sz="1200" dirty="0" err="1"/>
+              <a:rPr lang="en-US" sz="1100" dirty="0" err="1"/>
               <a:t>sdss</a:t>
             </a:r>
             <a:r>
-              <a:rPr lang="en-US" sz="1200" dirty="0"/>
-              <a:t> /home/user/input --output ./output" -</a:t>
-            </a:r>
-            <a:r>
-              <a:rPr lang="en-US" sz="1200" dirty="0" err="1"/>
+              <a:rPr lang="en-US" sz="1100" dirty="0"/>
+              <a:t> </a:t>
+            </a:r>
+            <a:r>
+              <a:rPr lang="en-US" sz="1100" dirty="0" smtClean="0"/>
+              <a:t>/home/user/</a:t>
+            </a:r>
+            <a:r>
+              <a:rPr lang="en-US" sz="1100" dirty="0"/>
+              <a:t>input --output ./output" -</a:t>
+            </a:r>
+            <a:r>
+              <a:rPr lang="en-US" sz="1100" dirty="0" err="1"/>
               <a:t>i</a:t>
             </a:r>
             <a:r>
-              <a:rPr lang="en-US" sz="1200" dirty="0"/>
+              <a:rPr lang="en-US" sz="1100" dirty="0"/>
+              <a:t> $HOME</a:t>
+            </a:r>
+            <a:r>
+              <a:rPr lang="en-US" sz="1100" dirty="0" smtClean="0"/>
+              <a:t>/</a:t>
+            </a:r>
+            <a:r>
+              <a:rPr lang="en-US" sz="1100" dirty="0" err="1" smtClean="0"/>
+              <a:t>input.txt</a:t>
+            </a:r>
+            <a:r>
+              <a:rPr lang="en-US" sz="1100" dirty="0" smtClean="0"/>
+              <a:t> </a:t>
+            </a:r>
+            <a:r>
+              <a:rPr lang="en-US" sz="1100" dirty="0"/>
+              <a:t>-e /</a:t>
+            </a:r>
+            <a:r>
+              <a:rPr lang="en-US" sz="1100" dirty="0" err="1"/>
+              <a:t>lsst</a:t>
+            </a:r>
+            <a:r>
+              <a:rPr lang="en-US" sz="1100" dirty="0" smtClean="0"/>
+              <a:t>/stack</a:t>
+            </a:r>
+          </a:p>
+          <a:p>
+            <a:pPr marL="0" indent="0">
+              <a:buNone/>
+            </a:pPr>
+            <a:endParaRPr lang="en-US" dirty="0" smtClean="0"/>
+          </a:p>
+          <a:p>
+            <a:pPr marL="0" indent="0">
+              <a:buNone/>
+            </a:pPr>
+            <a:r>
+              <a:rPr lang="en-US" dirty="0" smtClean="0"/>
+              <a:t>Where:</a:t>
+            </a:r>
+          </a:p>
+          <a:p>
+            <a:pPr>
+              <a:buFont typeface="Arial"/>
+              <a:buChar char="•"/>
+            </a:pPr>
+            <a:r>
+              <a:rPr lang="en-US" b="1" dirty="0" smtClean="0"/>
+              <a:t>-p </a:t>
+            </a:r>
+            <a:r>
+              <a:rPr lang="en-US" b="1" dirty="0" err="1" smtClean="0"/>
+              <a:t>lsst</a:t>
+            </a:r>
+            <a:r>
+              <a:rPr lang="en-US" b="1" dirty="0" smtClean="0"/>
+              <a:t>     </a:t>
+            </a:r>
+            <a:r>
+              <a:rPr lang="en-US" dirty="0" smtClean="0"/>
+              <a:t>target platform is the </a:t>
+            </a:r>
+            <a:r>
+              <a:rPr lang="en-US" dirty="0" err="1" smtClean="0"/>
+              <a:t>lsst</a:t>
+            </a:r>
+            <a:r>
+              <a:rPr lang="en-US" dirty="0" smtClean="0"/>
+              <a:t> cluster</a:t>
+            </a:r>
+          </a:p>
+          <a:p>
+            <a:pPr>
+              <a:buFont typeface="Arial"/>
+              <a:buChar char="•"/>
+            </a:pPr>
+            <a:r>
+              <a:rPr lang="en-US" b="1" dirty="0" smtClean="0"/>
+              <a:t>-c “</a:t>
+            </a:r>
+            <a:r>
+              <a:rPr lang="en-US" b="1" dirty="0" err="1" smtClean="0"/>
+              <a:t>cmd</a:t>
+            </a:r>
+            <a:r>
+              <a:rPr lang="en-US" b="1" dirty="0" smtClean="0"/>
+              <a:t>”  </a:t>
+            </a:r>
+            <a:r>
+              <a:rPr lang="en-US" dirty="0" smtClean="0"/>
+              <a:t>command to run</a:t>
+            </a:r>
+          </a:p>
+          <a:p>
+            <a:pPr>
+              <a:buFont typeface="Arial"/>
+              <a:buChar char="•"/>
+            </a:pPr>
+            <a:r>
+              <a:rPr lang="en-US" b="1" dirty="0" smtClean="0"/>
+              <a:t>-</a:t>
+            </a:r>
+            <a:r>
+              <a:rPr lang="en-US" b="1" dirty="0" err="1" smtClean="0"/>
+              <a:t>i</a:t>
+            </a:r>
+            <a:r>
+              <a:rPr lang="en-US" b="1" dirty="0" smtClean="0"/>
               <a:t> $HOME/</a:t>
             </a:r>
             <a:r>
-              <a:rPr lang="en-US" sz="1200" dirty="0" err="1"/>
+              <a:rPr lang="en-US" b="1" dirty="0" err="1" smtClean="0"/>
               <a:t>input.txt</a:t>
             </a:r>
             <a:r>
-              <a:rPr lang="en-US" sz="1200" dirty="0"/>
-              <a:t> -e /</a:t>
-            </a:r>
-            <a:r>
-              <a:rPr lang="en-US" sz="1200" dirty="0" err="1"/>
+              <a:rPr lang="en-US" b="1" dirty="0" smtClean="0"/>
+              <a:t>  </a:t>
+            </a:r>
+            <a:r>
+              <a:rPr lang="en-US" dirty="0" smtClean="0"/>
+              <a:t>data id input file</a:t>
+            </a:r>
+          </a:p>
+          <a:p>
+            <a:pPr>
+              <a:buFont typeface="Arial"/>
+              <a:buChar char="•"/>
+            </a:pPr>
+            <a:r>
+              <a:rPr lang="en-US" b="1" dirty="0" smtClean="0"/>
+              <a:t>-e /</a:t>
+            </a:r>
+            <a:r>
+              <a:rPr lang="en-US" b="1" dirty="0" err="1" smtClean="0"/>
               <a:t>lsst</a:t>
             </a:r>
             <a:r>
-              <a:rPr lang="en-US" sz="1200" dirty="0"/>
-              <a:t>/stack</a:t>
-            </a:r>
-          </a:p>
-          <a:p>
-            <a:pPr marL="0" indent="0">
-              <a:buNone/>
-            </a:pPr>
-            <a:endParaRPr lang="en-US" dirty="0"/>
-          </a:p>
-          <a:p>
-            <a:pPr marL="0" indent="0">
-              <a:buNone/>
-            </a:pPr>
-            <a:r>
-              <a:rPr lang="en-US" sz="1800" dirty="0" smtClean="0"/>
-              <a:t>Data ids from the “-</a:t>
-            </a:r>
-            <a:r>
-              <a:rPr lang="en-US" sz="1800" dirty="0" err="1" smtClean="0"/>
-              <a:t>i</a:t>
-            </a:r>
-            <a:r>
-              <a:rPr lang="en-US" sz="1800" dirty="0" smtClean="0"/>
-              <a:t> $HOME/</a:t>
-            </a:r>
-            <a:r>
-              <a:rPr lang="en-US" sz="1800" dirty="0" err="1" smtClean="0"/>
-              <a:t>input.txt</a:t>
-            </a:r>
-            <a:r>
-              <a:rPr lang="en-US" sz="1800" dirty="0" smtClean="0"/>
-              <a:t>” are appended as “--id &lt;id&gt;”, one per job by default.</a:t>
-            </a:r>
-          </a:p>
-          <a:p>
-            <a:pPr marL="0" indent="0">
-              <a:buNone/>
-            </a:pPr>
-            <a:endParaRPr lang="en-US" sz="1800" b="1" dirty="0"/>
-          </a:p>
-          <a:p>
-            <a:pPr marL="0" indent="0">
-              <a:buNone/>
-            </a:pPr>
-            <a:r>
-              <a:rPr lang="en-US" sz="1800" dirty="0" smtClean="0"/>
-              <a:t>You can execute multiple ids per job by using the –n</a:t>
-            </a:r>
-            <a:r>
-              <a:rPr lang="en-US" sz="1800" dirty="0"/>
-              <a:t> </a:t>
-            </a:r>
-            <a:r>
-              <a:rPr lang="en-US" sz="1800" dirty="0" smtClean="0"/>
-              <a:t>option to </a:t>
-            </a:r>
-            <a:r>
-              <a:rPr lang="en-US" sz="1800" dirty="0" err="1" smtClean="0"/>
-              <a:t>runOrca.py</a:t>
-            </a:r>
-            <a:r>
-              <a:rPr lang="en-US" sz="1800" dirty="0" smtClean="0"/>
-              <a:t>:</a:t>
-            </a:r>
-          </a:p>
-          <a:p>
-            <a:pPr marL="0" indent="0">
-              <a:buNone/>
-            </a:pPr>
-            <a:endParaRPr lang="en-US" dirty="0"/>
-          </a:p>
-          <a:p>
-            <a:pPr marL="0" indent="0">
-              <a:buNone/>
-            </a:pPr>
-            <a:r>
-              <a:rPr lang="en-US" sz="1200" dirty="0"/>
-              <a:t>$ </a:t>
-            </a:r>
-            <a:r>
-              <a:rPr lang="en-US" sz="1200" dirty="0" err="1"/>
-              <a:t>runOrca.py</a:t>
-            </a:r>
-            <a:r>
-              <a:rPr lang="en-US" sz="1200" dirty="0"/>
-              <a:t> -p </a:t>
-            </a:r>
-            <a:r>
-              <a:rPr lang="en-US" sz="1200" dirty="0" err="1"/>
-              <a:t>lsst</a:t>
-            </a:r>
-            <a:r>
-              <a:rPr lang="en-US" sz="1200" dirty="0"/>
-              <a:t> -c "</a:t>
-            </a:r>
-            <a:r>
-              <a:rPr lang="en-US" sz="1200" dirty="0" err="1"/>
-              <a:t>processCcdSdss.py</a:t>
-            </a:r>
-            <a:r>
-              <a:rPr lang="en-US" sz="1200" dirty="0"/>
-              <a:t> </a:t>
-            </a:r>
-            <a:r>
-              <a:rPr lang="en-US" sz="1200" dirty="0" err="1"/>
-              <a:t>sdss</a:t>
-            </a:r>
-            <a:r>
-              <a:rPr lang="en-US" sz="1200" dirty="0"/>
-              <a:t> /home/user/input --output ./output" </a:t>
-            </a:r>
-            <a:r>
-              <a:rPr lang="en-US" sz="1200" dirty="0" smtClean="0"/>
-              <a:t>–n 12 -</a:t>
-            </a:r>
-            <a:r>
-              <a:rPr lang="en-US" sz="1200" dirty="0" err="1"/>
-              <a:t>i</a:t>
-            </a:r>
-            <a:r>
-              <a:rPr lang="en-US" sz="1200" dirty="0"/>
-              <a:t> $HOME/</a:t>
-            </a:r>
-            <a:r>
-              <a:rPr lang="en-US" sz="1200" dirty="0" err="1"/>
-              <a:t>input.txt</a:t>
-            </a:r>
-            <a:r>
-              <a:rPr lang="en-US" sz="1200" dirty="0"/>
-              <a:t> -e /</a:t>
-            </a:r>
-            <a:r>
-              <a:rPr lang="en-US" sz="1200" dirty="0" err="1"/>
-              <a:t>lsst</a:t>
-            </a:r>
-            <a:r>
-              <a:rPr lang="en-US" sz="1200" dirty="0"/>
-              <a:t>/stack</a:t>
-            </a:r>
+              <a:rPr lang="en-US" b="1" dirty="0" smtClean="0"/>
+              <a:t>/stack </a:t>
+            </a:r>
+            <a:r>
+              <a:rPr lang="en-US" dirty="0" smtClean="0"/>
+              <a:t>location of execution stack</a:t>
+            </a:r>
+            <a:endParaRPr lang="en-US" b="1" dirty="0" smtClean="0"/>
           </a:p>
           <a:p>
             <a:pPr marL="0" indent="0">
               <a:buNone/>
             </a:pPr>
             <a:endParaRPr lang="en-US" dirty="0" smtClean="0"/>
-          </a:p>
-          <a:p>
-            <a:pPr marL="0" indent="0">
-              <a:buNone/>
-            </a:pPr>
-            <a:r>
-              <a:rPr lang="en-US" sz="1800" dirty="0" smtClean="0"/>
-              <a:t>In this case, Orca will append 12 data ids per job, giving the last job 12 or less data ids, depending on how many were in the </a:t>
-            </a:r>
-            <a:r>
-              <a:rPr lang="en-US" sz="1800" dirty="0" err="1" smtClean="0"/>
-              <a:t>input.txt</a:t>
-            </a:r>
-            <a:r>
-              <a:rPr lang="en-US" sz="1800" dirty="0" smtClean="0"/>
-              <a:t> file.</a:t>
-            </a:r>
-          </a:p>
-          <a:p>
-            <a:pPr marL="0" indent="0">
-              <a:buNone/>
-            </a:pPr>
-            <a:endParaRPr lang="en-US" sz="1800" dirty="0"/>
-          </a:p>
-          <a:p>
-            <a:pPr marL="0" indent="0">
-              <a:buNone/>
-            </a:pPr>
-            <a:r>
-              <a:rPr lang="en-US" sz="1800" dirty="0" smtClean="0"/>
-              <a:t>The input file format is one item per line, with the item depending on the command being executed.</a:t>
-            </a:r>
-          </a:p>
-          <a:p>
-            <a:pPr marL="0" indent="0">
-              <a:buNone/>
-            </a:pPr>
-            <a:endParaRPr lang="en-US" sz="1800" dirty="0"/>
-          </a:p>
-          <a:p>
-            <a:pPr marL="0" indent="0">
-              <a:buNone/>
-            </a:pPr>
-            <a:endParaRPr lang="en-US" sz="1800" dirty="0" smtClean="0"/>
           </a:p>
         </p:txBody>
       </p:sp>
     </p:spTree>
     <p:extLst>
       <p:ext uri="{BB962C8B-B14F-4D97-AF65-F5344CB8AC3E}">
-        <p14:creationId xmlns:p14="http://schemas.microsoft.com/office/powerpoint/2010/main" val="3484778405"/>
+        <p14:creationId xmlns:p14="http://schemas.microsoft.com/office/powerpoint/2010/main" val="1461865783"/>
       </p:ext>
     </p:extLst>
   </p:cSld>
@@ -7275,12 +7663,8 @@
           <a:lstStyle/>
           <a:p>
             <a:r>
-              <a:rPr lang="en-US" dirty="0" err="1" smtClean="0"/>
-              <a:t>runOrca.py</a:t>
-            </a:r>
-            <a:r>
               <a:rPr lang="en-US" dirty="0" smtClean="0"/>
-              <a:t> example</a:t>
+              <a:t>Data ids</a:t>
             </a:r>
             <a:endParaRPr lang="en-US" dirty="0"/>
           </a:p>
@@ -7305,20 +7689,16 @@
               <a:buNone/>
             </a:pPr>
             <a:r>
-              <a:rPr lang="en-US" sz="1200" dirty="0" smtClean="0"/>
+              <a:rPr lang="en-US" sz="1200" dirty="0"/>
               <a:t>$ </a:t>
             </a:r>
             <a:r>
-              <a:rPr lang="en-US" sz="1200" dirty="0" err="1" smtClean="0"/>
+              <a:rPr lang="en-US" sz="1200" dirty="0" err="1"/>
               <a:t>runOrca.py</a:t>
             </a:r>
             <a:r>
-              <a:rPr lang="en-US" sz="1200" dirty="0" smtClean="0"/>
-              <a:t> </a:t>
-            </a:r>
-            <a:r>
               <a:rPr lang="en-US" sz="1200" dirty="0"/>
-              <a:t>-p </a:t>
+              <a:t> -p </a:t>
             </a:r>
             <a:r>
               <a:rPr lang="en-US" sz="1200" dirty="0" err="1"/>
@@ -7326,7 +7706,23 @@
             </a:r>
             <a:r>
               <a:rPr lang="en-US" sz="1200" dirty="0"/>
-              <a:t> -c "/bin/echo" -</a:t>
+              <a:t> -c "</a:t>
+            </a:r>
+            <a:r>
+              <a:rPr lang="en-US" sz="1200" dirty="0" err="1"/>
+              <a:t>processCcdSdss.py</a:t>
+            </a:r>
+            <a:r>
+              <a:rPr lang="en-US" sz="1200" dirty="0"/>
+              <a:t> </a:t>
+            </a:r>
+            <a:r>
+              <a:rPr lang="en-US" sz="1200" dirty="0" err="1"/>
+              <a:t>sdss</a:t>
+            </a:r>
+            <a:r>
+              <a:rPr lang="en-US" sz="1200" dirty="0"/>
+              <a:t> /home/user/input --output ./output" -</a:t>
             </a:r>
             <a:r>
               <a:rPr lang="en-US" sz="1200" dirty="0" err="1"/>
@@ -7338,29 +7734,26 @@
             </a:r>
             <a:r>
               <a:rPr lang="en-US" sz="1200" dirty="0" err="1"/>
-              <a:t>ids.txt</a:t>
+              <a:t>input.txt</a:t>
             </a:r>
             <a:r>
               <a:rPr lang="en-US" sz="1200" dirty="0"/>
-              <a:t> -e ~/</a:t>
-            </a:r>
-            <a:r>
-              <a:rPr lang="en-US" sz="1200" dirty="0" err="1" smtClean="0"/>
-              <a:t>lsstsw</a:t>
-            </a:r>
-            <a:endParaRPr lang="en-US" sz="1200" dirty="0" smtClean="0"/>
-          </a:p>
-          <a:p>
-            <a:pPr marL="0" indent="0">
-              <a:buNone/>
-            </a:pPr>
-            <a:endParaRPr lang="en-US" sz="1200" dirty="0"/>
-          </a:p>
-          <a:p>
-            <a:pPr marL="0" indent="0">
-              <a:buNone/>
-            </a:pPr>
-            <a:endParaRPr lang="en-US" sz="1200" dirty="0" smtClean="0"/>
+              <a:t> -e /</a:t>
+            </a:r>
+            <a:r>
+              <a:rPr lang="en-US" sz="1200" dirty="0" err="1"/>
+              <a:t>lsst</a:t>
+            </a:r>
+            <a:r>
+              <a:rPr lang="en-US" sz="1200" dirty="0"/>
+              <a:t>/stack</a:t>
+            </a:r>
+          </a:p>
+          <a:p>
+            <a:pPr marL="0" indent="0">
+              <a:buNone/>
+            </a:pPr>
+            <a:endParaRPr lang="en-US" dirty="0"/>
           </a:p>
           <a:p>
             <a:pPr marL="0" indent="0">
@@ -7368,7 +7761,152 @@
             </a:pPr>
             <a:r>
               <a:rPr lang="en-US" sz="1800" dirty="0" smtClean="0"/>
-              <a:t>This will:</a:t>
+              <a:t>Data ids from the “-</a:t>
+            </a:r>
+            <a:r>
+              <a:rPr lang="en-US" sz="1800" dirty="0" err="1" smtClean="0"/>
+              <a:t>i</a:t>
+            </a:r>
+            <a:r>
+              <a:rPr lang="en-US" sz="1800" dirty="0" smtClean="0"/>
+              <a:t> $HOME/</a:t>
+            </a:r>
+            <a:r>
+              <a:rPr lang="en-US" sz="1800" dirty="0" err="1" smtClean="0"/>
+              <a:t>input.txt</a:t>
+            </a:r>
+            <a:r>
+              <a:rPr lang="en-US" sz="1800" dirty="0" smtClean="0"/>
+              <a:t>” are appended as “--id &lt;id&gt;”, one per job by default.</a:t>
+            </a:r>
+          </a:p>
+          <a:p>
+            <a:pPr marL="0" indent="0">
+              <a:buNone/>
+            </a:pPr>
+            <a:endParaRPr lang="en-US" sz="1800" b="1" dirty="0"/>
+          </a:p>
+          <a:p>
+            <a:pPr marL="0" indent="0">
+              <a:buNone/>
+            </a:pPr>
+            <a:r>
+              <a:rPr lang="en-US" sz="1800" dirty="0" smtClean="0"/>
+              <a:t>You can execute multiple ids per job by using the –n</a:t>
+            </a:r>
+            <a:r>
+              <a:rPr lang="en-US" sz="1800" dirty="0"/>
+              <a:t> </a:t>
+            </a:r>
+            <a:r>
+              <a:rPr lang="en-US" sz="1800" dirty="0" smtClean="0"/>
+              <a:t>option to </a:t>
+            </a:r>
+            <a:r>
+              <a:rPr lang="en-US" sz="1800" dirty="0" err="1" smtClean="0"/>
+              <a:t>runOrca.py</a:t>
+            </a:r>
+            <a:r>
+              <a:rPr lang="en-US" sz="1800" dirty="0" smtClean="0"/>
+              <a:t>:</a:t>
+            </a:r>
+          </a:p>
+          <a:p>
+            <a:pPr marL="0" indent="0">
+              <a:buNone/>
+            </a:pPr>
+            <a:endParaRPr lang="en-US" dirty="0"/>
+          </a:p>
+          <a:p>
+            <a:pPr marL="0" indent="0">
+              <a:buNone/>
+            </a:pPr>
+            <a:r>
+              <a:rPr lang="en-US" sz="1200" dirty="0"/>
+              <a:t>$ </a:t>
+            </a:r>
+            <a:r>
+              <a:rPr lang="en-US" sz="1200" dirty="0" err="1"/>
+              <a:t>runOrca.py</a:t>
+            </a:r>
+            <a:r>
+              <a:rPr lang="en-US" sz="1200" dirty="0"/>
+              <a:t> -p </a:t>
+            </a:r>
+            <a:r>
+              <a:rPr lang="en-US" sz="1200" dirty="0" err="1"/>
+              <a:t>lsst</a:t>
+            </a:r>
+            <a:r>
+              <a:rPr lang="en-US" sz="1200" dirty="0"/>
+              <a:t> -c "</a:t>
+            </a:r>
+            <a:r>
+              <a:rPr lang="en-US" sz="1200" dirty="0" err="1"/>
+              <a:t>processCcdSdss.py</a:t>
+            </a:r>
+            <a:r>
+              <a:rPr lang="en-US" sz="1200" dirty="0"/>
+              <a:t> </a:t>
+            </a:r>
+            <a:r>
+              <a:rPr lang="en-US" sz="1200" dirty="0" err="1"/>
+              <a:t>sdss</a:t>
+            </a:r>
+            <a:r>
+              <a:rPr lang="en-US" sz="1200" dirty="0"/>
+              <a:t> /home/user/input --output ./output" </a:t>
+            </a:r>
+            <a:r>
+              <a:rPr lang="en-US" sz="1200" dirty="0" smtClean="0"/>
+              <a:t>–n 12 -</a:t>
+            </a:r>
+            <a:r>
+              <a:rPr lang="en-US" sz="1200" dirty="0" err="1"/>
+              <a:t>i</a:t>
+            </a:r>
+            <a:r>
+              <a:rPr lang="en-US" sz="1200" dirty="0"/>
+              <a:t> $HOME/</a:t>
+            </a:r>
+            <a:r>
+              <a:rPr lang="en-US" sz="1200" dirty="0" err="1"/>
+              <a:t>input.txt</a:t>
+            </a:r>
+            <a:r>
+              <a:rPr lang="en-US" sz="1200" dirty="0"/>
+              <a:t> -e /</a:t>
+            </a:r>
+            <a:r>
+              <a:rPr lang="en-US" sz="1200" dirty="0" err="1"/>
+              <a:t>lsst</a:t>
+            </a:r>
+            <a:r>
+              <a:rPr lang="en-US" sz="1200" dirty="0"/>
+              <a:t>/stack</a:t>
+            </a:r>
+          </a:p>
+          <a:p>
+            <a:pPr marL="0" indent="0">
+              <a:buNone/>
+            </a:pPr>
+            <a:endParaRPr lang="en-US" dirty="0" smtClean="0"/>
+          </a:p>
+          <a:p>
+            <a:pPr marL="0" indent="0">
+              <a:buNone/>
+            </a:pPr>
+            <a:r>
+              <a:rPr lang="en-US" sz="1800" dirty="0" smtClean="0"/>
+              <a:t>In this case, Orca will append 12 data ids per job, giving the last job 12 or less data ids, depending on how many were in the </a:t>
+            </a:r>
+            <a:r>
+              <a:rPr lang="en-US" sz="1800" dirty="0" err="1" smtClean="0"/>
+              <a:t>input.txt</a:t>
+            </a:r>
+            <a:r>
+              <a:rPr lang="en-US" sz="1800" dirty="0" smtClean="0"/>
+              <a:t> file.</a:t>
             </a:r>
           </a:p>
           <a:p>
@@ -7383,34 +7921,27 @@
             </a:pPr>
             <a:r>
               <a:rPr lang="en-US" sz="1800" dirty="0" smtClean="0"/>
-              <a:t>Launch Orca, executing on the </a:t>
-            </a:r>
-            <a:r>
-              <a:rPr lang="en-US" sz="1800" dirty="0" err="1" smtClean="0"/>
-              <a:t>lsst</a:t>
-            </a:r>
-            <a:r>
-              <a:rPr lang="en-US" sz="1800" dirty="0" smtClean="0"/>
-              <a:t> cluster, running the command “/bin/echo –id &lt;id&gt;” using the stack located at ~/</a:t>
-            </a:r>
-            <a:r>
-              <a:rPr lang="en-US" sz="1800" dirty="0" err="1" smtClean="0"/>
-              <a:t>lsstsw</a:t>
-            </a:r>
+              <a:t>The input file format is one item per line, with the item depending on the command being executed.</a:t>
+            </a:r>
+          </a:p>
+          <a:p>
+            <a:pPr marL="0" indent="0">
+              <a:buNone/>
+            </a:pPr>
+            <a:endParaRPr lang="en-US" sz="1800" dirty="0"/>
+          </a:p>
+          <a:p>
+            <a:pPr marL="0" indent="0">
+              <a:buNone/>
+            </a:pPr>
             <a:endParaRPr lang="en-US" sz="1800" dirty="0" smtClean="0"/>
-          </a:p>
-          <a:p>
-            <a:pPr marL="0" indent="0">
-              <a:buNone/>
-            </a:pPr>
-            <a:endParaRPr lang="en-US" sz="1200" dirty="0"/>
           </a:p>
         </p:txBody>
       </p:sp>
     </p:spTree>
     <p:extLst>
       <p:ext uri="{BB962C8B-B14F-4D97-AF65-F5344CB8AC3E}">
-        <p14:creationId xmlns:p14="http://schemas.microsoft.com/office/powerpoint/2010/main" val="1461865783"/>
+        <p14:creationId xmlns:p14="http://schemas.microsoft.com/office/powerpoint/2010/main" val="3484778405"/>
       </p:ext>
     </p:extLst>
   </p:cSld>
@@ -7530,261 +8061,88 @@
               <a:t> -e ~/</a:t>
             </a:r>
             <a:r>
-              <a:rPr lang="en-US" sz="1200" dirty="0" err="1"/>
+              <a:rPr lang="en-US" sz="1200" dirty="0" err="1" smtClean="0"/>
               <a:t>lsstsw</a:t>
             </a:r>
+            <a:endParaRPr lang="en-US" sz="1200" dirty="0" smtClean="0"/>
+          </a:p>
+          <a:p>
+            <a:pPr marL="0" indent="0">
+              <a:buNone/>
+            </a:pPr>
             <a:endParaRPr lang="en-US" sz="1200" dirty="0"/>
           </a:p>
           <a:p>
             <a:pPr marL="0" indent="0">
               <a:buNone/>
             </a:pPr>
-            <a:r>
-              <a:rPr lang="en-US" sz="1200" dirty="0" err="1"/>
-              <a:t>runid</a:t>
-            </a:r>
-            <a:r>
-              <a:rPr lang="en-US" sz="1200" dirty="0"/>
-              <a:t> for this run is  srp_2015_0930_141934</a:t>
-            </a:r>
-          </a:p>
-          <a:p>
-            <a:pPr marL="0" indent="0">
-              <a:buNone/>
-            </a:pPr>
-            <a:r>
-              <a:rPr lang="en-US" sz="1200" dirty="0" err="1"/>
-              <a:t>condor_submit_dag</a:t>
-            </a:r>
-            <a:r>
-              <a:rPr lang="en-US" sz="1200" dirty="0"/>
-              <a:t> S2012Pipe.diamond.dag</a:t>
-            </a:r>
-          </a:p>
-          <a:p>
-            <a:pPr marL="0" indent="0">
-              <a:buNone/>
-            </a:pPr>
-            <a:r>
-              <a:rPr lang="en-US" sz="1200" dirty="0"/>
-              <a:t>I am: hostname: </a:t>
-            </a:r>
-            <a:r>
-              <a:rPr lang="en-US" sz="1200" dirty="0" err="1"/>
-              <a:t>lsst-dev</a:t>
-            </a:r>
-            <a:r>
-              <a:rPr lang="en-US" sz="1200" dirty="0"/>
-              <a:t>, fully qualified </a:t>
-            </a:r>
-            <a:r>
-              <a:rPr lang="en-US" sz="1200" dirty="0" err="1"/>
-              <a:t>doman</a:t>
-            </a:r>
-            <a:r>
-              <a:rPr lang="en-US" sz="1200" dirty="0"/>
-              <a:t> name: </a:t>
-            </a:r>
-            <a:r>
-              <a:rPr lang="en-US" sz="1200" dirty="0" err="1"/>
-              <a:t>lsst-dev.ncsa.illinois.edu</a:t>
-            </a:r>
-            <a:r>
-              <a:rPr lang="en-US" sz="1200" dirty="0"/>
-              <a:t>, IP: 141.142.237.30, IPv4: 141.142.237.30, IPv6: </a:t>
-            </a:r>
-          </a:p>
-          <a:p>
-            <a:pPr marL="0" indent="0">
-              <a:buNone/>
-            </a:pPr>
-            <a:r>
-              <a:rPr lang="en-US" sz="1200" dirty="0"/>
-              <a:t>I am: hostname: </a:t>
-            </a:r>
-            <a:r>
-              <a:rPr lang="en-US" sz="1200" dirty="0" err="1"/>
-              <a:t>lsst-dev</a:t>
-            </a:r>
-            <a:r>
-              <a:rPr lang="en-US" sz="1200" dirty="0"/>
-              <a:t>, fully qualified </a:t>
-            </a:r>
-            <a:r>
-              <a:rPr lang="en-US" sz="1200" dirty="0" err="1"/>
-              <a:t>doman</a:t>
-            </a:r>
-            <a:r>
-              <a:rPr lang="en-US" sz="1200" dirty="0"/>
-              <a:t> name: </a:t>
-            </a:r>
-            <a:r>
-              <a:rPr lang="en-US" sz="1200" dirty="0" err="1"/>
-              <a:t>lsst-dev.ncsa.illinois.edu</a:t>
-            </a:r>
-            <a:r>
-              <a:rPr lang="en-US" sz="1200" dirty="0"/>
-              <a:t>, IP: 141.142.237.30, IPv4: 141.142.237.30, IPv6: </a:t>
-            </a:r>
-          </a:p>
-          <a:p>
-            <a:pPr marL="0" indent="0">
-              <a:buNone/>
-            </a:pPr>
-            <a:r>
-              <a:rPr lang="en-US" sz="1200" dirty="0"/>
-              <a:t>Condor dag submitted as job  94022</a:t>
-            </a:r>
-          </a:p>
-          <a:p>
-            <a:pPr marL="0" indent="0">
-              <a:buNone/>
-            </a:pPr>
-            <a:r>
-              <a:rPr lang="en-US" sz="1200" dirty="0"/>
-              <a:t>Production launched.</a:t>
-            </a:r>
-          </a:p>
-          <a:p>
-            <a:pPr marL="0" indent="0">
-              <a:buNone/>
-            </a:pPr>
-            <a:r>
-              <a:rPr lang="en-US" sz="1200" dirty="0"/>
-              <a:t>Waiting for shutdown request</a:t>
-            </a:r>
-            <a:r>
-              <a:rPr lang="en-US" sz="1200" dirty="0" smtClean="0"/>
-              <a:t>.</a:t>
-            </a:r>
-          </a:p>
-          <a:p>
-            <a:pPr marL="0" indent="0">
-              <a:buNone/>
-            </a:pPr>
             <a:endParaRPr lang="en-US" sz="1200" dirty="0" smtClean="0"/>
           </a:p>
           <a:p>
             <a:pPr marL="0" indent="0">
               <a:buNone/>
             </a:pPr>
+            <a:r>
+              <a:rPr lang="en-US" sz="1800" dirty="0" smtClean="0"/>
+              <a:t>This will:</a:t>
+            </a:r>
+          </a:p>
+          <a:p>
+            <a:pPr marL="0" indent="0">
+              <a:buNone/>
+            </a:pPr>
+            <a:endParaRPr lang="en-US" sz="1800" dirty="0"/>
+          </a:p>
+          <a:p>
+            <a:pPr marL="0" indent="0">
+              <a:buNone/>
+            </a:pPr>
+            <a:r>
+              <a:rPr lang="en-US" sz="1800" dirty="0" smtClean="0"/>
+              <a:t>Launch Orca, executing on the </a:t>
+            </a:r>
+            <a:r>
+              <a:rPr lang="en-US" sz="1800" dirty="0" err="1" smtClean="0"/>
+              <a:t>lsst</a:t>
+            </a:r>
+            <a:r>
+              <a:rPr lang="en-US" sz="1800" dirty="0" smtClean="0"/>
+              <a:t> cluster, running the command “/bin/echo –id &lt;id&gt;</a:t>
+            </a:r>
+            <a:r>
+              <a:rPr lang="en-US" sz="1800" dirty="0" smtClean="0"/>
+              <a:t>” for each data id in $HOME/</a:t>
+            </a:r>
+            <a:r>
+              <a:rPr lang="en-US" sz="1800" dirty="0" err="1" smtClean="0"/>
+              <a:t>ids.txt</a:t>
+            </a:r>
+            <a:r>
+              <a:rPr lang="en-US" sz="1800" dirty="0" smtClean="0"/>
+              <a:t>,  </a:t>
+            </a:r>
+            <a:r>
+              <a:rPr lang="en-US" sz="1800" dirty="0" smtClean="0"/>
+              <a:t>using the stack located at ~/</a:t>
+            </a:r>
+            <a:r>
+              <a:rPr lang="en-US" sz="1800" dirty="0" err="1" smtClean="0"/>
+              <a:t>lsstsw</a:t>
+            </a:r>
+            <a:endParaRPr lang="en-US" sz="1800" dirty="0" smtClean="0"/>
+          </a:p>
+          <a:p>
+            <a:pPr marL="0" indent="0">
+              <a:buNone/>
+            </a:pPr>
             <a:endParaRPr lang="en-US" sz="1200" dirty="0"/>
-          </a:p>
-          <a:p>
-            <a:pPr marL="0" indent="0">
-              <a:buNone/>
-            </a:pPr>
-            <a:endParaRPr lang="en-US" sz="1200" dirty="0" smtClean="0"/>
-          </a:p>
-          <a:p>
-            <a:pPr marL="0" indent="0">
-              <a:buNone/>
-            </a:pPr>
-            <a:endParaRPr lang="en-US" sz="1200" dirty="0"/>
-          </a:p>
-          <a:p>
-            <a:pPr marL="0" indent="0">
-              <a:buNone/>
-            </a:pPr>
-            <a:endParaRPr lang="en-US" sz="1200" dirty="0"/>
-          </a:p>
-          <a:p>
-            <a:pPr marL="0" indent="0">
-              <a:buNone/>
-            </a:pPr>
-            <a:endParaRPr lang="en-US" sz="1200" dirty="0" smtClean="0"/>
-          </a:p>
-          <a:p>
-            <a:pPr marL="0" indent="0">
-              <a:buNone/>
-            </a:pPr>
-            <a:r>
-              <a:rPr lang="en-US" sz="1200" dirty="0" smtClean="0"/>
-              <a:t>(Note that the “I am: hostname</a:t>
-            </a:r>
-            <a:r>
-              <a:rPr lang="is-IS" sz="1200" dirty="0" smtClean="0"/>
-              <a:t>…” lines are output from the current version of HTCondor and will be removed in a subsequent release).</a:t>
-            </a:r>
-            <a:endParaRPr lang="en-US" sz="1200" dirty="0"/>
-          </a:p>
-        </p:txBody>
-      </p:sp>
-      <p:cxnSp>
-        <p:nvCxnSpPr>
-          <p:cNvPr id="3" name="Straight Arrow Connector 2"/>
-          <p:cNvCxnSpPr/>
-          <p:nvPr/>
-        </p:nvCxnSpPr>
-        <p:spPr>
-          <a:xfrm flipH="1">
-            <a:off x="3810000" y="1143000"/>
-            <a:ext cx="2895600" cy="152400"/>
-          </a:xfrm>
-          <a:prstGeom prst="straightConnector1">
-            <a:avLst/>
-          </a:prstGeom>
-          <a:ln>
-            <a:solidFill>
-              <a:srgbClr val="FF0000"/>
-            </a:solidFill>
-            <a:tailEnd type="arrow"/>
-          </a:ln>
-        </p:spPr>
-        <p:style>
-          <a:lnRef idx="2">
-            <a:schemeClr val="accent1"/>
-          </a:lnRef>
-          <a:fillRef idx="0">
-            <a:schemeClr val="accent1"/>
-          </a:fillRef>
-          <a:effectRef idx="1">
-            <a:schemeClr val="accent1"/>
-          </a:effectRef>
-          <a:fontRef idx="minor">
-            <a:schemeClr val="tx1"/>
-          </a:fontRef>
-        </p:style>
-      </p:cxnSp>
-      <p:sp>
-        <p:nvSpPr>
-          <p:cNvPr id="9" name="TextBox 8"/>
-          <p:cNvSpPr txBox="1"/>
-          <p:nvPr/>
-        </p:nvSpPr>
-        <p:spPr>
-          <a:xfrm>
-            <a:off x="6781800" y="990600"/>
-            <a:ext cx="1874206" cy="369332"/>
-          </a:xfrm>
-          <a:prstGeom prst="rect">
-            <a:avLst/>
-          </a:prstGeom>
-          <a:noFill/>
-          <a:ln>
-            <a:solidFill>
-              <a:srgbClr val="FF0000"/>
-            </a:solidFill>
-          </a:ln>
-        </p:spPr>
-        <p:txBody>
-          <a:bodyPr wrap="none" rtlCol="0">
-            <a:spAutoFit/>
-          </a:bodyPr>
-          <a:lstStyle/>
-          <a:p>
-            <a:r>
-              <a:rPr lang="en-US" dirty="0" smtClean="0"/>
-              <a:t>Remember this</a:t>
-            </a:r>
-            <a:endParaRPr lang="en-US" dirty="0"/>
           </a:p>
         </p:txBody>
       </p:sp>
     </p:spTree>
     <p:extLst>
       <p:ext uri="{BB962C8B-B14F-4D97-AF65-F5344CB8AC3E}">
-        <p14:creationId xmlns:p14="http://schemas.microsoft.com/office/powerpoint/2010/main" val="373779175"/>
+        <p14:creationId xmlns:p14="http://schemas.microsoft.com/office/powerpoint/2010/main" val="1461865783"/>
       </p:ext>
     </p:extLst>
   </p:cSld>
